--- a/pptx/r_plumber.pptx
+++ b/pptx/r_plumber.pptx
@@ -139,6 +139,9 @@
     <p:ext uri="{EFAFB233-063F-42B5-8137-9DF3F51BA10A}">
       <p15:sldGuideLst xmlns:p15="http://schemas.microsoft.com/office/powerpoint/2012/main"/>
     </p:ext>
+    <p:ext uri="{2D200454-40CA-4A62-9FC3-DE9A4176ACB9}">
+      <p15:notesGuideLst xmlns:p15="http://schemas.microsoft.com/office/powerpoint/2012/main"/>
+    </p:ext>
   </p:extLst>
 </p:presentation>
 </file>
@@ -225,7 +228,7 @@
           <a:p>
             <a:fld id="{064B236C-34A6-4428-B7FD-7894083272AC}" type="datetimeFigureOut">
               <a:rPr lang="en-US" smtClean="0"/>
-              <a:t>8/10/2019</a:t>
+              <a:t>8/12/2019</a:t>
             </a:fld>
             <a:endParaRPr lang="en-US" dirty="0"/>
           </a:p>
@@ -1378,7 +1381,7 @@
           <a:p>
             <a:fld id="{618EF707-A7C1-419D-B954-35C673524989}" type="datetime1">
               <a:rPr lang="en-US" smtClean="0"/>
-              <a:t>8/10/2019</a:t>
+              <a:t>8/12/2019</a:t>
             </a:fld>
             <a:endParaRPr lang="en-US" dirty="0"/>
           </a:p>
@@ -1527,7 +1530,7 @@
           <a:p>
             <a:fld id="{390D2226-B526-4F46-836F-603340B437D8}" type="datetime1">
               <a:rPr lang="en-US" smtClean="0"/>
-              <a:t>8/10/2019</a:t>
+              <a:t>8/12/2019</a:t>
             </a:fld>
             <a:endParaRPr lang="en-US" dirty="0"/>
           </a:p>
@@ -1713,7 +1716,7 @@
           <a:p>
             <a:fld id="{5A70067B-E849-4275-B000-B1C99DFD67DB}" type="datetime1">
               <a:rPr lang="en-US" smtClean="0"/>
-              <a:t>8/10/2019</a:t>
+              <a:t>8/12/2019</a:t>
             </a:fld>
             <a:endParaRPr lang="en-US" dirty="0"/>
           </a:p>
@@ -1915,7 +1918,7 @@
           <a:p>
             <a:fld id="{E33A92ED-39B7-43E0-9A13-62D89F8F37CB}" type="datetime1">
               <a:rPr lang="en-US" smtClean="0"/>
-              <a:t>8/10/2019</a:t>
+              <a:t>8/12/2019</a:t>
             </a:fld>
             <a:endParaRPr lang="en-US" dirty="0"/>
           </a:p>
@@ -2145,7 +2148,7 @@
           <a:p>
             <a:fld id="{1F7CF7DC-79F5-495C-829D-55B9AF3720B9}" type="datetime1">
               <a:rPr lang="en-US" smtClean="0"/>
-              <a:t>8/10/2019</a:t>
+              <a:t>8/12/2019</a:t>
             </a:fld>
             <a:endParaRPr lang="en-US" dirty="0"/>
           </a:p>
@@ -2398,7 +2401,7 @@
           <a:p>
             <a:fld id="{DF395E55-6DEF-4FC0-AB93-BBCEF2374418}" type="datetime1">
               <a:rPr lang="en-US" smtClean="0"/>
-              <a:t>8/10/2019</a:t>
+              <a:t>8/12/2019</a:t>
             </a:fld>
             <a:endParaRPr lang="en-US" dirty="0"/>
           </a:p>
@@ -2635,7 +2638,7 @@
           <a:p>
             <a:fld id="{100CCB80-E62E-4246-9603-FA0DE41A9272}" type="datetime1">
               <a:rPr lang="en-US" smtClean="0"/>
-              <a:t>8/10/2019</a:t>
+              <a:t>8/12/2019</a:t>
             </a:fld>
             <a:endParaRPr lang="en-US" dirty="0"/>
           </a:p>
@@ -3007,7 +3010,7 @@
           <a:p>
             <a:fld id="{B6F13E48-E950-40FC-80E2-2A4056BC881D}" type="datetime1">
               <a:rPr lang="en-US" smtClean="0"/>
-              <a:t>8/10/2019</a:t>
+              <a:t>8/12/2019</a:t>
             </a:fld>
             <a:endParaRPr lang="en-US" dirty="0"/>
           </a:p>
@@ -3132,7 +3135,7 @@
           <a:p>
             <a:fld id="{99AA5CF2-5195-4C11-B918-E4E845FF5E24}" type="datetime1">
               <a:rPr lang="en-US" smtClean="0"/>
-              <a:t>8/10/2019</a:t>
+              <a:t>8/12/2019</a:t>
             </a:fld>
             <a:endParaRPr lang="en-US" dirty="0"/>
           </a:p>
@@ -3250,7 +3253,7 @@
           <a:p>
             <a:fld id="{CFB88C1A-D124-40A5-9493-F821E2DE8183}" type="datetime1">
               <a:rPr lang="en-US" smtClean="0"/>
-              <a:t>8/10/2019</a:t>
+              <a:t>8/12/2019</a:t>
             </a:fld>
             <a:endParaRPr lang="en-US" dirty="0"/>
           </a:p>
@@ -3563,7 +3566,7 @@
           <a:p>
             <a:fld id="{8E1A69DD-F1AF-4516-87FF-22D83DFF9ADA}" type="datetime1">
               <a:rPr lang="en-US" smtClean="0"/>
-              <a:t>8/10/2019</a:t>
+              <a:t>8/12/2019</a:t>
             </a:fld>
             <a:endParaRPr lang="en-US" dirty="0"/>
           </a:p>
@@ -3823,7 +3826,7 @@
           <a:p>
             <a:fld id="{4574BFF5-088D-4045-BF73-58DD2F255F74}" type="datetime1">
               <a:rPr lang="en-US" smtClean="0"/>
-              <a:t>8/10/2019</a:t>
+              <a:t>8/12/2019</a:t>
             </a:fld>
             <a:endParaRPr lang="en-US" dirty="0"/>
           </a:p>
@@ -4042,7 +4045,7 @@
           <a:p>
             <a:fld id="{0962182B-33B2-4B93-BB01-D972CDB5FDCF}" type="datetime1">
               <a:rPr lang="en-US" smtClean="0"/>
-              <a:t>8/10/2019</a:t>
+              <a:t>8/12/2019</a:t>
             </a:fld>
             <a:endParaRPr lang="en-US" dirty="0"/>
           </a:p>
@@ -4520,7 +4523,7 @@
                   </a:schemeClr>
                 </a:solidFill>
               </a:rPr>
-              <a:t>8/10/2019</a:t>
+              <a:t>8/12/2019</a:t>
             </a:fld>
             <a:endParaRPr lang="en-US" dirty="0">
               <a:solidFill>
@@ -4651,7 +4654,7 @@
           <a:p>
             <a:fld id="{E33A92ED-39B7-43E0-9A13-62D89F8F37CB}" type="datetime1">
               <a:rPr lang="en-US" smtClean="0"/>
-              <a:t>8/11/2019</a:t>
+              <a:t>8/12/2019</a:t>
             </a:fld>
             <a:endParaRPr lang="en-US" dirty="0"/>
           </a:p>
@@ -5283,7 +5286,7 @@
           <a:p>
             <a:fld id="{CFB88C1A-D124-40A5-9493-F821E2DE8183}" type="datetime1">
               <a:rPr lang="en-US" smtClean="0"/>
-              <a:t>8/10/2019</a:t>
+              <a:t>8/12/2019</a:t>
             </a:fld>
             <a:endParaRPr lang="en-US" dirty="0"/>
           </a:p>
@@ -5510,171 +5513,6 @@
           </a:p>
           <a:p>
             <a:pPr lvl="0"/>
-            <a:endParaRPr lang="en-US" dirty="0"/>
-          </a:p>
-          <a:p>
-            <a:pPr marL="0" lvl="0" indent="0">
-              <a:buNone/>
-            </a:pPr>
-            <a:endParaRPr lang="en-US" dirty="0"/>
-          </a:p>
-          <a:p>
-            <a:pPr marL="0" indent="0" algn="ctr">
-              <a:buNone/>
-            </a:pPr>
-            <a:endParaRPr lang="en-US" dirty="0"/>
-          </a:p>
-          <a:p>
-            <a:pPr marL="0" indent="0">
-              <a:buNone/>
-            </a:pPr>
-            <a:endParaRPr lang="en-US" dirty="0"/>
-          </a:p>
-        </p:txBody>
-      </p:sp>
-      <p:sp>
-        <p:nvSpPr>
-          <p:cNvPr id="3" name="Date Placeholder 2">
-            <a:extLst>
-              <a:ext uri="{FF2B5EF4-FFF2-40B4-BE49-F238E27FC236}">
-                <a16:creationId xmlns:a16="http://schemas.microsoft.com/office/drawing/2014/main" id="{5BC11C2B-FFFA-41DD-BAE8-D15D7261DDDD}"/>
-              </a:ext>
-            </a:extLst>
-          </p:cNvPr>
-          <p:cNvSpPr>
-            <a:spLocks noGrp="1"/>
-          </p:cNvSpPr>
-          <p:nvPr>
-            <p:ph type="dt" sz="half" idx="10"/>
-          </p:nvPr>
-        </p:nvSpPr>
-        <p:spPr/>
-        <p:txBody>
-          <a:bodyPr/>
-          <a:lstStyle/>
-          <a:p>
-            <a:pPr marL="0" marR="0" lvl="0" indent="0" algn="l" defTabSz="914400" rtl="0" eaLnBrk="1" fontAlgn="auto" latinLnBrk="0" hangingPunct="1">
-              <a:lnSpc>
-                <a:spcPct val="100000"/>
-              </a:lnSpc>
-              <a:spcBef>
-                <a:spcPts val="0"/>
-              </a:spcBef>
-              <a:spcAft>
-                <a:spcPts val="0"/>
-              </a:spcAft>
-              <a:buClrTx/>
-              <a:buSzTx/>
-              <a:buFontTx/>
-              <a:buNone/>
-              <a:tabLst/>
-              <a:defRPr/>
-            </a:pPr>
-            <a:fld id="{B2B0DBB4-B243-4953-B5EC-40AE2C4109DF}" type="datetime1">
-              <a:rPr kumimoji="0" lang="en-US" sz="1200" b="0" i="0" u="none" strike="noStrike" kern="1200" cap="none" spc="0" normalizeH="0" baseline="0" noProof="0" smtClean="0">
-                <a:ln>
-                  <a:noFill/>
-                </a:ln>
-                <a:solidFill>
-                  <a:srgbClr val="898989"/>
-                </a:solidFill>
-                <a:effectLst/>
-                <a:uLnTx/>
-                <a:uFillTx/>
-                <a:latin typeface="Calibri" panose="020F0502020204030204"/>
-                <a:ea typeface="+mn-ea"/>
-                <a:cs typeface="+mn-cs"/>
-              </a:rPr>
-              <a:t>8/10/2019</a:t>
-            </a:fld>
-            <a:endParaRPr kumimoji="0" lang="en-US" sz="1200" b="0" i="0" u="none" strike="noStrike" kern="1200" cap="none" spc="0" normalizeH="0" baseline="0" noProof="0" dirty="0">
-              <a:ln>
-                <a:noFill/>
-              </a:ln>
-              <a:solidFill>
-                <a:srgbClr val="898989"/>
-              </a:solidFill>
-              <a:effectLst/>
-              <a:uLnTx/>
-              <a:uFillTx/>
-              <a:latin typeface="Calibri" panose="020F0502020204030204"/>
-              <a:ea typeface="+mn-ea"/>
-              <a:cs typeface="+mn-cs"/>
-            </a:endParaRPr>
-          </a:p>
-        </p:txBody>
-      </p:sp>
-    </p:spTree>
-    <p:extLst>
-      <p:ext uri="{BB962C8B-B14F-4D97-AF65-F5344CB8AC3E}">
-        <p14:creationId xmlns:p14="http://schemas.microsoft.com/office/powerpoint/2010/main" val="1418443035"/>
-      </p:ext>
-    </p:extLst>
-  </p:cSld>
-  <p:clrMapOvr>
-    <a:masterClrMapping/>
-  </p:clrMapOvr>
-</p:sld>
-</file>
-
-<file path=ppt/slides/slide14.xml><?xml version="1.0" encoding="utf-8"?>
-<p:sld xmlns:a="http://schemas.openxmlformats.org/drawingml/2006/main" xmlns:r="http://schemas.openxmlformats.org/officeDocument/2006/relationships" xmlns:p="http://schemas.openxmlformats.org/presentationml/2006/main">
-  <p:cSld>
-    <p:spTree>
-      <p:nvGrpSpPr>
-        <p:cNvPr id="1" name=""/>
-        <p:cNvGrpSpPr/>
-        <p:nvPr/>
-      </p:nvGrpSpPr>
-      <p:grpSpPr>
-        <a:xfrm>
-          <a:off x="0" y="0"/>
-          <a:ext cx="0" cy="0"/>
-          <a:chOff x="0" y="0"/>
-          <a:chExt cx="0" cy="0"/>
-        </a:xfrm>
-      </p:grpSpPr>
-      <p:sp>
-        <p:nvSpPr>
-          <p:cNvPr id="2" name="Text Placeholder 1">
-            <a:extLst>
-              <a:ext uri="{FF2B5EF4-FFF2-40B4-BE49-F238E27FC236}">
-                <a16:creationId xmlns:a16="http://schemas.microsoft.com/office/drawing/2014/main" id="{2F2678E9-E3C1-4476-A60C-CA391CC96B4D}"/>
-              </a:ext>
-            </a:extLst>
-          </p:cNvPr>
-          <p:cNvSpPr>
-            <a:spLocks noGrp="1"/>
-          </p:cNvSpPr>
-          <p:nvPr>
-            <p:ph type="body" sz="quarter" idx="4294967295"/>
-          </p:nvPr>
-        </p:nvSpPr>
-        <p:spPr>
-          <a:xfrm>
-            <a:off x="1241044" y="204788"/>
-            <a:ext cx="8940800" cy="5538216"/>
-          </a:xfrm>
-        </p:spPr>
-        <p:txBody>
-          <a:bodyPr>
-            <a:normAutofit/>
-          </a:bodyPr>
-          <a:lstStyle/>
-          <a:p>
-            <a:pPr marL="0" indent="0" algn="ctr">
-              <a:buNone/>
-            </a:pPr>
-            <a:r>
-              <a:rPr lang="en-US" sz="3200" b="1" u="sng" dirty="0" err="1"/>
-              <a:t>httr</a:t>
-            </a:r>
-            <a:endParaRPr lang="en-US" sz="3200" b="1" u="sng" dirty="0"/>
-          </a:p>
-          <a:p>
-            <a:pPr marL="0" lvl="0" indent="0">
-              <a:buNone/>
-            </a:pPr>
             <a:endParaRPr lang="en-US" dirty="0"/>
           </a:p>
           <a:p>
@@ -5769,130 +5607,10 @@
           </a:p>
         </p:txBody>
       </p:sp>
-      <p:pic>
-        <p:nvPicPr>
-          <p:cNvPr id="4" name="Picture 3">
-            <a:extLst>
-              <a:ext uri="{FF2B5EF4-FFF2-40B4-BE49-F238E27FC236}">
-                <a16:creationId xmlns:a16="http://schemas.microsoft.com/office/drawing/2014/main" id="{B69DB6A2-653A-4C79-8BEC-890A234EDD7B}"/>
-              </a:ext>
-            </a:extLst>
-          </p:cNvPr>
-          <p:cNvPicPr>
-            <a:picLocks noChangeAspect="1"/>
-          </p:cNvPicPr>
-          <p:nvPr/>
-        </p:nvPicPr>
-        <p:blipFill>
-          <a:blip r:embed="rId2"/>
-          <a:stretch>
-            <a:fillRect/>
-          </a:stretch>
-        </p:blipFill>
-        <p:spPr>
-          <a:xfrm>
-            <a:off x="1752600" y="942974"/>
-            <a:ext cx="7221894" cy="1228725"/>
-          </a:xfrm>
-          <a:prstGeom prst="rect">
-            <a:avLst/>
-          </a:prstGeom>
-        </p:spPr>
-      </p:pic>
-      <p:pic>
-        <p:nvPicPr>
-          <p:cNvPr id="5" name="Picture 4">
-            <a:extLst>
-              <a:ext uri="{FF2B5EF4-FFF2-40B4-BE49-F238E27FC236}">
-                <a16:creationId xmlns:a16="http://schemas.microsoft.com/office/drawing/2014/main" id="{3FE55E89-5C0E-41B2-8CE4-3B8D6A5F04A6}"/>
-              </a:ext>
-            </a:extLst>
-          </p:cNvPr>
-          <p:cNvPicPr>
-            <a:picLocks noChangeAspect="1"/>
-          </p:cNvPicPr>
-          <p:nvPr/>
-        </p:nvPicPr>
-        <p:blipFill>
-          <a:blip r:embed="rId3"/>
-          <a:stretch>
-            <a:fillRect/>
-          </a:stretch>
-        </p:blipFill>
-        <p:spPr>
-          <a:xfrm>
-            <a:off x="2186005" y="2590513"/>
-            <a:ext cx="3262295" cy="670511"/>
-          </a:xfrm>
-          <a:prstGeom prst="rect">
-            <a:avLst/>
-          </a:prstGeom>
-        </p:spPr>
-      </p:pic>
-      <p:pic>
-        <p:nvPicPr>
-          <p:cNvPr id="6" name="Picture 5">
-            <a:extLst>
-              <a:ext uri="{FF2B5EF4-FFF2-40B4-BE49-F238E27FC236}">
-                <a16:creationId xmlns:a16="http://schemas.microsoft.com/office/drawing/2014/main" id="{3F3467D9-BAF8-4FC7-8E70-F1AB85A73072}"/>
-              </a:ext>
-            </a:extLst>
-          </p:cNvPr>
-          <p:cNvPicPr>
-            <a:picLocks noChangeAspect="1"/>
-          </p:cNvPicPr>
-          <p:nvPr/>
-        </p:nvPicPr>
-        <p:blipFill>
-          <a:blip r:embed="rId4"/>
-          <a:stretch>
-            <a:fillRect/>
-          </a:stretch>
-        </p:blipFill>
-        <p:spPr>
-          <a:xfrm>
-            <a:off x="1752600" y="3596978"/>
-            <a:ext cx="2717800" cy="351104"/>
-          </a:xfrm>
-          <a:prstGeom prst="rect">
-            <a:avLst/>
-          </a:prstGeom>
-        </p:spPr>
-      </p:pic>
-      <p:pic>
-        <p:nvPicPr>
-          <p:cNvPr id="7" name="Picture 6">
-            <a:extLst>
-              <a:ext uri="{FF2B5EF4-FFF2-40B4-BE49-F238E27FC236}">
-                <a16:creationId xmlns:a16="http://schemas.microsoft.com/office/drawing/2014/main" id="{4A356AB0-ABA4-4D49-A646-4444FCFB0F4A}"/>
-              </a:ext>
-            </a:extLst>
-          </p:cNvPr>
-          <p:cNvPicPr>
-            <a:picLocks noChangeAspect="1"/>
-          </p:cNvPicPr>
-          <p:nvPr/>
-        </p:nvPicPr>
-        <p:blipFill>
-          <a:blip r:embed="rId5"/>
-          <a:stretch>
-            <a:fillRect/>
-          </a:stretch>
-        </p:blipFill>
-        <p:spPr>
-          <a:xfrm>
-            <a:off x="2186005" y="4328752"/>
-            <a:ext cx="2497982" cy="670511"/>
-          </a:xfrm>
-          <a:prstGeom prst="rect">
-            <a:avLst/>
-          </a:prstGeom>
-        </p:spPr>
-      </p:pic>
     </p:spTree>
     <p:extLst>
       <p:ext uri="{BB962C8B-B14F-4D97-AF65-F5344CB8AC3E}">
-        <p14:creationId xmlns:p14="http://schemas.microsoft.com/office/powerpoint/2010/main" val="4026376434"/>
+        <p14:creationId xmlns:p14="http://schemas.microsoft.com/office/powerpoint/2010/main" val="1418443035"/>
       </p:ext>
     </p:extLst>
   </p:cSld>
@@ -5902,7 +5620,7 @@
 </p:sld>
 </file>
 
-<file path=ppt/slides/slide15.xml><?xml version="1.0" encoding="utf-8"?>
+<file path=ppt/slides/slide14.xml><?xml version="1.0" encoding="utf-8"?>
 <p:sld xmlns:a="http://schemas.openxmlformats.org/drawingml/2006/main" xmlns:r="http://schemas.openxmlformats.org/officeDocument/2006/relationships" xmlns:p="http://schemas.openxmlformats.org/presentationml/2006/main">
   <p:cSld>
     <p:spTree>
@@ -5951,9 +5669,10 @@
               <a:buNone/>
             </a:pPr>
             <a:r>
-              <a:rPr lang="en-US" sz="3200" b="1" u="sng" dirty="0"/>
-              <a:t>Response objects</a:t>
-            </a:r>
+              <a:rPr lang="en-US" sz="3200" b="1" u="sng" dirty="0" err="1"/>
+              <a:t>httr</a:t>
+            </a:r>
+            <a:endParaRPr lang="en-US" sz="3200" b="1" u="sng" dirty="0"/>
           </a:p>
           <a:p>
             <a:pPr marL="0" lvl="0" indent="0">
@@ -6055,10 +5774,10 @@
       </p:sp>
       <p:pic>
         <p:nvPicPr>
-          <p:cNvPr id="8" name="Picture 7">
-            <a:extLst>
-              <a:ext uri="{FF2B5EF4-FFF2-40B4-BE49-F238E27FC236}">
-                <a16:creationId xmlns:a16="http://schemas.microsoft.com/office/drawing/2014/main" id="{14C28340-8F8A-4384-8C04-DA8BB29C0D01}"/>
+          <p:cNvPr id="4" name="Picture 3">
+            <a:extLst>
+              <a:ext uri="{FF2B5EF4-FFF2-40B4-BE49-F238E27FC236}">
+                <a16:creationId xmlns:a16="http://schemas.microsoft.com/office/drawing/2014/main" id="{B69DB6A2-653A-4C79-8BEC-890A234EDD7B}"/>
               </a:ext>
             </a:extLst>
           </p:cNvPr>
@@ -6075,8 +5794,8 @@
         </p:blipFill>
         <p:spPr>
           <a:xfrm>
-            <a:off x="1554663" y="897508"/>
-            <a:ext cx="2595351" cy="434975"/>
+            <a:off x="1752600" y="942974"/>
+            <a:ext cx="7221894" cy="1228725"/>
           </a:xfrm>
           <a:prstGeom prst="rect">
             <a:avLst/>
@@ -6085,10 +5804,10 @@
       </p:pic>
       <p:pic>
         <p:nvPicPr>
-          <p:cNvPr id="9" name="Picture 8">
-            <a:extLst>
-              <a:ext uri="{FF2B5EF4-FFF2-40B4-BE49-F238E27FC236}">
-                <a16:creationId xmlns:a16="http://schemas.microsoft.com/office/drawing/2014/main" id="{081D8367-9E81-45EA-A4ED-729271CAE486}"/>
+          <p:cNvPr id="5" name="Picture 4">
+            <a:extLst>
+              <a:ext uri="{FF2B5EF4-FFF2-40B4-BE49-F238E27FC236}">
+                <a16:creationId xmlns:a16="http://schemas.microsoft.com/office/drawing/2014/main" id="{3FE55E89-5C0E-41B2-8CE4-3B8D6A5F04A6}"/>
               </a:ext>
             </a:extLst>
           </p:cNvPr>
@@ -6105,8 +5824,68 @@
         </p:blipFill>
         <p:spPr>
           <a:xfrm>
-            <a:off x="573588" y="1390649"/>
-            <a:ext cx="11459187" cy="5319449"/>
+            <a:off x="2186005" y="2590513"/>
+            <a:ext cx="3262295" cy="670511"/>
+          </a:xfrm>
+          <a:prstGeom prst="rect">
+            <a:avLst/>
+          </a:prstGeom>
+        </p:spPr>
+      </p:pic>
+      <p:pic>
+        <p:nvPicPr>
+          <p:cNvPr id="6" name="Picture 5">
+            <a:extLst>
+              <a:ext uri="{FF2B5EF4-FFF2-40B4-BE49-F238E27FC236}">
+                <a16:creationId xmlns:a16="http://schemas.microsoft.com/office/drawing/2014/main" id="{3F3467D9-BAF8-4FC7-8E70-F1AB85A73072}"/>
+              </a:ext>
+            </a:extLst>
+          </p:cNvPr>
+          <p:cNvPicPr>
+            <a:picLocks noChangeAspect="1"/>
+          </p:cNvPicPr>
+          <p:nvPr/>
+        </p:nvPicPr>
+        <p:blipFill>
+          <a:blip r:embed="rId4"/>
+          <a:stretch>
+            <a:fillRect/>
+          </a:stretch>
+        </p:blipFill>
+        <p:spPr>
+          <a:xfrm>
+            <a:off x="1752600" y="3596978"/>
+            <a:ext cx="2717800" cy="351104"/>
+          </a:xfrm>
+          <a:prstGeom prst="rect">
+            <a:avLst/>
+          </a:prstGeom>
+        </p:spPr>
+      </p:pic>
+      <p:pic>
+        <p:nvPicPr>
+          <p:cNvPr id="7" name="Picture 6">
+            <a:extLst>
+              <a:ext uri="{FF2B5EF4-FFF2-40B4-BE49-F238E27FC236}">
+                <a16:creationId xmlns:a16="http://schemas.microsoft.com/office/drawing/2014/main" id="{4A356AB0-ABA4-4D49-A646-4444FCFB0F4A}"/>
+              </a:ext>
+            </a:extLst>
+          </p:cNvPr>
+          <p:cNvPicPr>
+            <a:picLocks noChangeAspect="1"/>
+          </p:cNvPicPr>
+          <p:nvPr/>
+        </p:nvPicPr>
+        <p:blipFill>
+          <a:blip r:embed="rId5"/>
+          <a:stretch>
+            <a:fillRect/>
+          </a:stretch>
+        </p:blipFill>
+        <p:spPr>
+          <a:xfrm>
+            <a:off x="2186005" y="4328752"/>
+            <a:ext cx="2497982" cy="670511"/>
           </a:xfrm>
           <a:prstGeom prst="rect">
             <a:avLst/>
@@ -6116,7 +5895,7 @@
     </p:spTree>
     <p:extLst>
       <p:ext uri="{BB962C8B-B14F-4D97-AF65-F5344CB8AC3E}">
-        <p14:creationId xmlns:p14="http://schemas.microsoft.com/office/powerpoint/2010/main" val="2653815817"/>
+        <p14:creationId xmlns:p14="http://schemas.microsoft.com/office/powerpoint/2010/main" val="4026376434"/>
       </p:ext>
     </p:extLst>
   </p:cSld>
@@ -6126,7 +5905,7 @@
 </p:sld>
 </file>
 
-<file path=ppt/slides/slide16.xml><?xml version="1.0" encoding="utf-8"?>
+<file path=ppt/slides/slide15.xml><?xml version="1.0" encoding="utf-8"?>
 <p:sld xmlns:a="http://schemas.openxmlformats.org/drawingml/2006/main" xmlns:r="http://schemas.openxmlformats.org/officeDocument/2006/relationships" xmlns:p="http://schemas.openxmlformats.org/presentationml/2006/main">
   <p:cSld>
     <p:spTree>
@@ -6143,36 +5922,6 @@
           <a:chExt cx="0" cy="0"/>
         </a:xfrm>
       </p:grpSpPr>
-      <p:pic>
-        <p:nvPicPr>
-          <p:cNvPr id="5" name="Picture 4">
-            <a:extLst>
-              <a:ext uri="{FF2B5EF4-FFF2-40B4-BE49-F238E27FC236}">
-                <a16:creationId xmlns:a16="http://schemas.microsoft.com/office/drawing/2014/main" id="{6FD476CC-6886-48A7-8EA9-0E672B4E197D}"/>
-              </a:ext>
-            </a:extLst>
-          </p:cNvPr>
-          <p:cNvPicPr>
-            <a:picLocks noChangeAspect="1"/>
-          </p:cNvPicPr>
-          <p:nvPr/>
-        </p:nvPicPr>
-        <p:blipFill>
-          <a:blip r:embed="rId2"/>
-          <a:stretch>
-            <a:fillRect/>
-          </a:stretch>
-        </p:blipFill>
-        <p:spPr>
-          <a:xfrm>
-            <a:off x="155102" y="204788"/>
-            <a:ext cx="4869017" cy="6653212"/>
-          </a:xfrm>
-          <a:prstGeom prst="rect">
-            <a:avLst/>
-          </a:prstGeom>
-        </p:spPr>
-      </p:pic>
       <p:sp>
         <p:nvSpPr>
           <p:cNvPr id="2" name="Text Placeholder 1">
@@ -6206,7 +5955,7 @@
             </a:pPr>
             <a:r>
               <a:rPr lang="en-US" sz="3200" b="1" u="sng" dirty="0"/>
-              <a:t>Decoding the response content</a:t>
+              <a:t>Response objects</a:t>
             </a:r>
           </a:p>
           <a:p>
@@ -6309,10 +6058,40 @@
       </p:sp>
       <p:pic>
         <p:nvPicPr>
-          <p:cNvPr id="4" name="Picture 3">
-            <a:extLst>
-              <a:ext uri="{FF2B5EF4-FFF2-40B4-BE49-F238E27FC236}">
-                <a16:creationId xmlns:a16="http://schemas.microsoft.com/office/drawing/2014/main" id="{D084CF91-2D5F-46CF-A2F3-B3AA1E6C8CC4}"/>
+          <p:cNvPr id="8" name="Picture 7">
+            <a:extLst>
+              <a:ext uri="{FF2B5EF4-FFF2-40B4-BE49-F238E27FC236}">
+                <a16:creationId xmlns:a16="http://schemas.microsoft.com/office/drawing/2014/main" id="{14C28340-8F8A-4384-8C04-DA8BB29C0D01}"/>
+              </a:ext>
+            </a:extLst>
+          </p:cNvPr>
+          <p:cNvPicPr>
+            <a:picLocks noChangeAspect="1"/>
+          </p:cNvPicPr>
+          <p:nvPr/>
+        </p:nvPicPr>
+        <p:blipFill>
+          <a:blip r:embed="rId2"/>
+          <a:stretch>
+            <a:fillRect/>
+          </a:stretch>
+        </p:blipFill>
+        <p:spPr>
+          <a:xfrm>
+            <a:off x="1554663" y="897508"/>
+            <a:ext cx="2595351" cy="434975"/>
+          </a:xfrm>
+          <a:prstGeom prst="rect">
+            <a:avLst/>
+          </a:prstGeom>
+        </p:spPr>
+      </p:pic>
+      <p:pic>
+        <p:nvPicPr>
+          <p:cNvPr id="9" name="Picture 8">
+            <a:extLst>
+              <a:ext uri="{FF2B5EF4-FFF2-40B4-BE49-F238E27FC236}">
+                <a16:creationId xmlns:a16="http://schemas.microsoft.com/office/drawing/2014/main" id="{081D8367-9E81-45EA-A4ED-729271CAE486}"/>
               </a:ext>
             </a:extLst>
           </p:cNvPr>
@@ -6329,38 +6108,8 @@
         </p:blipFill>
         <p:spPr>
           <a:xfrm>
-            <a:off x="3796048" y="940371"/>
-            <a:ext cx="4091214" cy="349250"/>
-          </a:xfrm>
-          <a:prstGeom prst="rect">
-            <a:avLst/>
-          </a:prstGeom>
-        </p:spPr>
-      </p:pic>
-      <p:pic>
-        <p:nvPicPr>
-          <p:cNvPr id="6" name="Picture 5">
-            <a:extLst>
-              <a:ext uri="{FF2B5EF4-FFF2-40B4-BE49-F238E27FC236}">
-                <a16:creationId xmlns:a16="http://schemas.microsoft.com/office/drawing/2014/main" id="{95453888-9F6D-439D-85B7-E712A3DADB3A}"/>
-              </a:ext>
-            </a:extLst>
-          </p:cNvPr>
-          <p:cNvPicPr>
-            <a:picLocks noChangeAspect="1"/>
-          </p:cNvPicPr>
-          <p:nvPr/>
-        </p:nvPicPr>
-        <p:blipFill>
-          <a:blip r:embed="rId4"/>
-          <a:stretch>
-            <a:fillRect/>
-          </a:stretch>
-        </p:blipFill>
-        <p:spPr>
-          <a:xfrm>
-            <a:off x="5711445" y="1745804"/>
-            <a:ext cx="4918412" cy="5112196"/>
+            <a:off x="573588" y="1390649"/>
+            <a:ext cx="11459187" cy="5319449"/>
           </a:xfrm>
           <a:prstGeom prst="rect">
             <a:avLst/>
@@ -6370,7 +6119,7 @@
     </p:spTree>
     <p:extLst>
       <p:ext uri="{BB962C8B-B14F-4D97-AF65-F5344CB8AC3E}">
-        <p14:creationId xmlns:p14="http://schemas.microsoft.com/office/powerpoint/2010/main" val="4089317897"/>
+        <p14:creationId xmlns:p14="http://schemas.microsoft.com/office/powerpoint/2010/main" val="2653815817"/>
       </p:ext>
     </p:extLst>
   </p:cSld>
@@ -6380,7 +6129,7 @@
 </p:sld>
 </file>
 
-<file path=ppt/slides/slide17.xml><?xml version="1.0" encoding="utf-8"?>
+<file path=ppt/slides/slide16.xml><?xml version="1.0" encoding="utf-8"?>
 <p:sld xmlns:a="http://schemas.openxmlformats.org/drawingml/2006/main" xmlns:r="http://schemas.openxmlformats.org/officeDocument/2006/relationships" xmlns:p="http://schemas.openxmlformats.org/presentationml/2006/main">
   <p:cSld>
     <p:spTree>
@@ -6397,1169 +6146,12 @@
           <a:chExt cx="0" cy="0"/>
         </a:xfrm>
       </p:grpSpPr>
-      <p:sp>
-        <p:nvSpPr>
-          <p:cNvPr id="2" name="Text Placeholder 1">
-            <a:extLst>
-              <a:ext uri="{FF2B5EF4-FFF2-40B4-BE49-F238E27FC236}">
-                <a16:creationId xmlns:a16="http://schemas.microsoft.com/office/drawing/2014/main" id="{06FDE07A-9444-476F-9E70-C201318599D9}"/>
-              </a:ext>
-            </a:extLst>
-          </p:cNvPr>
-          <p:cNvSpPr>
-            <a:spLocks noGrp="1"/>
-          </p:cNvSpPr>
-          <p:nvPr>
-            <p:ph type="body" sz="quarter" idx="4294967295"/>
-          </p:nvPr>
-        </p:nvSpPr>
-        <p:spPr>
-          <a:xfrm>
-            <a:off x="1739900" y="1181100"/>
-            <a:ext cx="8940800" cy="2438400"/>
-          </a:xfrm>
-        </p:spPr>
-        <p:txBody>
-          <a:bodyPr>
-            <a:normAutofit/>
-          </a:bodyPr>
-          <a:lstStyle/>
-          <a:p>
-            <a:pPr marL="0" indent="0">
-              <a:buNone/>
-            </a:pPr>
-            <a:r>
-              <a:rPr lang="en-US" dirty="0"/>
-              <a:t>Our goal is to accomplish 2 things:</a:t>
-            </a:r>
-          </a:p>
-          <a:p>
-            <a:pPr>
-              <a:buFontTx/>
-              <a:buChar char="-"/>
-            </a:pPr>
-            <a:r>
-              <a:rPr lang="en-US" dirty="0"/>
-              <a:t>Access other web APIs using R (using the </a:t>
-            </a:r>
-            <a:r>
-              <a:rPr lang="en-US" dirty="0" err="1"/>
-              <a:t>httr</a:t>
-            </a:r>
-            <a:r>
-              <a:rPr lang="en-US" dirty="0"/>
-              <a:t> package)</a:t>
-            </a:r>
-          </a:p>
-          <a:p>
-            <a:pPr>
-              <a:buFontTx/>
-              <a:buChar char="-"/>
-            </a:pPr>
-            <a:r>
-              <a:rPr lang="en-US" b="1" dirty="0"/>
-              <a:t>Express our data/algorithms via a web API so that others can use it (using the plumber package)</a:t>
-            </a:r>
-          </a:p>
-        </p:txBody>
-      </p:sp>
-      <p:sp>
-        <p:nvSpPr>
-          <p:cNvPr id="3" name="Date Placeholder 2">
-            <a:extLst>
-              <a:ext uri="{FF2B5EF4-FFF2-40B4-BE49-F238E27FC236}">
-                <a16:creationId xmlns:a16="http://schemas.microsoft.com/office/drawing/2014/main" id="{C27FC931-11CA-4F47-9AEB-93E02D89732E}"/>
-              </a:ext>
-            </a:extLst>
-          </p:cNvPr>
-          <p:cNvSpPr>
-            <a:spLocks noGrp="1"/>
-          </p:cNvSpPr>
-          <p:nvPr>
-            <p:ph type="dt" sz="half" idx="10"/>
-          </p:nvPr>
-        </p:nvSpPr>
-        <p:spPr/>
-        <p:txBody>
-          <a:bodyPr/>
-          <a:lstStyle/>
-          <a:p>
-            <a:fld id="{E33A92ED-39B7-43E0-9A13-62D89F8F37CB}" type="datetime1">
-              <a:rPr lang="en-US" smtClean="0"/>
-              <a:t>8/11/2019</a:t>
-            </a:fld>
-            <a:endParaRPr lang="en-US" dirty="0"/>
-          </a:p>
-        </p:txBody>
-      </p:sp>
-    </p:spTree>
-    <p:extLst>
-      <p:ext uri="{BB962C8B-B14F-4D97-AF65-F5344CB8AC3E}">
-        <p14:creationId xmlns:p14="http://schemas.microsoft.com/office/powerpoint/2010/main" val="2086961091"/>
-      </p:ext>
-    </p:extLst>
-  </p:cSld>
-  <p:clrMapOvr>
-    <a:masterClrMapping/>
-  </p:clrMapOvr>
-</p:sld>
-</file>
-
-<file path=ppt/slides/slide18.xml><?xml version="1.0" encoding="utf-8"?>
-<p:sld xmlns:a="http://schemas.openxmlformats.org/drawingml/2006/main" xmlns:r="http://schemas.openxmlformats.org/officeDocument/2006/relationships" xmlns:p="http://schemas.openxmlformats.org/presentationml/2006/main">
-  <p:cSld>
-    <p:spTree>
-      <p:nvGrpSpPr>
-        <p:cNvPr id="1" name=""/>
-        <p:cNvGrpSpPr/>
-        <p:nvPr/>
-      </p:nvGrpSpPr>
-      <p:grpSpPr>
-        <a:xfrm>
-          <a:off x="0" y="0"/>
-          <a:ext cx="0" cy="0"/>
-          <a:chOff x="0" y="0"/>
-          <a:chExt cx="0" cy="0"/>
-        </a:xfrm>
-      </p:grpSpPr>
-      <p:sp>
-        <p:nvSpPr>
-          <p:cNvPr id="2" name="Text Placeholder 1">
-            <a:extLst>
-              <a:ext uri="{FF2B5EF4-FFF2-40B4-BE49-F238E27FC236}">
-                <a16:creationId xmlns:a16="http://schemas.microsoft.com/office/drawing/2014/main" id="{2F2678E9-E3C1-4476-A60C-CA391CC96B4D}"/>
-              </a:ext>
-            </a:extLst>
-          </p:cNvPr>
-          <p:cNvSpPr>
-            <a:spLocks noGrp="1"/>
-          </p:cNvSpPr>
-          <p:nvPr>
-            <p:ph type="body" sz="quarter" idx="4294967295"/>
-          </p:nvPr>
-        </p:nvSpPr>
-        <p:spPr>
-          <a:xfrm>
-            <a:off x="1554663" y="100584"/>
-            <a:ext cx="8940800" cy="5538216"/>
-          </a:xfrm>
-        </p:spPr>
-        <p:txBody>
-          <a:bodyPr>
-            <a:normAutofit/>
-          </a:bodyPr>
-          <a:lstStyle/>
-          <a:p>
-            <a:pPr marL="0" indent="0" algn="ctr">
-              <a:buNone/>
-            </a:pPr>
-            <a:r>
-              <a:rPr lang="en-US" sz="3200" b="1" u="sng" dirty="0"/>
-              <a:t>Express our data/algorithms with an API</a:t>
-            </a:r>
-          </a:p>
-          <a:p>
-            <a:pPr marL="0" lvl="0" indent="0">
-              <a:buNone/>
-            </a:pPr>
-            <a:endParaRPr lang="en-US" dirty="0"/>
-          </a:p>
-          <a:p>
-            <a:pPr marL="0" lvl="0" indent="0">
-              <a:buNone/>
-            </a:pPr>
-            <a:endParaRPr lang="en-US" dirty="0"/>
-          </a:p>
-          <a:p>
-            <a:pPr marL="0" indent="0" algn="ctr">
-              <a:buNone/>
-            </a:pPr>
-            <a:endParaRPr lang="en-US" dirty="0"/>
-          </a:p>
-          <a:p>
-            <a:pPr marL="0" indent="0">
-              <a:buNone/>
-            </a:pPr>
-            <a:endParaRPr lang="en-US" dirty="0"/>
-          </a:p>
-        </p:txBody>
-      </p:sp>
-      <p:sp>
-        <p:nvSpPr>
-          <p:cNvPr id="4" name="Oval 3">
-            <a:extLst>
-              <a:ext uri="{FF2B5EF4-FFF2-40B4-BE49-F238E27FC236}">
-                <a16:creationId xmlns:a16="http://schemas.microsoft.com/office/drawing/2014/main" id="{1C155183-6FCB-47BE-B044-A26AADF8FB80}"/>
-              </a:ext>
-            </a:extLst>
-          </p:cNvPr>
-          <p:cNvSpPr/>
-          <p:nvPr/>
-        </p:nvSpPr>
-        <p:spPr>
-          <a:xfrm>
-            <a:off x="1036948" y="2565531"/>
-            <a:ext cx="2413262" cy="1244338"/>
-          </a:xfrm>
-          <a:prstGeom prst="ellipse">
-            <a:avLst/>
-          </a:prstGeom>
-        </p:spPr>
-        <p:style>
-          <a:lnRef idx="2">
-            <a:schemeClr val="accent1">
-              <a:shade val="50000"/>
-            </a:schemeClr>
-          </a:lnRef>
-          <a:fillRef idx="1">
-            <a:schemeClr val="accent1"/>
-          </a:fillRef>
-          <a:effectRef idx="0">
-            <a:schemeClr val="accent1"/>
-          </a:effectRef>
-          <a:fontRef idx="minor">
-            <a:schemeClr val="lt1"/>
-          </a:fontRef>
-        </p:style>
-        <p:txBody>
-          <a:bodyPr rtlCol="0" anchor="ctr"/>
-          <a:lstStyle/>
-          <a:p>
-            <a:pPr algn="ctr"/>
-            <a:r>
-              <a:rPr lang="en-US" sz="2800" dirty="0"/>
-              <a:t>Client</a:t>
-            </a:r>
-          </a:p>
-        </p:txBody>
-      </p:sp>
-      <p:sp>
-        <p:nvSpPr>
-          <p:cNvPr id="6" name="Oval 5">
-            <a:extLst>
-              <a:ext uri="{FF2B5EF4-FFF2-40B4-BE49-F238E27FC236}">
-                <a16:creationId xmlns:a16="http://schemas.microsoft.com/office/drawing/2014/main" id="{F4786BFE-BEF7-440F-8777-B890D15A396A}"/>
-              </a:ext>
-            </a:extLst>
-          </p:cNvPr>
-          <p:cNvSpPr/>
-          <p:nvPr/>
-        </p:nvSpPr>
-        <p:spPr>
-          <a:xfrm>
-            <a:off x="5073191" y="2565531"/>
-            <a:ext cx="2413262" cy="1244338"/>
-          </a:xfrm>
-          <a:prstGeom prst="ellipse">
-            <a:avLst/>
-          </a:prstGeom>
-        </p:spPr>
-        <p:style>
-          <a:lnRef idx="2">
-            <a:schemeClr val="accent1">
-              <a:shade val="50000"/>
-            </a:schemeClr>
-          </a:lnRef>
-          <a:fillRef idx="1">
-            <a:schemeClr val="accent1"/>
-          </a:fillRef>
-          <a:effectRef idx="0">
-            <a:schemeClr val="accent1"/>
-          </a:effectRef>
-          <a:fontRef idx="minor">
-            <a:schemeClr val="lt1"/>
-          </a:fontRef>
-        </p:style>
-        <p:txBody>
-          <a:bodyPr rtlCol="0" anchor="ctr"/>
-          <a:lstStyle/>
-          <a:p>
-            <a:pPr algn="ctr"/>
-            <a:r>
-              <a:rPr lang="en-US" sz="2800" dirty="0"/>
-              <a:t>Server</a:t>
-            </a:r>
-          </a:p>
-        </p:txBody>
-      </p:sp>
-      <p:cxnSp>
-        <p:nvCxnSpPr>
-          <p:cNvPr id="12" name="Connector: Curved 11">
-            <a:extLst>
-              <a:ext uri="{FF2B5EF4-FFF2-40B4-BE49-F238E27FC236}">
-                <a16:creationId xmlns:a16="http://schemas.microsoft.com/office/drawing/2014/main" id="{CCC7D669-05EF-416F-89ED-64497BC9DFB5}"/>
-              </a:ext>
-            </a:extLst>
-          </p:cNvPr>
-          <p:cNvCxnSpPr>
-            <a:cxnSpLocks/>
-          </p:cNvCxnSpPr>
-          <p:nvPr/>
-        </p:nvCxnSpPr>
-        <p:spPr>
-          <a:xfrm rot="5400000" flipH="1" flipV="1">
-            <a:off x="4281731" y="1603444"/>
-            <a:ext cx="12700" cy="2329809"/>
-          </a:xfrm>
-          <a:prstGeom prst="curvedConnector3">
-            <a:avLst>
-              <a:gd name="adj1" fmla="val 3234874"/>
-            </a:avLst>
-          </a:prstGeom>
-          <a:ln w="57150">
-            <a:tailEnd type="stealth" w="lg" len="lg"/>
-          </a:ln>
-        </p:spPr>
-        <p:style>
-          <a:lnRef idx="1">
-            <a:schemeClr val="accent1"/>
-          </a:lnRef>
-          <a:fillRef idx="0">
-            <a:schemeClr val="accent1"/>
-          </a:fillRef>
-          <a:effectRef idx="0">
-            <a:schemeClr val="accent1"/>
-          </a:effectRef>
-          <a:fontRef idx="minor">
-            <a:schemeClr val="tx1"/>
-          </a:fontRef>
-        </p:style>
-      </p:cxnSp>
-      <p:sp>
-        <p:nvSpPr>
-          <p:cNvPr id="11" name="TextBox 10">
-            <a:extLst>
-              <a:ext uri="{FF2B5EF4-FFF2-40B4-BE49-F238E27FC236}">
-                <a16:creationId xmlns:a16="http://schemas.microsoft.com/office/drawing/2014/main" id="{80A8C307-8C83-4688-AAB0-1A0ECE978B41}"/>
-              </a:ext>
-            </a:extLst>
-          </p:cNvPr>
-          <p:cNvSpPr txBox="1"/>
-          <p:nvPr/>
-        </p:nvSpPr>
-        <p:spPr>
-          <a:xfrm>
-            <a:off x="3282936" y="1682468"/>
-            <a:ext cx="3016264" cy="523220"/>
-          </a:xfrm>
-          <a:prstGeom prst="rect">
-            <a:avLst/>
-          </a:prstGeom>
-          <a:noFill/>
-        </p:spPr>
-        <p:txBody>
-          <a:bodyPr wrap="square" rtlCol="0">
-            <a:spAutoFit/>
-          </a:bodyPr>
-          <a:lstStyle/>
-          <a:p>
-            <a:r>
-              <a:rPr lang="en-US" sz="2800" dirty="0">
-                <a:solidFill>
-                  <a:srgbClr val="0070C0"/>
-                </a:solidFill>
-              </a:rPr>
-              <a:t>Client API Request</a:t>
-            </a:r>
-          </a:p>
-        </p:txBody>
-      </p:sp>
-      <p:sp>
-        <p:nvSpPr>
-          <p:cNvPr id="14" name="TextBox 13">
-            <a:extLst>
-              <a:ext uri="{FF2B5EF4-FFF2-40B4-BE49-F238E27FC236}">
-                <a16:creationId xmlns:a16="http://schemas.microsoft.com/office/drawing/2014/main" id="{8F8A66C6-267D-4C91-8938-7D92BB27422A}"/>
-              </a:ext>
-            </a:extLst>
-          </p:cNvPr>
-          <p:cNvSpPr txBox="1"/>
-          <p:nvPr/>
-        </p:nvSpPr>
-        <p:spPr>
-          <a:xfrm>
-            <a:off x="3059077" y="4289823"/>
-            <a:ext cx="2706723" cy="523220"/>
-          </a:xfrm>
-          <a:prstGeom prst="rect">
-            <a:avLst/>
-          </a:prstGeom>
-          <a:noFill/>
-        </p:spPr>
-        <p:txBody>
-          <a:bodyPr wrap="square" rtlCol="0">
-            <a:spAutoFit/>
-          </a:bodyPr>
-          <a:lstStyle/>
-          <a:p>
-            <a:r>
-              <a:rPr lang="en-US" sz="2800" dirty="0">
-                <a:solidFill>
-                  <a:srgbClr val="7030A0"/>
-                </a:solidFill>
-              </a:rPr>
-              <a:t>Server Response</a:t>
-            </a:r>
-          </a:p>
-        </p:txBody>
-      </p:sp>
       <p:pic>
         <p:nvPicPr>
-          <p:cNvPr id="13" name="Picture 2" descr="Related image">
-            <a:extLst>
-              <a:ext uri="{FF2B5EF4-FFF2-40B4-BE49-F238E27FC236}">
-                <a16:creationId xmlns:a16="http://schemas.microsoft.com/office/drawing/2014/main" id="{50D01228-1488-4E7E-B674-4EF8475610AF}"/>
-              </a:ext>
-            </a:extLst>
-          </p:cNvPr>
-          <p:cNvPicPr>
-            <a:picLocks noChangeAspect="1" noChangeArrowheads="1"/>
-          </p:cNvPicPr>
-          <p:nvPr/>
-        </p:nvPicPr>
-        <p:blipFill>
-          <a:blip r:embed="rId2">
-            <a:extLst>
-              <a:ext uri="{28A0092B-C50C-407E-A947-70E740481C1C}">
-                <a14:useLocalDpi xmlns:a14="http://schemas.microsoft.com/office/drawing/2010/main" val="0"/>
-              </a:ext>
-            </a:extLst>
-          </a:blip>
-          <a:srcRect/>
-          <a:stretch>
-            <a:fillRect/>
-          </a:stretch>
-        </p:blipFill>
-        <p:spPr bwMode="auto">
-          <a:xfrm>
-            <a:off x="8257494" y="2161095"/>
-            <a:ext cx="2742894" cy="2151648"/>
-          </a:xfrm>
-          <a:prstGeom prst="rect">
-            <a:avLst/>
-          </a:prstGeom>
-          <a:noFill/>
-          <a:extLst>
-            <a:ext uri="{909E8E84-426E-40DD-AFC4-6F175D3DCCD1}">
-              <a14:hiddenFill xmlns:a14="http://schemas.microsoft.com/office/drawing/2010/main">
-                <a:solidFill>
-                  <a:srgbClr val="FFFFFF"/>
-                </a:solidFill>
-              </a14:hiddenFill>
-            </a:ext>
-          </a:extLst>
-        </p:spPr>
-      </p:pic>
-      <p:cxnSp>
-        <p:nvCxnSpPr>
-          <p:cNvPr id="15" name="Connector: Curved 14">
-            <a:extLst>
-              <a:ext uri="{FF2B5EF4-FFF2-40B4-BE49-F238E27FC236}">
-                <a16:creationId xmlns:a16="http://schemas.microsoft.com/office/drawing/2014/main" id="{D85ABE96-B17B-4BD8-AD46-CEB2F393343E}"/>
-              </a:ext>
-            </a:extLst>
-          </p:cNvPr>
-          <p:cNvCxnSpPr>
-            <a:cxnSpLocks/>
-          </p:cNvCxnSpPr>
-          <p:nvPr/>
-        </p:nvCxnSpPr>
-        <p:spPr>
-          <a:xfrm>
-            <a:off x="5379929" y="2754437"/>
-            <a:ext cx="2936846" cy="433263"/>
-          </a:xfrm>
-          <a:prstGeom prst="curvedConnector3">
-            <a:avLst>
-              <a:gd name="adj1" fmla="val 50000"/>
-            </a:avLst>
-          </a:prstGeom>
-          <a:ln w="57150">
-            <a:solidFill>
-              <a:srgbClr val="7030A0"/>
-            </a:solidFill>
-            <a:headEnd type="none" w="lg" len="lg"/>
-            <a:tailEnd type="stealth" w="lg" len="lg"/>
-          </a:ln>
-        </p:spPr>
-        <p:style>
-          <a:lnRef idx="1">
-            <a:schemeClr val="accent1"/>
-          </a:lnRef>
-          <a:fillRef idx="0">
-            <a:schemeClr val="accent1"/>
-          </a:fillRef>
-          <a:effectRef idx="0">
-            <a:schemeClr val="accent1"/>
-          </a:effectRef>
-          <a:fontRef idx="minor">
-            <a:schemeClr val="tx1"/>
-          </a:fontRef>
-        </p:style>
-      </p:cxnSp>
-      <p:cxnSp>
-        <p:nvCxnSpPr>
-          <p:cNvPr id="16" name="Straight Arrow Connector 15">
-            <a:extLst>
-              <a:ext uri="{FF2B5EF4-FFF2-40B4-BE49-F238E27FC236}">
-                <a16:creationId xmlns:a16="http://schemas.microsoft.com/office/drawing/2014/main" id="{BBFF7BA0-EC3C-48F5-A226-3D1784025030}"/>
-              </a:ext>
-            </a:extLst>
-          </p:cNvPr>
-          <p:cNvCxnSpPr/>
-          <p:nvPr/>
-        </p:nvCxnSpPr>
-        <p:spPr>
-          <a:xfrm flipH="1" flipV="1">
-            <a:off x="3450210" y="3429000"/>
-            <a:ext cx="4866565" cy="127000"/>
-          </a:xfrm>
-          <a:prstGeom prst="straightConnector1">
-            <a:avLst/>
-          </a:prstGeom>
-          <a:ln w="69850">
-            <a:solidFill>
-              <a:srgbClr val="7030A0"/>
-            </a:solidFill>
-            <a:headEnd type="none" w="lg" len="lg"/>
-            <a:tailEnd type="stealth" w="lg" len="lg"/>
-          </a:ln>
-        </p:spPr>
-        <p:style>
-          <a:lnRef idx="1">
-            <a:schemeClr val="accent1"/>
-          </a:lnRef>
-          <a:fillRef idx="0">
-            <a:schemeClr val="accent1"/>
-          </a:fillRef>
-          <a:effectRef idx="0">
-            <a:schemeClr val="accent1"/>
-          </a:effectRef>
-          <a:fontRef idx="minor">
-            <a:schemeClr val="tx1"/>
-          </a:fontRef>
-        </p:style>
-      </p:cxnSp>
-    </p:spTree>
-    <p:extLst>
-      <p:ext uri="{BB962C8B-B14F-4D97-AF65-F5344CB8AC3E}">
-        <p14:creationId xmlns:p14="http://schemas.microsoft.com/office/powerpoint/2010/main" val="3081407346"/>
-      </p:ext>
-    </p:extLst>
-  </p:cSld>
-  <p:clrMapOvr>
-    <a:masterClrMapping/>
-  </p:clrMapOvr>
-</p:sld>
-</file>
-
-<file path=ppt/slides/slide19.xml><?xml version="1.0" encoding="utf-8"?>
-<p:sld xmlns:a="http://schemas.openxmlformats.org/drawingml/2006/main" xmlns:r="http://schemas.openxmlformats.org/officeDocument/2006/relationships" xmlns:p="http://schemas.openxmlformats.org/presentationml/2006/main">
-  <p:cSld>
-    <p:spTree>
-      <p:nvGrpSpPr>
-        <p:cNvPr id="1" name=""/>
-        <p:cNvGrpSpPr/>
-        <p:nvPr/>
-      </p:nvGrpSpPr>
-      <p:grpSpPr>
-        <a:xfrm>
-          <a:off x="0" y="0"/>
-          <a:ext cx="0" cy="0"/>
-          <a:chOff x="0" y="0"/>
-          <a:chExt cx="0" cy="0"/>
-        </a:xfrm>
-      </p:grpSpPr>
-      <p:sp>
-        <p:nvSpPr>
-          <p:cNvPr id="2" name="Text Placeholder 1">
-            <a:extLst>
-              <a:ext uri="{FF2B5EF4-FFF2-40B4-BE49-F238E27FC236}">
-                <a16:creationId xmlns:a16="http://schemas.microsoft.com/office/drawing/2014/main" id="{2F2678E9-E3C1-4476-A60C-CA391CC96B4D}"/>
-              </a:ext>
-            </a:extLst>
-          </p:cNvPr>
-          <p:cNvSpPr>
-            <a:spLocks noGrp="1"/>
-          </p:cNvSpPr>
-          <p:nvPr>
-            <p:ph type="body" sz="quarter" idx="4294967295"/>
-          </p:nvPr>
-        </p:nvSpPr>
-        <p:spPr>
-          <a:xfrm>
-            <a:off x="1177544" y="633984"/>
-            <a:ext cx="8940800" cy="5538216"/>
-          </a:xfrm>
-        </p:spPr>
-        <p:txBody>
-          <a:bodyPr>
-            <a:normAutofit/>
-          </a:bodyPr>
-          <a:lstStyle/>
-          <a:p>
-            <a:pPr marL="0" indent="0" algn="ctr">
-              <a:buNone/>
-            </a:pPr>
-            <a:r>
-              <a:rPr lang="en-US" sz="3200" b="1" u="sng" dirty="0"/>
-              <a:t>Web API</a:t>
-            </a:r>
-          </a:p>
-          <a:p>
-            <a:pPr lvl="0"/>
-            <a:r>
-              <a:rPr lang="en-US" sz="2400" dirty="0"/>
-              <a:t>Shiny bundles the web application and the API together</a:t>
-            </a:r>
-          </a:p>
-          <a:p>
-            <a:pPr lvl="0"/>
-            <a:r>
-              <a:rPr lang="en-US" sz="2400" dirty="0"/>
-              <a:t>Plumber is a minimalist way to expose your data and functions as an API</a:t>
-            </a:r>
-          </a:p>
-          <a:p>
-            <a:pPr lvl="0"/>
-            <a:r>
-              <a:rPr lang="en-US" sz="2400" dirty="0"/>
-              <a:t>Converts your existing R code into web APIs using </a:t>
-            </a:r>
-            <a:r>
-              <a:rPr lang="en-US" sz="2400" b="1" dirty="0">
-                <a:solidFill>
-                  <a:srgbClr val="FF0000"/>
-                </a:solidFill>
-              </a:rPr>
-              <a:t>decorator</a:t>
-            </a:r>
-            <a:r>
-              <a:rPr lang="en-US" sz="2400" dirty="0"/>
-              <a:t> comments on your functions</a:t>
-            </a:r>
-          </a:p>
-          <a:p>
-            <a:pPr lvl="0"/>
-            <a:r>
-              <a:rPr lang="en-US" sz="2400" dirty="0"/>
-              <a:t>The </a:t>
-            </a:r>
-            <a:r>
-              <a:rPr lang="en-US" sz="2400" b="1" dirty="0">
-                <a:solidFill>
-                  <a:srgbClr val="FF0000"/>
-                </a:solidFill>
-              </a:rPr>
-              <a:t>serializer</a:t>
-            </a:r>
-            <a:r>
-              <a:rPr lang="en-US" sz="2400" dirty="0"/>
-              <a:t> included in the decorator specifies the type of output to return as part of the request (json, html, plaintext, image, etc.)</a:t>
-            </a:r>
-          </a:p>
-          <a:p>
-            <a:pPr lvl="0"/>
-            <a:endParaRPr lang="en-US" sz="2400" dirty="0"/>
-          </a:p>
-          <a:p>
-            <a:pPr lvl="0"/>
-            <a:endParaRPr lang="en-US" dirty="0"/>
-          </a:p>
-          <a:p>
-            <a:pPr lvl="0"/>
-            <a:endParaRPr lang="en-US" dirty="0"/>
-          </a:p>
-          <a:p>
-            <a:pPr marL="0" lvl="0" indent="0">
-              <a:buNone/>
-            </a:pPr>
-            <a:endParaRPr lang="en-US" dirty="0"/>
-          </a:p>
-          <a:p>
-            <a:pPr marL="0" indent="0" algn="ctr">
-              <a:buNone/>
-            </a:pPr>
-            <a:endParaRPr lang="en-US" dirty="0"/>
-          </a:p>
-          <a:p>
-            <a:pPr marL="0" indent="0">
-              <a:buNone/>
-            </a:pPr>
-            <a:endParaRPr lang="en-US" dirty="0"/>
-          </a:p>
-        </p:txBody>
-      </p:sp>
-      <p:sp>
-        <p:nvSpPr>
-          <p:cNvPr id="3" name="Date Placeholder 2">
-            <a:extLst>
-              <a:ext uri="{FF2B5EF4-FFF2-40B4-BE49-F238E27FC236}">
-                <a16:creationId xmlns:a16="http://schemas.microsoft.com/office/drawing/2014/main" id="{5BC11C2B-FFFA-41DD-BAE8-D15D7261DDDD}"/>
-              </a:ext>
-            </a:extLst>
-          </p:cNvPr>
-          <p:cNvSpPr>
-            <a:spLocks noGrp="1"/>
-          </p:cNvSpPr>
-          <p:nvPr>
-            <p:ph type="dt" sz="half" idx="10"/>
-          </p:nvPr>
-        </p:nvSpPr>
-        <p:spPr/>
-        <p:txBody>
-          <a:bodyPr/>
-          <a:lstStyle/>
-          <a:p>
-            <a:pPr marL="0" marR="0" lvl="0" indent="0" algn="l" defTabSz="914400" rtl="0" eaLnBrk="1" fontAlgn="auto" latinLnBrk="0" hangingPunct="1">
-              <a:lnSpc>
-                <a:spcPct val="100000"/>
-              </a:lnSpc>
-              <a:spcBef>
-                <a:spcPts val="0"/>
-              </a:spcBef>
-              <a:spcAft>
-                <a:spcPts val="0"/>
-              </a:spcAft>
-              <a:buClrTx/>
-              <a:buSzTx/>
-              <a:buFontTx/>
-              <a:buNone/>
-              <a:tabLst/>
-              <a:defRPr/>
-            </a:pPr>
-            <a:fld id="{B2B0DBB4-B243-4953-B5EC-40AE2C4109DF}" type="datetime1">
-              <a:rPr kumimoji="0" lang="en-US" sz="1200" b="0" i="0" u="none" strike="noStrike" kern="1200" cap="none" spc="0" normalizeH="0" baseline="0" noProof="0" smtClean="0">
-                <a:ln>
-                  <a:noFill/>
-                </a:ln>
-                <a:solidFill>
-                  <a:srgbClr val="898989"/>
-                </a:solidFill>
-                <a:effectLst/>
-                <a:uLnTx/>
-                <a:uFillTx/>
-                <a:latin typeface="Calibri" panose="020F0502020204030204"/>
-                <a:ea typeface="+mn-ea"/>
-                <a:cs typeface="+mn-cs"/>
-              </a:rPr>
-              <a:t>8/10/2019</a:t>
-            </a:fld>
-            <a:endParaRPr kumimoji="0" lang="en-US" sz="1200" b="0" i="0" u="none" strike="noStrike" kern="1200" cap="none" spc="0" normalizeH="0" baseline="0" noProof="0" dirty="0">
-              <a:ln>
-                <a:noFill/>
-              </a:ln>
-              <a:solidFill>
-                <a:srgbClr val="898989"/>
-              </a:solidFill>
-              <a:effectLst/>
-              <a:uLnTx/>
-              <a:uFillTx/>
-              <a:latin typeface="Calibri" panose="020F0502020204030204"/>
-              <a:ea typeface="+mn-ea"/>
-              <a:cs typeface="+mn-cs"/>
-            </a:endParaRPr>
-          </a:p>
-        </p:txBody>
-      </p:sp>
-    </p:spTree>
-    <p:extLst>
-      <p:ext uri="{BB962C8B-B14F-4D97-AF65-F5344CB8AC3E}">
-        <p14:creationId xmlns:p14="http://schemas.microsoft.com/office/powerpoint/2010/main" val="3865825098"/>
-      </p:ext>
-    </p:extLst>
-  </p:cSld>
-  <p:clrMapOvr>
-    <a:masterClrMapping/>
-  </p:clrMapOvr>
-</p:sld>
-</file>
-
-<file path=ppt/slides/slide2.xml><?xml version="1.0" encoding="utf-8"?>
-<p:sld xmlns:a="http://schemas.openxmlformats.org/drawingml/2006/main" xmlns:r="http://schemas.openxmlformats.org/officeDocument/2006/relationships" xmlns:p="http://schemas.openxmlformats.org/presentationml/2006/main">
-  <p:cSld>
-    <p:spTree>
-      <p:nvGrpSpPr>
-        <p:cNvPr id="1" name=""/>
-        <p:cNvGrpSpPr/>
-        <p:nvPr/>
-      </p:nvGrpSpPr>
-      <p:grpSpPr>
-        <a:xfrm>
-          <a:off x="0" y="0"/>
-          <a:ext cx="0" cy="0"/>
-          <a:chOff x="0" y="0"/>
-          <a:chExt cx="0" cy="0"/>
-        </a:xfrm>
-      </p:grpSpPr>
-      <p:sp>
-        <p:nvSpPr>
-          <p:cNvPr id="2" name="Text Placeholder 1">
-            <a:extLst>
-              <a:ext uri="{FF2B5EF4-FFF2-40B4-BE49-F238E27FC236}">
-                <a16:creationId xmlns:a16="http://schemas.microsoft.com/office/drawing/2014/main" id="{2F2678E9-E3C1-4476-A60C-CA391CC96B4D}"/>
-              </a:ext>
-            </a:extLst>
-          </p:cNvPr>
-          <p:cNvSpPr>
-            <a:spLocks noGrp="1"/>
-          </p:cNvSpPr>
-          <p:nvPr>
-            <p:ph type="body" sz="quarter" idx="4294967295"/>
-          </p:nvPr>
-        </p:nvSpPr>
-        <p:spPr>
-          <a:xfrm>
-            <a:off x="1177544" y="633984"/>
-            <a:ext cx="8940800" cy="5538216"/>
-          </a:xfrm>
-        </p:spPr>
-        <p:txBody>
-          <a:bodyPr>
-            <a:normAutofit/>
-          </a:bodyPr>
-          <a:lstStyle/>
-          <a:p>
-            <a:pPr marL="0" indent="0" algn="ctr">
-              <a:buNone/>
-            </a:pPr>
-            <a:r>
-              <a:rPr lang="en-US" sz="3200" b="1" u="sng" dirty="0"/>
-              <a:t>Web APIs</a:t>
-            </a:r>
-          </a:p>
-          <a:p>
-            <a:pPr lvl="0"/>
-            <a:r>
-              <a:rPr lang="en-US" sz="2400" dirty="0"/>
-              <a:t>Programs interact with APIs, not people</a:t>
-            </a:r>
-          </a:p>
-          <a:p>
-            <a:pPr lvl="0"/>
-            <a:r>
-              <a:rPr lang="en-US" sz="2400" dirty="0"/>
-              <a:t>Machine friendly data formats (usually JSON), but can also render images, HTML widgets</a:t>
-            </a:r>
-          </a:p>
-          <a:p>
-            <a:pPr lvl="0"/>
-            <a:r>
-              <a:rPr lang="en-US" sz="2400" dirty="0"/>
-              <a:t>Accessible from all current programming languages and platforms</a:t>
-            </a:r>
-          </a:p>
-          <a:p>
-            <a:pPr lvl="1"/>
-            <a:r>
-              <a:rPr lang="en-US" sz="2000" dirty="0"/>
-              <a:t>Including R with the </a:t>
-            </a:r>
-            <a:r>
-              <a:rPr lang="en-US" sz="2000" dirty="0" err="1"/>
-              <a:t>httr</a:t>
-            </a:r>
-            <a:r>
-              <a:rPr lang="en-US" sz="2000" dirty="0"/>
-              <a:t> package</a:t>
-            </a:r>
-          </a:p>
-          <a:p>
-            <a:pPr lvl="1"/>
-            <a:r>
-              <a:rPr lang="en-US" sz="2000" dirty="0"/>
-              <a:t>Web browsers, apps</a:t>
-            </a:r>
-          </a:p>
-          <a:p>
-            <a:pPr lvl="1"/>
-            <a:r>
-              <a:rPr lang="en-US" sz="2000" dirty="0"/>
-              <a:t>Any modern programming language</a:t>
-            </a:r>
-          </a:p>
-          <a:p>
-            <a:pPr lvl="0"/>
-            <a:endParaRPr lang="en-US" dirty="0"/>
-          </a:p>
-          <a:p>
-            <a:pPr marL="0" lvl="0" indent="0">
-              <a:buNone/>
-            </a:pPr>
-            <a:endParaRPr lang="en-US" dirty="0"/>
-          </a:p>
-          <a:p>
-            <a:pPr marL="0" indent="0" algn="ctr">
-              <a:buNone/>
-            </a:pPr>
-            <a:endParaRPr lang="en-US" dirty="0"/>
-          </a:p>
-          <a:p>
-            <a:pPr marL="0" indent="0">
-              <a:buNone/>
-            </a:pPr>
-            <a:endParaRPr lang="en-US" dirty="0"/>
-          </a:p>
-        </p:txBody>
-      </p:sp>
-      <p:sp>
-        <p:nvSpPr>
-          <p:cNvPr id="3" name="Date Placeholder 2">
-            <a:extLst>
-              <a:ext uri="{FF2B5EF4-FFF2-40B4-BE49-F238E27FC236}">
-                <a16:creationId xmlns:a16="http://schemas.microsoft.com/office/drawing/2014/main" id="{5BC11C2B-FFFA-41DD-BAE8-D15D7261DDDD}"/>
-              </a:ext>
-            </a:extLst>
-          </p:cNvPr>
-          <p:cNvSpPr>
-            <a:spLocks noGrp="1"/>
-          </p:cNvSpPr>
-          <p:nvPr>
-            <p:ph type="dt" sz="half" idx="10"/>
-          </p:nvPr>
-        </p:nvSpPr>
-        <p:spPr/>
-        <p:txBody>
-          <a:bodyPr/>
-          <a:lstStyle/>
-          <a:p>
-            <a:pPr marL="0" marR="0" lvl="0" indent="0" algn="l" defTabSz="914400" rtl="0" eaLnBrk="1" fontAlgn="auto" latinLnBrk="0" hangingPunct="1">
-              <a:lnSpc>
-                <a:spcPct val="100000"/>
-              </a:lnSpc>
-              <a:spcBef>
-                <a:spcPts val="0"/>
-              </a:spcBef>
-              <a:spcAft>
-                <a:spcPts val="0"/>
-              </a:spcAft>
-              <a:buClrTx/>
-              <a:buSzTx/>
-              <a:buFontTx/>
-              <a:buNone/>
-              <a:tabLst/>
-              <a:defRPr/>
-            </a:pPr>
-            <a:fld id="{B2B0DBB4-B243-4953-B5EC-40AE2C4109DF}" type="datetime1">
-              <a:rPr kumimoji="0" lang="en-US" sz="1200" b="0" i="0" u="none" strike="noStrike" kern="1200" cap="none" spc="0" normalizeH="0" baseline="0" noProof="0" smtClean="0">
-                <a:ln>
-                  <a:noFill/>
-                </a:ln>
-                <a:solidFill>
-                  <a:srgbClr val="898989"/>
-                </a:solidFill>
-                <a:effectLst/>
-                <a:uLnTx/>
-                <a:uFillTx/>
-                <a:latin typeface="Calibri" panose="020F0502020204030204"/>
-                <a:ea typeface="+mn-ea"/>
-                <a:cs typeface="+mn-cs"/>
-              </a:rPr>
-              <a:t>8/11/2019</a:t>
-            </a:fld>
-            <a:endParaRPr kumimoji="0" lang="en-US" sz="1200" b="0" i="0" u="none" strike="noStrike" kern="1200" cap="none" spc="0" normalizeH="0" baseline="0" noProof="0" dirty="0">
-              <a:ln>
-                <a:noFill/>
-              </a:ln>
-              <a:solidFill>
-                <a:srgbClr val="898989"/>
-              </a:solidFill>
-              <a:effectLst/>
-              <a:uLnTx/>
-              <a:uFillTx/>
-              <a:latin typeface="Calibri" panose="020F0502020204030204"/>
-              <a:ea typeface="+mn-ea"/>
-              <a:cs typeface="+mn-cs"/>
-            </a:endParaRPr>
-          </a:p>
-        </p:txBody>
-      </p:sp>
-    </p:spTree>
-    <p:extLst>
-      <p:ext uri="{BB962C8B-B14F-4D97-AF65-F5344CB8AC3E}">
-        <p14:creationId xmlns:p14="http://schemas.microsoft.com/office/powerpoint/2010/main" val="3560271957"/>
-      </p:ext>
-    </p:extLst>
-  </p:cSld>
-  <p:clrMapOvr>
-    <a:masterClrMapping/>
-  </p:clrMapOvr>
-</p:sld>
-</file>
-
-<file path=ppt/slides/slide20.xml><?xml version="1.0" encoding="utf-8"?>
-<p:sld xmlns:a="http://schemas.openxmlformats.org/drawingml/2006/main" xmlns:r="http://schemas.openxmlformats.org/officeDocument/2006/relationships" xmlns:p="http://schemas.openxmlformats.org/presentationml/2006/main">
-  <p:cSld>
-    <p:spTree>
-      <p:nvGrpSpPr>
-        <p:cNvPr id="1" name=""/>
-        <p:cNvGrpSpPr/>
-        <p:nvPr/>
-      </p:nvGrpSpPr>
-      <p:grpSpPr>
-        <a:xfrm>
-          <a:off x="0" y="0"/>
-          <a:ext cx="0" cy="0"/>
-          <a:chOff x="0" y="0"/>
-          <a:chExt cx="0" cy="0"/>
-        </a:xfrm>
-      </p:grpSpPr>
-      <p:sp>
-        <p:nvSpPr>
-          <p:cNvPr id="2" name="Text Placeholder 1">
-            <a:extLst>
-              <a:ext uri="{FF2B5EF4-FFF2-40B4-BE49-F238E27FC236}">
-                <a16:creationId xmlns:a16="http://schemas.microsoft.com/office/drawing/2014/main" id="{2F2678E9-E3C1-4476-A60C-CA391CC96B4D}"/>
-              </a:ext>
-            </a:extLst>
-          </p:cNvPr>
-          <p:cNvSpPr>
-            <a:spLocks noGrp="1"/>
-          </p:cNvSpPr>
-          <p:nvPr>
-            <p:ph type="body" sz="quarter" idx="4294967295"/>
-          </p:nvPr>
-        </p:nvSpPr>
-        <p:spPr>
-          <a:xfrm>
-            <a:off x="1228344" y="316484"/>
-            <a:ext cx="8940800" cy="5538216"/>
-          </a:xfrm>
-        </p:spPr>
-        <p:txBody>
-          <a:bodyPr>
-            <a:normAutofit/>
-          </a:bodyPr>
-          <a:lstStyle/>
-          <a:p>
-            <a:pPr marL="0" indent="0" algn="ctr">
-              <a:buNone/>
-            </a:pPr>
-            <a:r>
-              <a:rPr lang="en-US" sz="3200" b="1" u="sng" dirty="0"/>
-              <a:t>Decorator comments on functions</a:t>
-            </a:r>
-          </a:p>
-          <a:p>
-            <a:pPr lvl="0"/>
-            <a:r>
-              <a:rPr lang="en-US" sz="2400" dirty="0"/>
-              <a:t>This plumber decorator turns the function into a service endpoint when plumber is run</a:t>
-            </a:r>
-          </a:p>
-          <a:p>
-            <a:pPr lvl="0"/>
-            <a:r>
-              <a:rPr lang="en-US" sz="2400" dirty="0"/>
-              <a:t>The decorator specifies the function argument (@param) and the use of the http GET verb (@get) when the /echo endpoint is requested.</a:t>
-            </a:r>
-          </a:p>
-          <a:p>
-            <a:pPr lvl="0"/>
-            <a:endParaRPr lang="en-US" dirty="0"/>
-          </a:p>
-          <a:p>
-            <a:pPr lvl="0"/>
-            <a:endParaRPr lang="en-US" dirty="0"/>
-          </a:p>
-          <a:p>
-            <a:pPr marL="0" lvl="0" indent="0">
-              <a:buNone/>
-            </a:pPr>
-            <a:endParaRPr lang="en-US" dirty="0"/>
-          </a:p>
-          <a:p>
-            <a:pPr marL="0" indent="0" algn="ctr">
-              <a:buNone/>
-            </a:pPr>
-            <a:endParaRPr lang="en-US" dirty="0"/>
-          </a:p>
-          <a:p>
-            <a:pPr marL="0" indent="0">
-              <a:buNone/>
-            </a:pPr>
-            <a:endParaRPr lang="en-US" dirty="0"/>
-          </a:p>
-        </p:txBody>
-      </p:sp>
-      <p:sp>
-        <p:nvSpPr>
-          <p:cNvPr id="3" name="Date Placeholder 2">
-            <a:extLst>
-              <a:ext uri="{FF2B5EF4-FFF2-40B4-BE49-F238E27FC236}">
-                <a16:creationId xmlns:a16="http://schemas.microsoft.com/office/drawing/2014/main" id="{5BC11C2B-FFFA-41DD-BAE8-D15D7261DDDD}"/>
-              </a:ext>
-            </a:extLst>
-          </p:cNvPr>
-          <p:cNvSpPr>
-            <a:spLocks noGrp="1"/>
-          </p:cNvSpPr>
-          <p:nvPr>
-            <p:ph type="dt" sz="half" idx="10"/>
-          </p:nvPr>
-        </p:nvSpPr>
-        <p:spPr/>
-        <p:txBody>
-          <a:bodyPr/>
-          <a:lstStyle/>
-          <a:p>
-            <a:pPr marL="0" marR="0" lvl="0" indent="0" algn="l" defTabSz="914400" rtl="0" eaLnBrk="1" fontAlgn="auto" latinLnBrk="0" hangingPunct="1">
-              <a:lnSpc>
-                <a:spcPct val="100000"/>
-              </a:lnSpc>
-              <a:spcBef>
-                <a:spcPts val="0"/>
-              </a:spcBef>
-              <a:spcAft>
-                <a:spcPts val="0"/>
-              </a:spcAft>
-              <a:buClrTx/>
-              <a:buSzTx/>
-              <a:buFontTx/>
-              <a:buNone/>
-              <a:tabLst/>
-              <a:defRPr/>
-            </a:pPr>
-            <a:fld id="{B2B0DBB4-B243-4953-B5EC-40AE2C4109DF}" type="datetime1">
-              <a:rPr kumimoji="0" lang="en-US" sz="1200" b="0" i="0" u="none" strike="noStrike" kern="1200" cap="none" spc="0" normalizeH="0" baseline="0" noProof="0" smtClean="0">
-                <a:ln>
-                  <a:noFill/>
-                </a:ln>
-                <a:solidFill>
-                  <a:srgbClr val="898989"/>
-                </a:solidFill>
-                <a:effectLst/>
-                <a:uLnTx/>
-                <a:uFillTx/>
-                <a:latin typeface="Calibri" panose="020F0502020204030204"/>
-                <a:ea typeface="+mn-ea"/>
-                <a:cs typeface="+mn-cs"/>
-              </a:rPr>
-              <a:t>8/11/2019</a:t>
-            </a:fld>
-            <a:endParaRPr kumimoji="0" lang="en-US" sz="1200" b="0" i="0" u="none" strike="noStrike" kern="1200" cap="none" spc="0" normalizeH="0" baseline="0" noProof="0" dirty="0">
-              <a:ln>
-                <a:noFill/>
-              </a:ln>
-              <a:solidFill>
-                <a:srgbClr val="898989"/>
-              </a:solidFill>
-              <a:effectLst/>
-              <a:uLnTx/>
-              <a:uFillTx/>
-              <a:latin typeface="Calibri" panose="020F0502020204030204"/>
-              <a:ea typeface="+mn-ea"/>
-              <a:cs typeface="+mn-cs"/>
-            </a:endParaRPr>
-          </a:p>
-        </p:txBody>
-      </p:sp>
-      <p:pic>
-        <p:nvPicPr>
-          <p:cNvPr id="4" name="Picture 3">
-            <a:extLst>
-              <a:ext uri="{FF2B5EF4-FFF2-40B4-BE49-F238E27FC236}">
-                <a16:creationId xmlns:a16="http://schemas.microsoft.com/office/drawing/2014/main" id="{CE71AC41-BE73-440D-B064-78FBD8E38C98}"/>
+          <p:cNvPr id="5" name="Picture 4">
+            <a:extLst>
+              <a:ext uri="{FF2B5EF4-FFF2-40B4-BE49-F238E27FC236}">
+                <a16:creationId xmlns:a16="http://schemas.microsoft.com/office/drawing/2014/main" id="{6FD476CC-6886-48A7-8EA9-0E672B4E197D}"/>
               </a:ext>
             </a:extLst>
           </p:cNvPr>
@@ -7569,15 +6161,15 @@
           <p:nvPr/>
         </p:nvPicPr>
         <p:blipFill>
-          <a:blip r:embed="rId3"/>
+          <a:blip r:embed="rId2"/>
           <a:stretch>
             <a:fillRect/>
           </a:stretch>
         </p:blipFill>
         <p:spPr>
           <a:xfrm>
-            <a:off x="1061773" y="3095626"/>
-            <a:ext cx="8520377" cy="1878012"/>
+            <a:off x="155102" y="204788"/>
+            <a:ext cx="4869017" cy="6653212"/>
           </a:xfrm>
           <a:prstGeom prst="rect">
             <a:avLst/>
@@ -7586,88 +6178,6 @@
       </p:pic>
       <p:sp>
         <p:nvSpPr>
-          <p:cNvPr id="5" name="Rectangle 4">
-            <a:extLst>
-              <a:ext uri="{FF2B5EF4-FFF2-40B4-BE49-F238E27FC236}">
-                <a16:creationId xmlns:a16="http://schemas.microsoft.com/office/drawing/2014/main" id="{09F1FEF6-2157-4114-9D78-3FD7C88EF033}"/>
-              </a:ext>
-            </a:extLst>
-          </p:cNvPr>
-          <p:cNvSpPr/>
-          <p:nvPr/>
-        </p:nvSpPr>
-        <p:spPr>
-          <a:xfrm>
-            <a:off x="850900" y="3378200"/>
-            <a:ext cx="7188200" cy="711200"/>
-          </a:xfrm>
-          <a:prstGeom prst="rect">
-            <a:avLst/>
-          </a:prstGeom>
-          <a:noFill/>
-          <a:ln w="50800">
-            <a:solidFill>
-              <a:srgbClr val="FF0000"/>
-            </a:solidFill>
-          </a:ln>
-        </p:spPr>
-        <p:style>
-          <a:lnRef idx="2">
-            <a:schemeClr val="accent1">
-              <a:shade val="50000"/>
-            </a:schemeClr>
-          </a:lnRef>
-          <a:fillRef idx="1">
-            <a:schemeClr val="accent1"/>
-          </a:fillRef>
-          <a:effectRef idx="0">
-            <a:schemeClr val="accent1"/>
-          </a:effectRef>
-          <a:fontRef idx="minor">
-            <a:schemeClr val="lt1"/>
-          </a:fontRef>
-        </p:style>
-        <p:txBody>
-          <a:bodyPr rtlCol="0" anchor="ctr"/>
-          <a:lstStyle/>
-          <a:p>
-            <a:pPr algn="ctr"/>
-            <a:endParaRPr lang="en-US"/>
-          </a:p>
-        </p:txBody>
-      </p:sp>
-    </p:spTree>
-    <p:extLst>
-      <p:ext uri="{BB962C8B-B14F-4D97-AF65-F5344CB8AC3E}">
-        <p14:creationId xmlns:p14="http://schemas.microsoft.com/office/powerpoint/2010/main" val="4241030013"/>
-      </p:ext>
-    </p:extLst>
-  </p:cSld>
-  <p:clrMapOvr>
-    <a:masterClrMapping/>
-  </p:clrMapOvr>
-</p:sld>
-</file>
-
-<file path=ppt/slides/slide21.xml><?xml version="1.0" encoding="utf-8"?>
-<p:sld xmlns:a="http://schemas.openxmlformats.org/drawingml/2006/main" xmlns:r="http://schemas.openxmlformats.org/officeDocument/2006/relationships" xmlns:p="http://schemas.openxmlformats.org/presentationml/2006/main">
-  <p:cSld>
-    <p:spTree>
-      <p:nvGrpSpPr>
-        <p:cNvPr id="1" name=""/>
-        <p:cNvGrpSpPr/>
-        <p:nvPr/>
-      </p:nvGrpSpPr>
-      <p:grpSpPr>
-        <a:xfrm>
-          <a:off x="0" y="0"/>
-          <a:ext cx="0" cy="0"/>
-          <a:chOff x="0" y="0"/>
-          <a:chExt cx="0" cy="0"/>
-        </a:xfrm>
-      </p:grpSpPr>
-      <p:sp>
-        <p:nvSpPr>
           <p:cNvPr id="2" name="Text Placeholder 1">
             <a:extLst>
               <a:ext uri="{FF2B5EF4-FFF2-40B4-BE49-F238E27FC236}">
@@ -7684,7 +6194,7 @@
         </p:nvSpPr>
         <p:spPr>
           <a:xfrm>
-            <a:off x="1177544" y="633984"/>
+            <a:off x="1241044" y="204788"/>
             <a:ext cx="8940800" cy="5538216"/>
           </a:xfrm>
         </p:spPr>
@@ -7699,21 +6209,13 @@
             </a:pPr>
             <a:r>
               <a:rPr lang="en-US" sz="3200" b="1" u="sng" dirty="0"/>
-              <a:t>Serializers specify output types</a:t>
+              <a:t>Decoding the response content</a:t>
             </a:r>
           </a:p>
           <a:p>
             <a:pPr marL="0" lvl="0" indent="0">
               <a:buNone/>
             </a:pPr>
-            <a:r>
-              <a:rPr lang="en-US" sz="2400" dirty="0"/>
-              <a:t>The serializer included in the decorator specifies the type of output to return as part of the request (json, html, plaintext, image, etc)</a:t>
-            </a:r>
-            <a:endParaRPr lang="en-US" dirty="0"/>
-          </a:p>
-          <a:p>
-            <a:pPr lvl="0"/>
             <a:endParaRPr lang="en-US" dirty="0"/>
           </a:p>
           <a:p>
@@ -7813,7 +6315,7 @@
           <p:cNvPr id="4" name="Picture 3">
             <a:extLst>
               <a:ext uri="{FF2B5EF4-FFF2-40B4-BE49-F238E27FC236}">
-                <a16:creationId xmlns:a16="http://schemas.microsoft.com/office/drawing/2014/main" id="{FACB7E47-67E5-449C-8062-BCB6B8096EDE}"/>
+                <a16:creationId xmlns:a16="http://schemas.microsoft.com/office/drawing/2014/main" id="{D084CF91-2D5F-46CF-A2F3-B3AA1E6C8CC4}"/>
               </a:ext>
             </a:extLst>
           </p:cNvPr>
@@ -7823,47 +6325,288 @@
           <p:nvPr/>
         </p:nvPicPr>
         <p:blipFill>
-          <a:blip r:embed="rId2"/>
+          <a:blip r:embed="rId3"/>
           <a:stretch>
             <a:fillRect/>
           </a:stretch>
         </p:blipFill>
         <p:spPr>
           <a:xfrm>
-            <a:off x="1356057" y="2349501"/>
-            <a:ext cx="6803693" cy="1598612"/>
+            <a:off x="3796048" y="940371"/>
+            <a:ext cx="4091214" cy="349250"/>
           </a:xfrm>
           <a:prstGeom prst="rect">
             <a:avLst/>
           </a:prstGeom>
         </p:spPr>
       </p:pic>
-      <p:sp>
-        <p:nvSpPr>
-          <p:cNvPr id="5" name="Rectangle 4">
-            <a:extLst>
-              <a:ext uri="{FF2B5EF4-FFF2-40B4-BE49-F238E27FC236}">
-                <a16:creationId xmlns:a16="http://schemas.microsoft.com/office/drawing/2014/main" id="{E4EDA08C-9137-45A1-A10A-000E07B46C53}"/>
-              </a:ext>
-            </a:extLst>
-          </p:cNvPr>
-          <p:cNvSpPr/>
+      <p:pic>
+        <p:nvPicPr>
+          <p:cNvPr id="6" name="Picture 5">
+            <a:extLst>
+              <a:ext uri="{FF2B5EF4-FFF2-40B4-BE49-F238E27FC236}">
+                <a16:creationId xmlns:a16="http://schemas.microsoft.com/office/drawing/2014/main" id="{95453888-9F6D-439D-85B7-E712A3DADB3A}"/>
+              </a:ext>
+            </a:extLst>
+          </p:cNvPr>
+          <p:cNvPicPr>
+            <a:picLocks noChangeAspect="1"/>
+          </p:cNvPicPr>
           <p:nvPr/>
-        </p:nvSpPr>
-        <p:spPr>
-          <a:xfrm>
-            <a:off x="1177544" y="2374901"/>
-            <a:ext cx="7188200" cy="622299"/>
+        </p:nvPicPr>
+        <p:blipFill>
+          <a:blip r:embed="rId4"/>
+          <a:stretch>
+            <a:fillRect/>
+          </a:stretch>
+        </p:blipFill>
+        <p:spPr>
+          <a:xfrm>
+            <a:off x="5711445" y="1745804"/>
+            <a:ext cx="4918412" cy="5112196"/>
           </a:xfrm>
           <a:prstGeom prst="rect">
             <a:avLst/>
           </a:prstGeom>
-          <a:noFill/>
-          <a:ln w="50800">
-            <a:solidFill>
-              <a:srgbClr val="FF0000"/>
-            </a:solidFill>
-          </a:ln>
+        </p:spPr>
+      </p:pic>
+    </p:spTree>
+    <p:extLst>
+      <p:ext uri="{BB962C8B-B14F-4D97-AF65-F5344CB8AC3E}">
+        <p14:creationId xmlns:p14="http://schemas.microsoft.com/office/powerpoint/2010/main" val="4089317897"/>
+      </p:ext>
+    </p:extLst>
+  </p:cSld>
+  <p:clrMapOvr>
+    <a:masterClrMapping/>
+  </p:clrMapOvr>
+</p:sld>
+</file>
+
+<file path=ppt/slides/slide17.xml><?xml version="1.0" encoding="utf-8"?>
+<p:sld xmlns:a="http://schemas.openxmlformats.org/drawingml/2006/main" xmlns:r="http://schemas.openxmlformats.org/officeDocument/2006/relationships" xmlns:p="http://schemas.openxmlformats.org/presentationml/2006/main">
+  <p:cSld>
+    <p:spTree>
+      <p:nvGrpSpPr>
+        <p:cNvPr id="1" name=""/>
+        <p:cNvGrpSpPr/>
+        <p:nvPr/>
+      </p:nvGrpSpPr>
+      <p:grpSpPr>
+        <a:xfrm>
+          <a:off x="0" y="0"/>
+          <a:ext cx="0" cy="0"/>
+          <a:chOff x="0" y="0"/>
+          <a:chExt cx="0" cy="0"/>
+        </a:xfrm>
+      </p:grpSpPr>
+      <p:sp>
+        <p:nvSpPr>
+          <p:cNvPr id="2" name="Text Placeholder 1">
+            <a:extLst>
+              <a:ext uri="{FF2B5EF4-FFF2-40B4-BE49-F238E27FC236}">
+                <a16:creationId xmlns:a16="http://schemas.microsoft.com/office/drawing/2014/main" id="{06FDE07A-9444-476F-9E70-C201318599D9}"/>
+              </a:ext>
+            </a:extLst>
+          </p:cNvPr>
+          <p:cNvSpPr>
+            <a:spLocks noGrp="1"/>
+          </p:cNvSpPr>
+          <p:nvPr>
+            <p:ph type="body" sz="quarter" idx="4294967295"/>
+          </p:nvPr>
+        </p:nvSpPr>
+        <p:spPr>
+          <a:xfrm>
+            <a:off x="1739900" y="1181100"/>
+            <a:ext cx="8940800" cy="2438400"/>
+          </a:xfrm>
+        </p:spPr>
+        <p:txBody>
+          <a:bodyPr>
+            <a:normAutofit/>
+          </a:bodyPr>
+          <a:lstStyle/>
+          <a:p>
+            <a:pPr marL="0" indent="0">
+              <a:buNone/>
+            </a:pPr>
+            <a:r>
+              <a:rPr lang="en-US" dirty="0"/>
+              <a:t>Our goal is to accomplish 2 things:</a:t>
+            </a:r>
+          </a:p>
+          <a:p>
+            <a:pPr>
+              <a:buFontTx/>
+              <a:buChar char="-"/>
+            </a:pPr>
+            <a:r>
+              <a:rPr lang="en-US" dirty="0"/>
+              <a:t>Access other web APIs using R (using the </a:t>
+            </a:r>
+            <a:r>
+              <a:rPr lang="en-US" dirty="0" err="1"/>
+              <a:t>httr</a:t>
+            </a:r>
+            <a:r>
+              <a:rPr lang="en-US" dirty="0"/>
+              <a:t> package)</a:t>
+            </a:r>
+          </a:p>
+          <a:p>
+            <a:pPr>
+              <a:buFontTx/>
+              <a:buChar char="-"/>
+            </a:pPr>
+            <a:r>
+              <a:rPr lang="en-US" b="1" dirty="0"/>
+              <a:t>Express our data/algorithms via a web API so that others can use it (using the plumber package)</a:t>
+            </a:r>
+          </a:p>
+        </p:txBody>
+      </p:sp>
+      <p:sp>
+        <p:nvSpPr>
+          <p:cNvPr id="3" name="Date Placeholder 2">
+            <a:extLst>
+              <a:ext uri="{FF2B5EF4-FFF2-40B4-BE49-F238E27FC236}">
+                <a16:creationId xmlns:a16="http://schemas.microsoft.com/office/drawing/2014/main" id="{C27FC931-11CA-4F47-9AEB-93E02D89732E}"/>
+              </a:ext>
+            </a:extLst>
+          </p:cNvPr>
+          <p:cNvSpPr>
+            <a:spLocks noGrp="1"/>
+          </p:cNvSpPr>
+          <p:nvPr>
+            <p:ph type="dt" sz="half" idx="10"/>
+          </p:nvPr>
+        </p:nvSpPr>
+        <p:spPr/>
+        <p:txBody>
+          <a:bodyPr/>
+          <a:lstStyle/>
+          <a:p>
+            <a:fld id="{E33A92ED-39B7-43E0-9A13-62D89F8F37CB}" type="datetime1">
+              <a:rPr lang="en-US" smtClean="0"/>
+              <a:t>8/12/2019</a:t>
+            </a:fld>
+            <a:endParaRPr lang="en-US" dirty="0"/>
+          </a:p>
+        </p:txBody>
+      </p:sp>
+    </p:spTree>
+    <p:extLst>
+      <p:ext uri="{BB962C8B-B14F-4D97-AF65-F5344CB8AC3E}">
+        <p14:creationId xmlns:p14="http://schemas.microsoft.com/office/powerpoint/2010/main" val="2086961091"/>
+      </p:ext>
+    </p:extLst>
+  </p:cSld>
+  <p:clrMapOvr>
+    <a:masterClrMapping/>
+  </p:clrMapOvr>
+</p:sld>
+</file>
+
+<file path=ppt/slides/slide18.xml><?xml version="1.0" encoding="utf-8"?>
+<p:sld xmlns:a="http://schemas.openxmlformats.org/drawingml/2006/main" xmlns:r="http://schemas.openxmlformats.org/officeDocument/2006/relationships" xmlns:p="http://schemas.openxmlformats.org/presentationml/2006/main">
+  <p:cSld>
+    <p:spTree>
+      <p:nvGrpSpPr>
+        <p:cNvPr id="1" name=""/>
+        <p:cNvGrpSpPr/>
+        <p:nvPr/>
+      </p:nvGrpSpPr>
+      <p:grpSpPr>
+        <a:xfrm>
+          <a:off x="0" y="0"/>
+          <a:ext cx="0" cy="0"/>
+          <a:chOff x="0" y="0"/>
+          <a:chExt cx="0" cy="0"/>
+        </a:xfrm>
+      </p:grpSpPr>
+      <p:sp>
+        <p:nvSpPr>
+          <p:cNvPr id="2" name="Text Placeholder 1">
+            <a:extLst>
+              <a:ext uri="{FF2B5EF4-FFF2-40B4-BE49-F238E27FC236}">
+                <a16:creationId xmlns:a16="http://schemas.microsoft.com/office/drawing/2014/main" id="{2F2678E9-E3C1-4476-A60C-CA391CC96B4D}"/>
+              </a:ext>
+            </a:extLst>
+          </p:cNvPr>
+          <p:cNvSpPr>
+            <a:spLocks noGrp="1"/>
+          </p:cNvSpPr>
+          <p:nvPr>
+            <p:ph type="body" sz="quarter" idx="4294967295"/>
+          </p:nvPr>
+        </p:nvSpPr>
+        <p:spPr>
+          <a:xfrm>
+            <a:off x="1554663" y="100584"/>
+            <a:ext cx="8940800" cy="5538216"/>
+          </a:xfrm>
+        </p:spPr>
+        <p:txBody>
+          <a:bodyPr>
+            <a:normAutofit/>
+          </a:bodyPr>
+          <a:lstStyle/>
+          <a:p>
+            <a:pPr marL="0" indent="0" algn="ctr">
+              <a:buNone/>
+            </a:pPr>
+            <a:r>
+              <a:rPr lang="en-US" sz="3200" b="1" u="sng" dirty="0"/>
+              <a:t>Express our data/algorithms with an API</a:t>
+            </a:r>
+          </a:p>
+          <a:p>
+            <a:pPr marL="0" lvl="0" indent="0">
+              <a:buNone/>
+            </a:pPr>
+            <a:endParaRPr lang="en-US" dirty="0"/>
+          </a:p>
+          <a:p>
+            <a:pPr marL="0" lvl="0" indent="0">
+              <a:buNone/>
+            </a:pPr>
+            <a:endParaRPr lang="en-US" dirty="0"/>
+          </a:p>
+          <a:p>
+            <a:pPr marL="0" indent="0" algn="ctr">
+              <a:buNone/>
+            </a:pPr>
+            <a:endParaRPr lang="en-US" dirty="0"/>
+          </a:p>
+          <a:p>
+            <a:pPr marL="0" indent="0">
+              <a:buNone/>
+            </a:pPr>
+            <a:endParaRPr lang="en-US" dirty="0"/>
+          </a:p>
+        </p:txBody>
+      </p:sp>
+      <p:sp>
+        <p:nvSpPr>
+          <p:cNvPr id="4" name="Oval 3">
+            <a:extLst>
+              <a:ext uri="{FF2B5EF4-FFF2-40B4-BE49-F238E27FC236}">
+                <a16:creationId xmlns:a16="http://schemas.microsoft.com/office/drawing/2014/main" id="{1C155183-6FCB-47BE-B044-A26AADF8FB80}"/>
+              </a:ext>
+            </a:extLst>
+          </p:cNvPr>
+          <p:cNvSpPr/>
+          <p:nvPr/>
+        </p:nvSpPr>
+        <p:spPr>
+          <a:xfrm>
+            <a:off x="1036948" y="2565531"/>
+            <a:ext cx="2413262" cy="1244338"/>
+          </a:xfrm>
+          <a:prstGeom prst="ellipse">
+            <a:avLst/>
+          </a:prstGeom>
         </p:spPr>
         <p:style>
           <a:lnRef idx="2">
@@ -7886,14 +6629,324 @@
           <a:lstStyle/>
           <a:p>
             <a:pPr algn="ctr"/>
-            <a:endParaRPr lang="en-US"/>
-          </a:p>
-        </p:txBody>
-      </p:sp>
+            <a:r>
+              <a:rPr lang="en-US" sz="2800" dirty="0"/>
+              <a:t>Client</a:t>
+            </a:r>
+          </a:p>
+        </p:txBody>
+      </p:sp>
+      <p:sp>
+        <p:nvSpPr>
+          <p:cNvPr id="6" name="Oval 5">
+            <a:extLst>
+              <a:ext uri="{FF2B5EF4-FFF2-40B4-BE49-F238E27FC236}">
+                <a16:creationId xmlns:a16="http://schemas.microsoft.com/office/drawing/2014/main" id="{F4786BFE-BEF7-440F-8777-B890D15A396A}"/>
+              </a:ext>
+            </a:extLst>
+          </p:cNvPr>
+          <p:cNvSpPr/>
+          <p:nvPr/>
+        </p:nvSpPr>
+        <p:spPr>
+          <a:xfrm>
+            <a:off x="5073191" y="2565531"/>
+            <a:ext cx="2413262" cy="1244338"/>
+          </a:xfrm>
+          <a:prstGeom prst="ellipse">
+            <a:avLst/>
+          </a:prstGeom>
+        </p:spPr>
+        <p:style>
+          <a:lnRef idx="2">
+            <a:schemeClr val="accent1">
+              <a:shade val="50000"/>
+            </a:schemeClr>
+          </a:lnRef>
+          <a:fillRef idx="1">
+            <a:schemeClr val="accent1"/>
+          </a:fillRef>
+          <a:effectRef idx="0">
+            <a:schemeClr val="accent1"/>
+          </a:effectRef>
+          <a:fontRef idx="minor">
+            <a:schemeClr val="lt1"/>
+          </a:fontRef>
+        </p:style>
+        <p:txBody>
+          <a:bodyPr rtlCol="0" anchor="ctr"/>
+          <a:lstStyle/>
+          <a:p>
+            <a:pPr algn="ctr"/>
+            <a:r>
+              <a:rPr lang="en-US" sz="2800" dirty="0"/>
+              <a:t>Server</a:t>
+            </a:r>
+          </a:p>
+        </p:txBody>
+      </p:sp>
+      <p:cxnSp>
+        <p:nvCxnSpPr>
+          <p:cNvPr id="12" name="Connector: Curved 11">
+            <a:extLst>
+              <a:ext uri="{FF2B5EF4-FFF2-40B4-BE49-F238E27FC236}">
+                <a16:creationId xmlns:a16="http://schemas.microsoft.com/office/drawing/2014/main" id="{CCC7D669-05EF-416F-89ED-64497BC9DFB5}"/>
+              </a:ext>
+            </a:extLst>
+          </p:cNvPr>
+          <p:cNvCxnSpPr>
+            <a:cxnSpLocks/>
+          </p:cNvCxnSpPr>
+          <p:nvPr/>
+        </p:nvCxnSpPr>
+        <p:spPr>
+          <a:xfrm rot="5400000" flipH="1" flipV="1">
+            <a:off x="4281731" y="1603444"/>
+            <a:ext cx="12700" cy="2329809"/>
+          </a:xfrm>
+          <a:prstGeom prst="curvedConnector3">
+            <a:avLst>
+              <a:gd name="adj1" fmla="val 3234874"/>
+            </a:avLst>
+          </a:prstGeom>
+          <a:ln w="57150">
+            <a:tailEnd type="stealth" w="lg" len="lg"/>
+          </a:ln>
+        </p:spPr>
+        <p:style>
+          <a:lnRef idx="1">
+            <a:schemeClr val="accent1"/>
+          </a:lnRef>
+          <a:fillRef idx="0">
+            <a:schemeClr val="accent1"/>
+          </a:fillRef>
+          <a:effectRef idx="0">
+            <a:schemeClr val="accent1"/>
+          </a:effectRef>
+          <a:fontRef idx="minor">
+            <a:schemeClr val="tx1"/>
+          </a:fontRef>
+        </p:style>
+      </p:cxnSp>
+      <p:sp>
+        <p:nvSpPr>
+          <p:cNvPr id="11" name="TextBox 10">
+            <a:extLst>
+              <a:ext uri="{FF2B5EF4-FFF2-40B4-BE49-F238E27FC236}">
+                <a16:creationId xmlns:a16="http://schemas.microsoft.com/office/drawing/2014/main" id="{80A8C307-8C83-4688-AAB0-1A0ECE978B41}"/>
+              </a:ext>
+            </a:extLst>
+          </p:cNvPr>
+          <p:cNvSpPr txBox="1"/>
+          <p:nvPr/>
+        </p:nvSpPr>
+        <p:spPr>
+          <a:xfrm>
+            <a:off x="3282936" y="1682468"/>
+            <a:ext cx="3016264" cy="523220"/>
+          </a:xfrm>
+          <a:prstGeom prst="rect">
+            <a:avLst/>
+          </a:prstGeom>
+          <a:noFill/>
+        </p:spPr>
+        <p:txBody>
+          <a:bodyPr wrap="square" rtlCol="0">
+            <a:spAutoFit/>
+          </a:bodyPr>
+          <a:lstStyle/>
+          <a:p>
+            <a:r>
+              <a:rPr lang="en-US" sz="2800" dirty="0">
+                <a:solidFill>
+                  <a:srgbClr val="0070C0"/>
+                </a:solidFill>
+              </a:rPr>
+              <a:t>Client API Request</a:t>
+            </a:r>
+          </a:p>
+        </p:txBody>
+      </p:sp>
+      <p:sp>
+        <p:nvSpPr>
+          <p:cNvPr id="14" name="TextBox 13">
+            <a:extLst>
+              <a:ext uri="{FF2B5EF4-FFF2-40B4-BE49-F238E27FC236}">
+                <a16:creationId xmlns:a16="http://schemas.microsoft.com/office/drawing/2014/main" id="{8F8A66C6-267D-4C91-8938-7D92BB27422A}"/>
+              </a:ext>
+            </a:extLst>
+          </p:cNvPr>
+          <p:cNvSpPr txBox="1"/>
+          <p:nvPr/>
+        </p:nvSpPr>
+        <p:spPr>
+          <a:xfrm>
+            <a:off x="3059077" y="4289823"/>
+            <a:ext cx="2706723" cy="523220"/>
+          </a:xfrm>
+          <a:prstGeom prst="rect">
+            <a:avLst/>
+          </a:prstGeom>
+          <a:noFill/>
+        </p:spPr>
+        <p:txBody>
+          <a:bodyPr wrap="square" rtlCol="0">
+            <a:spAutoFit/>
+          </a:bodyPr>
+          <a:lstStyle/>
+          <a:p>
+            <a:r>
+              <a:rPr lang="en-US" sz="2800" dirty="0">
+                <a:solidFill>
+                  <a:srgbClr val="7030A0"/>
+                </a:solidFill>
+              </a:rPr>
+              <a:t>Server Response</a:t>
+            </a:r>
+          </a:p>
+        </p:txBody>
+      </p:sp>
+      <p:pic>
+        <p:nvPicPr>
+          <p:cNvPr id="13" name="Picture 2" descr="Related image">
+            <a:extLst>
+              <a:ext uri="{FF2B5EF4-FFF2-40B4-BE49-F238E27FC236}">
+                <a16:creationId xmlns:a16="http://schemas.microsoft.com/office/drawing/2014/main" id="{50D01228-1488-4E7E-B674-4EF8475610AF}"/>
+              </a:ext>
+            </a:extLst>
+          </p:cNvPr>
+          <p:cNvPicPr>
+            <a:picLocks noChangeAspect="1" noChangeArrowheads="1"/>
+          </p:cNvPicPr>
+          <p:nvPr/>
+        </p:nvPicPr>
+        <p:blipFill>
+          <a:blip r:embed="rId2">
+            <a:extLst>
+              <a:ext uri="{28A0092B-C50C-407E-A947-70E740481C1C}">
+                <a14:useLocalDpi xmlns:a14="http://schemas.microsoft.com/office/drawing/2010/main" val="0"/>
+              </a:ext>
+            </a:extLst>
+          </a:blip>
+          <a:srcRect/>
+          <a:stretch>
+            <a:fillRect/>
+          </a:stretch>
+        </p:blipFill>
+        <p:spPr bwMode="auto">
+          <a:xfrm>
+            <a:off x="8257494" y="2161095"/>
+            <a:ext cx="2742894" cy="2151648"/>
+          </a:xfrm>
+          <a:prstGeom prst="rect">
+            <a:avLst/>
+          </a:prstGeom>
+          <a:noFill/>
+          <a:extLst>
+            <a:ext uri="{909E8E84-426E-40DD-AFC4-6F175D3DCCD1}">
+              <a14:hiddenFill xmlns:a14="http://schemas.microsoft.com/office/drawing/2010/main">
+                <a:solidFill>
+                  <a:srgbClr val="FFFFFF"/>
+                </a:solidFill>
+              </a14:hiddenFill>
+            </a:ext>
+          </a:extLst>
+        </p:spPr>
+      </p:pic>
+      <p:cxnSp>
+        <p:nvCxnSpPr>
+          <p:cNvPr id="15" name="Connector: Curved 14">
+            <a:extLst>
+              <a:ext uri="{FF2B5EF4-FFF2-40B4-BE49-F238E27FC236}">
+                <a16:creationId xmlns:a16="http://schemas.microsoft.com/office/drawing/2014/main" id="{D85ABE96-B17B-4BD8-AD46-CEB2F393343E}"/>
+              </a:ext>
+            </a:extLst>
+          </p:cNvPr>
+          <p:cNvCxnSpPr>
+            <a:cxnSpLocks/>
+          </p:cNvCxnSpPr>
+          <p:nvPr/>
+        </p:nvCxnSpPr>
+        <p:spPr>
+          <a:xfrm>
+            <a:off x="5379929" y="2754437"/>
+            <a:ext cx="2936846" cy="433263"/>
+          </a:xfrm>
+          <a:prstGeom prst="curvedConnector3">
+            <a:avLst>
+              <a:gd name="adj1" fmla="val 50000"/>
+            </a:avLst>
+          </a:prstGeom>
+          <a:ln w="57150">
+            <a:solidFill>
+              <a:srgbClr val="7030A0"/>
+            </a:solidFill>
+            <a:headEnd type="none" w="lg" len="lg"/>
+            <a:tailEnd type="stealth" w="lg" len="lg"/>
+          </a:ln>
+        </p:spPr>
+        <p:style>
+          <a:lnRef idx="1">
+            <a:schemeClr val="accent1"/>
+          </a:lnRef>
+          <a:fillRef idx="0">
+            <a:schemeClr val="accent1"/>
+          </a:fillRef>
+          <a:effectRef idx="0">
+            <a:schemeClr val="accent1"/>
+          </a:effectRef>
+          <a:fontRef idx="minor">
+            <a:schemeClr val="tx1"/>
+          </a:fontRef>
+        </p:style>
+      </p:cxnSp>
+      <p:cxnSp>
+        <p:nvCxnSpPr>
+          <p:cNvPr id="16" name="Straight Arrow Connector 15">
+            <a:extLst>
+              <a:ext uri="{FF2B5EF4-FFF2-40B4-BE49-F238E27FC236}">
+                <a16:creationId xmlns:a16="http://schemas.microsoft.com/office/drawing/2014/main" id="{BBFF7BA0-EC3C-48F5-A226-3D1784025030}"/>
+              </a:ext>
+            </a:extLst>
+          </p:cNvPr>
+          <p:cNvCxnSpPr/>
+          <p:nvPr/>
+        </p:nvCxnSpPr>
+        <p:spPr>
+          <a:xfrm flipH="1" flipV="1">
+            <a:off x="3450210" y="3429000"/>
+            <a:ext cx="4866565" cy="127000"/>
+          </a:xfrm>
+          <a:prstGeom prst="straightConnector1">
+            <a:avLst/>
+          </a:prstGeom>
+          <a:ln w="69850">
+            <a:solidFill>
+              <a:srgbClr val="7030A0"/>
+            </a:solidFill>
+            <a:headEnd type="none" w="lg" len="lg"/>
+            <a:tailEnd type="stealth" w="lg" len="lg"/>
+          </a:ln>
+        </p:spPr>
+        <p:style>
+          <a:lnRef idx="1">
+            <a:schemeClr val="accent1"/>
+          </a:lnRef>
+          <a:fillRef idx="0">
+            <a:schemeClr val="accent1"/>
+          </a:fillRef>
+          <a:effectRef idx="0">
+            <a:schemeClr val="accent1"/>
+          </a:effectRef>
+          <a:fontRef idx="minor">
+            <a:schemeClr val="tx1"/>
+          </a:fontRef>
+        </p:style>
+      </p:cxnSp>
     </p:spTree>
     <p:extLst>
       <p:ext uri="{BB962C8B-B14F-4D97-AF65-F5344CB8AC3E}">
-        <p14:creationId xmlns:p14="http://schemas.microsoft.com/office/powerpoint/2010/main" val="1564323950"/>
+        <p14:creationId xmlns:p14="http://schemas.microsoft.com/office/powerpoint/2010/main" val="3081407346"/>
       </p:ext>
     </p:extLst>
   </p:cSld>
@@ -7903,7 +6956,7 @@
 </p:sld>
 </file>
 
-<file path=ppt/slides/slide22.xml><?xml version="1.0" encoding="utf-8"?>
+<file path=ppt/slides/slide19.xml><?xml version="1.0" encoding="utf-8"?>
 <p:sld xmlns:a="http://schemas.openxmlformats.org/drawingml/2006/main" xmlns:r="http://schemas.openxmlformats.org/officeDocument/2006/relationships" xmlns:p="http://schemas.openxmlformats.org/presentationml/2006/main">
   <p:cSld>
     <p:spTree>
@@ -7953,8 +7006,68 @@
             </a:pPr>
             <a:r>
               <a:rPr lang="en-US" sz="3200" b="1" u="sng" dirty="0"/>
-              <a:t>Example with argument and serializer</a:t>
-            </a:r>
+              <a:t>Web API</a:t>
+            </a:r>
+          </a:p>
+          <a:p>
+            <a:pPr lvl="0"/>
+            <a:r>
+              <a:rPr lang="en-US" sz="2400" dirty="0"/>
+              <a:t>Shiny bundles the web application and the API together</a:t>
+            </a:r>
+          </a:p>
+          <a:p>
+            <a:pPr lvl="0"/>
+            <a:r>
+              <a:rPr lang="en-US" sz="2400" dirty="0"/>
+              <a:t>Plumber is a minimalist way to expose your data and functions as an API</a:t>
+            </a:r>
+          </a:p>
+          <a:p>
+            <a:pPr lvl="0"/>
+            <a:r>
+              <a:rPr lang="en-US" sz="2400" dirty="0"/>
+              <a:t>Converts your existing R code into web APIs using </a:t>
+            </a:r>
+            <a:r>
+              <a:rPr lang="en-US" sz="2400" b="1" dirty="0">
+                <a:solidFill>
+                  <a:srgbClr val="FF0000"/>
+                </a:solidFill>
+              </a:rPr>
+              <a:t>decorator</a:t>
+            </a:r>
+            <a:r>
+              <a:rPr lang="en-US" sz="2400" dirty="0"/>
+              <a:t> comments on your functions</a:t>
+            </a:r>
+          </a:p>
+          <a:p>
+            <a:pPr lvl="0"/>
+            <a:r>
+              <a:rPr lang="en-US" sz="2400" dirty="0"/>
+              <a:t>The </a:t>
+            </a:r>
+            <a:r>
+              <a:rPr lang="en-US" sz="2400" b="1" dirty="0">
+                <a:solidFill>
+                  <a:srgbClr val="FF0000"/>
+                </a:solidFill>
+              </a:rPr>
+              <a:t>serializer</a:t>
+            </a:r>
+            <a:r>
+              <a:rPr lang="en-US" sz="2400" dirty="0"/>
+              <a:t> included in the decorator specifies the type of output to return as part of the request (json, html, plaintext, image, etc.)</a:t>
+            </a:r>
+          </a:p>
+          <a:p>
+            <a:pPr lvl="0"/>
+            <a:endParaRPr lang="en-US" sz="2400" dirty="0"/>
+          </a:p>
+          <a:p>
+            <a:pPr lvl="0"/>
+            <a:endParaRPr lang="en-US" dirty="0"/>
           </a:p>
           <a:p>
             <a:pPr lvl="0"/>
@@ -8052,92 +7165,10 @@
           </a:p>
         </p:txBody>
       </p:sp>
-      <p:pic>
-        <p:nvPicPr>
-          <p:cNvPr id="6" name="Picture 5">
-            <a:extLst>
-              <a:ext uri="{FF2B5EF4-FFF2-40B4-BE49-F238E27FC236}">
-                <a16:creationId xmlns:a16="http://schemas.microsoft.com/office/drawing/2014/main" id="{1378FC99-42BE-4623-BBB5-BAD8D7670A07}"/>
-              </a:ext>
-            </a:extLst>
-          </p:cNvPr>
-          <p:cNvPicPr>
-            <a:picLocks noChangeAspect="1"/>
-          </p:cNvPicPr>
-          <p:nvPr/>
-        </p:nvPicPr>
-        <p:blipFill>
-          <a:blip r:embed="rId2"/>
-          <a:stretch>
-            <a:fillRect/>
-          </a:stretch>
-        </p:blipFill>
-        <p:spPr>
-          <a:xfrm>
-            <a:off x="1554663" y="1188173"/>
-            <a:ext cx="9894895" cy="4882427"/>
-          </a:xfrm>
-          <a:prstGeom prst="rect">
-            <a:avLst/>
-          </a:prstGeom>
-        </p:spPr>
-      </p:pic>
-      <p:sp>
-        <p:nvSpPr>
-          <p:cNvPr id="5" name="Rectangle 4">
-            <a:extLst>
-              <a:ext uri="{FF2B5EF4-FFF2-40B4-BE49-F238E27FC236}">
-                <a16:creationId xmlns:a16="http://schemas.microsoft.com/office/drawing/2014/main" id="{E4EDA08C-9137-45A1-A10A-000E07B46C53}"/>
-              </a:ext>
-            </a:extLst>
-          </p:cNvPr>
-          <p:cNvSpPr/>
-          <p:nvPr/>
-        </p:nvSpPr>
-        <p:spPr>
-          <a:xfrm>
-            <a:off x="1554663" y="1485901"/>
-            <a:ext cx="9894895" cy="901699"/>
-          </a:xfrm>
-          <a:prstGeom prst="rect">
-            <a:avLst/>
-          </a:prstGeom>
-          <a:noFill/>
-          <a:ln w="50800">
-            <a:solidFill>
-              <a:srgbClr val="FF0000"/>
-            </a:solidFill>
-          </a:ln>
-        </p:spPr>
-        <p:style>
-          <a:lnRef idx="2">
-            <a:schemeClr val="accent1">
-              <a:shade val="50000"/>
-            </a:schemeClr>
-          </a:lnRef>
-          <a:fillRef idx="1">
-            <a:schemeClr val="accent1"/>
-          </a:fillRef>
-          <a:effectRef idx="0">
-            <a:schemeClr val="accent1"/>
-          </a:effectRef>
-          <a:fontRef idx="minor">
-            <a:schemeClr val="lt1"/>
-          </a:fontRef>
-        </p:style>
-        <p:txBody>
-          <a:bodyPr rtlCol="0" anchor="ctr"/>
-          <a:lstStyle/>
-          <a:p>
-            <a:pPr algn="ctr"/>
-            <a:endParaRPr lang="en-US"/>
-          </a:p>
-        </p:txBody>
-      </p:sp>
     </p:spTree>
     <p:extLst>
       <p:ext uri="{BB962C8B-B14F-4D97-AF65-F5344CB8AC3E}">
-        <p14:creationId xmlns:p14="http://schemas.microsoft.com/office/powerpoint/2010/main" val="2081215850"/>
+        <p14:creationId xmlns:p14="http://schemas.microsoft.com/office/powerpoint/2010/main" val="3865825098"/>
       </p:ext>
     </p:extLst>
   </p:cSld>
@@ -8147,7 +7178,7 @@
 </p:sld>
 </file>
 
-<file path=ppt/slides/slide23.xml><?xml version="1.0" encoding="utf-8"?>
+<file path=ppt/slides/slide2.xml><?xml version="1.0" encoding="utf-8"?>
 <p:sld xmlns:a="http://schemas.openxmlformats.org/drawingml/2006/main" xmlns:r="http://schemas.openxmlformats.org/officeDocument/2006/relationships" xmlns:p="http://schemas.openxmlformats.org/presentationml/2006/main">
   <p:cSld>
     <p:spTree>
@@ -8182,7 +7213,7 @@
         </p:nvSpPr>
         <p:spPr>
           <a:xfrm>
-            <a:off x="1064125" y="204788"/>
+            <a:off x="1177544" y="633984"/>
             <a:ext cx="8940800" cy="5538216"/>
           </a:xfrm>
         </p:spPr>
@@ -8197,7 +7228,57 @@
             </a:pPr>
             <a:r>
               <a:rPr lang="en-US" sz="3200" b="1" u="sng" dirty="0"/>
-              <a:t>Standing up plumber</a:t>
+              <a:t>Web APIs</a:t>
+            </a:r>
+          </a:p>
+          <a:p>
+            <a:pPr lvl="0"/>
+            <a:r>
+              <a:rPr lang="en-US" sz="2400" dirty="0"/>
+              <a:t>Programs interact with APIs, not people</a:t>
+            </a:r>
+          </a:p>
+          <a:p>
+            <a:pPr lvl="0"/>
+            <a:r>
+              <a:rPr lang="en-US" sz="2400" dirty="0"/>
+              <a:t>Machine friendly data formats (usually JSON), but can also render images, HTML widgets</a:t>
+            </a:r>
+          </a:p>
+          <a:p>
+            <a:pPr lvl="0"/>
+            <a:r>
+              <a:rPr lang="en-US" sz="2400" dirty="0"/>
+              <a:t>Accessible from all current programming languages and platforms</a:t>
+            </a:r>
+          </a:p>
+          <a:p>
+            <a:pPr lvl="1"/>
+            <a:r>
+              <a:rPr lang="en-US" sz="2000" dirty="0"/>
+              <a:t>Including R with the </a:t>
+            </a:r>
+            <a:r>
+              <a:rPr lang="en-US" sz="2000" dirty="0" err="1"/>
+              <a:t>httr</a:t>
+            </a:r>
+            <a:r>
+              <a:rPr lang="en-US" sz="2000" dirty="0"/>
+              <a:t> package</a:t>
+            </a:r>
+          </a:p>
+          <a:p>
+            <a:pPr lvl="1"/>
+            <a:r>
+              <a:rPr lang="en-US" sz="2000" dirty="0"/>
+              <a:t>Web browsers, apps</a:t>
+            </a:r>
+          </a:p>
+          <a:p>
+            <a:pPr lvl="1"/>
+            <a:r>
+              <a:rPr lang="en-US" sz="2000" dirty="0"/>
+              <a:t>Any modern programming language</a:t>
             </a:r>
           </a:p>
           <a:p>
@@ -8296,40 +7377,10 @@
           </a:p>
         </p:txBody>
       </p:sp>
-      <p:pic>
-        <p:nvPicPr>
-          <p:cNvPr id="4" name="Picture 3">
-            <a:extLst>
-              <a:ext uri="{FF2B5EF4-FFF2-40B4-BE49-F238E27FC236}">
-                <a16:creationId xmlns:a16="http://schemas.microsoft.com/office/drawing/2014/main" id="{7D80ED3A-0147-4883-991F-D9423F885E5E}"/>
-              </a:ext>
-            </a:extLst>
-          </p:cNvPr>
-          <p:cNvPicPr>
-            <a:picLocks noChangeAspect="1"/>
-          </p:cNvPicPr>
-          <p:nvPr/>
-        </p:nvPicPr>
-        <p:blipFill>
-          <a:blip r:embed="rId2"/>
-          <a:stretch>
-            <a:fillRect/>
-          </a:stretch>
-        </p:blipFill>
-        <p:spPr>
-          <a:xfrm>
-            <a:off x="573588" y="820132"/>
-            <a:ext cx="8138612" cy="5836317"/>
-          </a:xfrm>
-          <a:prstGeom prst="rect">
-            <a:avLst/>
-          </a:prstGeom>
-        </p:spPr>
-      </p:pic>
     </p:spTree>
     <p:extLst>
       <p:ext uri="{BB962C8B-B14F-4D97-AF65-F5344CB8AC3E}">
-        <p14:creationId xmlns:p14="http://schemas.microsoft.com/office/powerpoint/2010/main" val="4014535718"/>
+        <p14:creationId xmlns:p14="http://schemas.microsoft.com/office/powerpoint/2010/main" val="3560271957"/>
       </p:ext>
     </p:extLst>
   </p:cSld>
@@ -8339,7 +7390,7 @@
 </p:sld>
 </file>
 
-<file path=ppt/slides/slide24.xml><?xml version="1.0" encoding="utf-8"?>
+<file path=ppt/slides/slide20.xml><?xml version="1.0" encoding="utf-8"?>
 <p:sld xmlns:a="http://schemas.openxmlformats.org/drawingml/2006/main" xmlns:r="http://schemas.openxmlformats.org/officeDocument/2006/relationships" xmlns:p="http://schemas.openxmlformats.org/presentationml/2006/main">
   <p:cSld>
     <p:spTree>
@@ -8358,10 +7409,10 @@
       </p:grpSpPr>
       <p:sp>
         <p:nvSpPr>
-          <p:cNvPr id="3" name="Date Placeholder 2">
-            <a:extLst>
-              <a:ext uri="{FF2B5EF4-FFF2-40B4-BE49-F238E27FC236}">
-                <a16:creationId xmlns:a16="http://schemas.microsoft.com/office/drawing/2014/main" id="{91AA4ED6-9AD4-493E-8688-706C53244AF7}"/>
+          <p:cNvPr id="2" name="Text Placeholder 1">
+            <a:extLst>
+              <a:ext uri="{FF2B5EF4-FFF2-40B4-BE49-F238E27FC236}">
+                <a16:creationId xmlns:a16="http://schemas.microsoft.com/office/drawing/2014/main" id="{2F2678E9-E3C1-4476-A60C-CA391CC96B4D}"/>
               </a:ext>
             </a:extLst>
           </p:cNvPr>
@@ -8369,518 +7420,13 @@
             <a:spLocks noGrp="1"/>
           </p:cNvSpPr>
           <p:nvPr>
-            <p:ph type="dt" sz="half" idx="10"/>
-          </p:nvPr>
-        </p:nvSpPr>
-        <p:spPr/>
-        <p:txBody>
-          <a:bodyPr/>
-          <a:lstStyle/>
-          <a:p>
-            <a:fld id="{E33A92ED-39B7-43E0-9A13-62D89F8F37CB}" type="datetime1">
-              <a:rPr lang="en-US" smtClean="0"/>
-              <a:t>8/12/2019</a:t>
-            </a:fld>
-            <a:endParaRPr lang="en-US" dirty="0"/>
-          </a:p>
-        </p:txBody>
-      </p:sp>
-      <p:pic>
-        <p:nvPicPr>
-          <p:cNvPr id="5" name="Picture 4">
-            <a:extLst>
-              <a:ext uri="{FF2B5EF4-FFF2-40B4-BE49-F238E27FC236}">
-                <a16:creationId xmlns:a16="http://schemas.microsoft.com/office/drawing/2014/main" id="{9698E1CE-7ECF-4CF2-92B7-6CEFFC42974E}"/>
-              </a:ext>
-            </a:extLst>
-          </p:cNvPr>
-          <p:cNvPicPr>
-            <a:picLocks noChangeAspect="1"/>
-          </p:cNvPicPr>
-          <p:nvPr/>
-        </p:nvPicPr>
-        <p:blipFill>
-          <a:blip r:embed="rId2"/>
-          <a:stretch>
-            <a:fillRect/>
-          </a:stretch>
-        </p:blipFill>
-        <p:spPr>
-          <a:xfrm>
-            <a:off x="262642" y="0"/>
-            <a:ext cx="11666716" cy="6858000"/>
-          </a:xfrm>
-          <a:prstGeom prst="rect">
-            <a:avLst/>
-          </a:prstGeom>
-        </p:spPr>
-      </p:pic>
-    </p:spTree>
-    <p:extLst>
-      <p:ext uri="{BB962C8B-B14F-4D97-AF65-F5344CB8AC3E}">
-        <p14:creationId xmlns:p14="http://schemas.microsoft.com/office/powerpoint/2010/main" val="3377716477"/>
-      </p:ext>
-    </p:extLst>
-  </p:cSld>
-  <p:clrMapOvr>
-    <a:masterClrMapping/>
-  </p:clrMapOvr>
-</p:sld>
-</file>
-
-<file path=ppt/slides/slide25.xml><?xml version="1.0" encoding="utf-8"?>
-<p:sld xmlns:a="http://schemas.openxmlformats.org/drawingml/2006/main" xmlns:r="http://schemas.openxmlformats.org/officeDocument/2006/relationships" xmlns:p="http://schemas.openxmlformats.org/presentationml/2006/main">
-  <p:cSld>
-    <p:spTree>
-      <p:nvGrpSpPr>
-        <p:cNvPr id="1" name=""/>
-        <p:cNvGrpSpPr/>
-        <p:nvPr/>
-      </p:nvGrpSpPr>
-      <p:grpSpPr>
-        <a:xfrm>
-          <a:off x="0" y="0"/>
-          <a:ext cx="0" cy="0"/>
-          <a:chOff x="0" y="0"/>
-          <a:chExt cx="0" cy="0"/>
-        </a:xfrm>
-      </p:grpSpPr>
-      <p:sp>
-        <p:nvSpPr>
-          <p:cNvPr id="3" name="Date Placeholder 2">
-            <a:extLst>
-              <a:ext uri="{FF2B5EF4-FFF2-40B4-BE49-F238E27FC236}">
-                <a16:creationId xmlns:a16="http://schemas.microsoft.com/office/drawing/2014/main" id="{26C14324-B242-450B-BB48-681A799D0C65}"/>
-              </a:ext>
-            </a:extLst>
-          </p:cNvPr>
-          <p:cNvSpPr>
-            <a:spLocks noGrp="1"/>
-          </p:cNvSpPr>
-          <p:nvPr>
-            <p:ph type="dt" sz="half" idx="10"/>
-          </p:nvPr>
-        </p:nvSpPr>
-        <p:spPr/>
-        <p:txBody>
-          <a:bodyPr/>
-          <a:lstStyle/>
-          <a:p>
-            <a:fld id="{E33A92ED-39B7-43E0-9A13-62D89F8F37CB}" type="datetime1">
-              <a:rPr lang="en-US" smtClean="0"/>
-              <a:t>8/12/2019</a:t>
-            </a:fld>
-            <a:endParaRPr lang="en-US" dirty="0"/>
-          </a:p>
-        </p:txBody>
-      </p:sp>
-      <p:pic>
-        <p:nvPicPr>
-          <p:cNvPr id="5" name="Picture 4">
-            <a:extLst>
-              <a:ext uri="{FF2B5EF4-FFF2-40B4-BE49-F238E27FC236}">
-                <a16:creationId xmlns:a16="http://schemas.microsoft.com/office/drawing/2014/main" id="{2CEDC61B-E5FA-4773-B493-52898BDE3464}"/>
-              </a:ext>
-            </a:extLst>
-          </p:cNvPr>
-          <p:cNvPicPr>
-            <a:picLocks noChangeAspect="1"/>
-          </p:cNvPicPr>
-          <p:nvPr/>
-        </p:nvPicPr>
-        <p:blipFill>
-          <a:blip r:embed="rId2"/>
-          <a:stretch>
-            <a:fillRect/>
-          </a:stretch>
-        </p:blipFill>
-        <p:spPr>
-          <a:xfrm>
-            <a:off x="0" y="204788"/>
-            <a:ext cx="12192000" cy="5311926"/>
-          </a:xfrm>
-          <a:prstGeom prst="rect">
-            <a:avLst/>
-          </a:prstGeom>
-        </p:spPr>
-      </p:pic>
-    </p:spTree>
-    <p:extLst>
-      <p:ext uri="{BB962C8B-B14F-4D97-AF65-F5344CB8AC3E}">
-        <p14:creationId xmlns:p14="http://schemas.microsoft.com/office/powerpoint/2010/main" val="2484947176"/>
-      </p:ext>
-    </p:extLst>
-  </p:cSld>
-  <p:clrMapOvr>
-    <a:masterClrMapping/>
-  </p:clrMapOvr>
-</p:sld>
-</file>
-
-<file path=ppt/slides/slide26.xml><?xml version="1.0" encoding="utf-8"?>
-<p:sld xmlns:a="http://schemas.openxmlformats.org/drawingml/2006/main" xmlns:r="http://schemas.openxmlformats.org/officeDocument/2006/relationships" xmlns:p="http://schemas.openxmlformats.org/presentationml/2006/main">
-  <p:cSld>
-    <p:spTree>
-      <p:nvGrpSpPr>
-        <p:cNvPr id="1" name=""/>
-        <p:cNvGrpSpPr/>
-        <p:nvPr/>
-      </p:nvGrpSpPr>
-      <p:grpSpPr>
-        <a:xfrm>
-          <a:off x="0" y="0"/>
-          <a:ext cx="0" cy="0"/>
-          <a:chOff x="0" y="0"/>
-          <a:chExt cx="0" cy="0"/>
-        </a:xfrm>
-      </p:grpSpPr>
-      <p:sp>
-        <p:nvSpPr>
-          <p:cNvPr id="3" name="Date Placeholder 2">
-            <a:extLst>
-              <a:ext uri="{FF2B5EF4-FFF2-40B4-BE49-F238E27FC236}">
-                <a16:creationId xmlns:a16="http://schemas.microsoft.com/office/drawing/2014/main" id="{90776294-0695-4E31-B6C8-EE8390D7824B}"/>
-              </a:ext>
-            </a:extLst>
-          </p:cNvPr>
-          <p:cNvSpPr>
-            <a:spLocks noGrp="1"/>
-          </p:cNvSpPr>
-          <p:nvPr>
-            <p:ph type="dt" sz="half" idx="10"/>
-          </p:nvPr>
-        </p:nvSpPr>
-        <p:spPr/>
-        <p:txBody>
-          <a:bodyPr/>
-          <a:lstStyle/>
-          <a:p>
-            <a:fld id="{E33A92ED-39B7-43E0-9A13-62D89F8F37CB}" type="datetime1">
-              <a:rPr lang="en-US" smtClean="0"/>
-              <a:t>8/12/2019</a:t>
-            </a:fld>
-            <a:endParaRPr lang="en-US" dirty="0"/>
-          </a:p>
-        </p:txBody>
-      </p:sp>
-      <p:pic>
-        <p:nvPicPr>
-          <p:cNvPr id="5" name="Picture 4">
-            <a:extLst>
-              <a:ext uri="{FF2B5EF4-FFF2-40B4-BE49-F238E27FC236}">
-                <a16:creationId xmlns:a16="http://schemas.microsoft.com/office/drawing/2014/main" id="{97411C40-BB89-4B1F-A0BC-8F5B5CC8115C}"/>
-              </a:ext>
-            </a:extLst>
-          </p:cNvPr>
-          <p:cNvPicPr>
-            <a:picLocks noChangeAspect="1"/>
-          </p:cNvPicPr>
-          <p:nvPr/>
-        </p:nvPicPr>
-        <p:blipFill>
-          <a:blip r:embed="rId2"/>
-          <a:stretch>
-            <a:fillRect/>
-          </a:stretch>
-        </p:blipFill>
-        <p:spPr>
-          <a:xfrm>
-            <a:off x="25400" y="262754"/>
-            <a:ext cx="12192000" cy="6510291"/>
-          </a:xfrm>
-          <a:prstGeom prst="rect">
-            <a:avLst/>
-          </a:prstGeom>
-        </p:spPr>
-      </p:pic>
-    </p:spTree>
-    <p:extLst>
-      <p:ext uri="{BB962C8B-B14F-4D97-AF65-F5344CB8AC3E}">
-        <p14:creationId xmlns:p14="http://schemas.microsoft.com/office/powerpoint/2010/main" val="2544410801"/>
-      </p:ext>
-    </p:extLst>
-  </p:cSld>
-  <p:clrMapOvr>
-    <a:masterClrMapping/>
-  </p:clrMapOvr>
-</p:sld>
-</file>
-
-<file path=ppt/slides/slide27.xml><?xml version="1.0" encoding="utf-8"?>
-<p:sld xmlns:a="http://schemas.openxmlformats.org/drawingml/2006/main" xmlns:r="http://schemas.openxmlformats.org/officeDocument/2006/relationships" xmlns:p="http://schemas.openxmlformats.org/presentationml/2006/main">
-  <p:cSld>
-    <p:spTree>
-      <p:nvGrpSpPr>
-        <p:cNvPr id="1" name=""/>
-        <p:cNvGrpSpPr/>
-        <p:nvPr/>
-      </p:nvGrpSpPr>
-      <p:grpSpPr>
-        <a:xfrm>
-          <a:off x="0" y="0"/>
-          <a:ext cx="0" cy="0"/>
-          <a:chOff x="0" y="0"/>
-          <a:chExt cx="0" cy="0"/>
-        </a:xfrm>
-      </p:grpSpPr>
-      <p:sp>
-        <p:nvSpPr>
-          <p:cNvPr id="3" name="Date Placeholder 2">
-            <a:extLst>
-              <a:ext uri="{FF2B5EF4-FFF2-40B4-BE49-F238E27FC236}">
-                <a16:creationId xmlns:a16="http://schemas.microsoft.com/office/drawing/2014/main" id="{7FABA3C1-3542-4BF3-9E6E-F2AE6D1916FE}"/>
-              </a:ext>
-            </a:extLst>
-          </p:cNvPr>
-          <p:cNvSpPr>
-            <a:spLocks noGrp="1"/>
-          </p:cNvSpPr>
-          <p:nvPr>
-            <p:ph type="dt" sz="half" idx="10"/>
-          </p:nvPr>
-        </p:nvSpPr>
-        <p:spPr/>
-        <p:txBody>
-          <a:bodyPr/>
-          <a:lstStyle/>
-          <a:p>
-            <a:fld id="{E33A92ED-39B7-43E0-9A13-62D89F8F37CB}" type="datetime1">
-              <a:rPr lang="en-US" smtClean="0"/>
-              <a:t>8/12/2019</a:t>
-            </a:fld>
-            <a:endParaRPr lang="en-US" dirty="0"/>
-          </a:p>
-        </p:txBody>
-      </p:sp>
-      <p:pic>
-        <p:nvPicPr>
-          <p:cNvPr id="5" name="Picture 4">
-            <a:extLst>
-              <a:ext uri="{FF2B5EF4-FFF2-40B4-BE49-F238E27FC236}">
-                <a16:creationId xmlns:a16="http://schemas.microsoft.com/office/drawing/2014/main" id="{6E82E088-881E-4C1D-A367-2383B05443DC}"/>
-              </a:ext>
-            </a:extLst>
-          </p:cNvPr>
-          <p:cNvPicPr>
-            <a:picLocks noChangeAspect="1"/>
-          </p:cNvPicPr>
-          <p:nvPr/>
-        </p:nvPicPr>
-        <p:blipFill>
-          <a:blip r:embed="rId2"/>
-          <a:stretch>
-            <a:fillRect/>
-          </a:stretch>
-        </p:blipFill>
-        <p:spPr>
-          <a:xfrm>
-            <a:off x="573588" y="939800"/>
-            <a:ext cx="9092869" cy="1739900"/>
-          </a:xfrm>
-          <a:prstGeom prst="rect">
-            <a:avLst/>
-          </a:prstGeom>
-        </p:spPr>
-      </p:pic>
-      <p:pic>
-        <p:nvPicPr>
-          <p:cNvPr id="6" name="Picture 5">
-            <a:extLst>
-              <a:ext uri="{FF2B5EF4-FFF2-40B4-BE49-F238E27FC236}">
-                <a16:creationId xmlns:a16="http://schemas.microsoft.com/office/drawing/2014/main" id="{0CC6FD51-5470-419E-8F8F-75AC3EE038B4}"/>
-              </a:ext>
-            </a:extLst>
-          </p:cNvPr>
-          <p:cNvPicPr>
-            <a:picLocks noChangeAspect="1"/>
-          </p:cNvPicPr>
-          <p:nvPr/>
-        </p:nvPicPr>
-        <p:blipFill>
-          <a:blip r:embed="rId3"/>
-          <a:stretch>
-            <a:fillRect/>
-          </a:stretch>
-        </p:blipFill>
-        <p:spPr>
-          <a:xfrm>
-            <a:off x="4727574" y="4273549"/>
-            <a:ext cx="6918325" cy="1848217"/>
-          </a:xfrm>
-          <a:prstGeom prst="rect">
-            <a:avLst/>
-          </a:prstGeom>
-        </p:spPr>
-      </p:pic>
-    </p:spTree>
-    <p:extLst>
-      <p:ext uri="{BB962C8B-B14F-4D97-AF65-F5344CB8AC3E}">
-        <p14:creationId xmlns:p14="http://schemas.microsoft.com/office/powerpoint/2010/main" val="2677213927"/>
-      </p:ext>
-    </p:extLst>
-  </p:cSld>
-  <p:clrMapOvr>
-    <a:masterClrMapping/>
-  </p:clrMapOvr>
-</p:sld>
-</file>
-
-<file path=ppt/slides/slide28.xml><?xml version="1.0" encoding="utf-8"?>
-<p:sld xmlns:a="http://schemas.openxmlformats.org/drawingml/2006/main" xmlns:r="http://schemas.openxmlformats.org/officeDocument/2006/relationships" xmlns:p="http://schemas.openxmlformats.org/presentationml/2006/main">
-  <p:cSld>
-    <p:spTree>
-      <p:nvGrpSpPr>
-        <p:cNvPr id="1" name=""/>
-        <p:cNvGrpSpPr/>
-        <p:nvPr/>
-      </p:nvGrpSpPr>
-      <p:grpSpPr>
-        <a:xfrm>
-          <a:off x="0" y="0"/>
-          <a:ext cx="0" cy="0"/>
-          <a:chOff x="0" y="0"/>
-          <a:chExt cx="0" cy="0"/>
-        </a:xfrm>
-      </p:grpSpPr>
-      <p:sp>
-        <p:nvSpPr>
-          <p:cNvPr id="3" name="Date Placeholder 2">
-            <a:extLst>
-              <a:ext uri="{FF2B5EF4-FFF2-40B4-BE49-F238E27FC236}">
-                <a16:creationId xmlns:a16="http://schemas.microsoft.com/office/drawing/2014/main" id="{4B16C8B9-B4B8-4D97-B4D8-200EA202628F}"/>
-              </a:ext>
-            </a:extLst>
-          </p:cNvPr>
-          <p:cNvSpPr>
-            <a:spLocks noGrp="1"/>
-          </p:cNvSpPr>
-          <p:nvPr>
-            <p:ph type="dt" sz="half" idx="10"/>
-          </p:nvPr>
-        </p:nvSpPr>
-        <p:spPr/>
-        <p:txBody>
-          <a:bodyPr/>
-          <a:lstStyle/>
-          <a:p>
-            <a:fld id="{E33A92ED-39B7-43E0-9A13-62D89F8F37CB}" type="datetime1">
-              <a:rPr lang="en-US" smtClean="0"/>
-              <a:t>8/12/2019</a:t>
-            </a:fld>
-            <a:endParaRPr lang="en-US" dirty="0"/>
-          </a:p>
-        </p:txBody>
-      </p:sp>
-      <p:pic>
-        <p:nvPicPr>
-          <p:cNvPr id="5" name="Picture 4">
-            <a:extLst>
-              <a:ext uri="{FF2B5EF4-FFF2-40B4-BE49-F238E27FC236}">
-                <a16:creationId xmlns:a16="http://schemas.microsoft.com/office/drawing/2014/main" id="{FF6EDC9D-5022-43B0-911E-A3F7FF8A2090}"/>
-              </a:ext>
-            </a:extLst>
-          </p:cNvPr>
-          <p:cNvPicPr>
-            <a:picLocks noChangeAspect="1"/>
-          </p:cNvPicPr>
-          <p:nvPr/>
-        </p:nvPicPr>
-        <p:blipFill>
-          <a:blip r:embed="rId2"/>
-          <a:stretch>
-            <a:fillRect/>
-          </a:stretch>
-        </p:blipFill>
-        <p:spPr>
-          <a:xfrm>
-            <a:off x="114300" y="0"/>
-            <a:ext cx="6902736" cy="5511800"/>
-          </a:xfrm>
-          <a:prstGeom prst="rect">
-            <a:avLst/>
-          </a:prstGeom>
-        </p:spPr>
-      </p:pic>
-      <p:pic>
-        <p:nvPicPr>
-          <p:cNvPr id="6" name="Picture 5">
-            <a:extLst>
-              <a:ext uri="{FF2B5EF4-FFF2-40B4-BE49-F238E27FC236}">
-                <a16:creationId xmlns:a16="http://schemas.microsoft.com/office/drawing/2014/main" id="{6FA2EB8F-EA8A-4401-BFB2-03FA1E352D2B}"/>
-              </a:ext>
-            </a:extLst>
-          </p:cNvPr>
-          <p:cNvPicPr>
-            <a:picLocks noChangeAspect="1"/>
-          </p:cNvPicPr>
-          <p:nvPr/>
-        </p:nvPicPr>
-        <p:blipFill>
-          <a:blip r:embed="rId3"/>
-          <a:stretch>
-            <a:fillRect/>
-          </a:stretch>
-        </p:blipFill>
-        <p:spPr>
-          <a:xfrm>
-            <a:off x="6059462" y="1778000"/>
-            <a:ext cx="6132538" cy="4991100"/>
-          </a:xfrm>
-          <a:prstGeom prst="rect">
-            <a:avLst/>
-          </a:prstGeom>
-        </p:spPr>
-      </p:pic>
-    </p:spTree>
-    <p:extLst>
-      <p:ext uri="{BB962C8B-B14F-4D97-AF65-F5344CB8AC3E}">
-        <p14:creationId xmlns:p14="http://schemas.microsoft.com/office/powerpoint/2010/main" val="1683132233"/>
-      </p:ext>
-    </p:extLst>
-  </p:cSld>
-  <p:clrMapOvr>
-    <a:masterClrMapping/>
-  </p:clrMapOvr>
-</p:sld>
-</file>
-
-<file path=ppt/slides/slide29.xml><?xml version="1.0" encoding="utf-8"?>
-<p:sld xmlns:a="http://schemas.openxmlformats.org/drawingml/2006/main" xmlns:r="http://schemas.openxmlformats.org/officeDocument/2006/relationships" xmlns:p="http://schemas.openxmlformats.org/presentationml/2006/main">
-  <p:cSld>
-    <p:spTree>
-      <p:nvGrpSpPr>
-        <p:cNvPr id="1" name=""/>
-        <p:cNvGrpSpPr/>
-        <p:nvPr/>
-      </p:nvGrpSpPr>
-      <p:grpSpPr>
-        <a:xfrm>
-          <a:off x="0" y="0"/>
-          <a:ext cx="0" cy="0"/>
-          <a:chOff x="0" y="0"/>
-          <a:chExt cx="0" cy="0"/>
-        </a:xfrm>
-      </p:grpSpPr>
-      <p:sp>
-        <p:nvSpPr>
-          <p:cNvPr id="2" name="Text Placeholder 1">
-            <a:extLst>
-              <a:ext uri="{FF2B5EF4-FFF2-40B4-BE49-F238E27FC236}">
-                <a16:creationId xmlns:a16="http://schemas.microsoft.com/office/drawing/2014/main" id="{2F2678E9-E3C1-4476-A60C-CA391CC96B4D}"/>
-              </a:ext>
-            </a:extLst>
-          </p:cNvPr>
-          <p:cNvSpPr>
-            <a:spLocks noGrp="1"/>
-          </p:cNvSpPr>
-          <p:nvPr>
             <p:ph type="body" sz="quarter" idx="4294967295"/>
           </p:nvPr>
         </p:nvSpPr>
         <p:spPr>
           <a:xfrm>
-            <a:off x="215900" y="633984"/>
-            <a:ext cx="11125200" cy="5538216"/>
+            <a:off x="1228344" y="316484"/>
+            <a:ext cx="8940800" cy="5538216"/>
           </a:xfrm>
         </p:spPr>
         <p:txBody>
@@ -8894,49 +7440,26 @@
             </a:pPr>
             <a:r>
               <a:rPr lang="en-US" sz="3200" b="1" u="sng" dirty="0"/>
-              <a:t>Advantages of APIs for Developers</a:t>
+              <a:t>Decorator comments on functions</a:t>
             </a:r>
           </a:p>
           <a:p>
             <a:pPr lvl="0"/>
             <a:r>
-              <a:rPr lang="en-US" dirty="0"/>
-              <a:t>These API endpoints are available from the command line (curl), from browsers, and from within language IDEs</a:t>
+              <a:rPr lang="en-US" sz="2400" dirty="0"/>
+              <a:t>This plumber decorator turns the function into a service endpoint when plumber is run</a:t>
             </a:r>
           </a:p>
           <a:p>
             <a:pPr lvl="0"/>
             <a:r>
-              <a:rPr lang="en-US" dirty="0"/>
-              <a:t>Allows other programmers/scientists to write programs to consume your data without scraping (json)</a:t>
-            </a:r>
-          </a:p>
-          <a:p>
-            <a:r>
-              <a:rPr lang="en-US" dirty="0"/>
-              <a:t>Other front end developers can create web applications/phone apps that integrate these R functions into their workflows</a:t>
+              <a:rPr lang="en-US" sz="2400" dirty="0"/>
+              <a:t>The decorator specifies the function argument (@param) and the use of the http GET verb (@get) when the /echo endpoint is requested.</a:t>
             </a:r>
           </a:p>
           <a:p>
             <a:pPr lvl="0"/>
-            <a:r>
-              <a:rPr lang="en-US" dirty="0"/>
-              <a:t>Other back end developers can use your algorithms/data outside of R (python, java, c, etc.) and integrate into scientific workflows</a:t>
-            </a:r>
-          </a:p>
-          <a:p>
-            <a:pPr lvl="0"/>
-            <a:r>
-              <a:rPr lang="en-US" dirty="0"/>
-              <a:t>Allows for scaling of computations (high throughput) in concert with capable servers</a:t>
-            </a:r>
-          </a:p>
-          <a:p>
-            <a:pPr lvl="0"/>
-            <a:r>
-              <a:rPr lang="en-US" dirty="0"/>
-              <a:t>I’ll talk Wednesday about deploying via docker</a:t>
-            </a:r>
+            <a:endParaRPr lang="en-US" dirty="0"/>
           </a:p>
           <a:p>
             <a:pPr lvl="0"/>
@@ -9034,10 +7557,92 @@
           </a:p>
         </p:txBody>
       </p:sp>
+      <p:pic>
+        <p:nvPicPr>
+          <p:cNvPr id="4" name="Picture 3">
+            <a:extLst>
+              <a:ext uri="{FF2B5EF4-FFF2-40B4-BE49-F238E27FC236}">
+                <a16:creationId xmlns:a16="http://schemas.microsoft.com/office/drawing/2014/main" id="{CE71AC41-BE73-440D-B064-78FBD8E38C98}"/>
+              </a:ext>
+            </a:extLst>
+          </p:cNvPr>
+          <p:cNvPicPr>
+            <a:picLocks noChangeAspect="1"/>
+          </p:cNvPicPr>
+          <p:nvPr/>
+        </p:nvPicPr>
+        <p:blipFill>
+          <a:blip r:embed="rId3"/>
+          <a:stretch>
+            <a:fillRect/>
+          </a:stretch>
+        </p:blipFill>
+        <p:spPr>
+          <a:xfrm>
+            <a:off x="1061773" y="3095626"/>
+            <a:ext cx="8520377" cy="1878012"/>
+          </a:xfrm>
+          <a:prstGeom prst="rect">
+            <a:avLst/>
+          </a:prstGeom>
+        </p:spPr>
+      </p:pic>
+      <p:sp>
+        <p:nvSpPr>
+          <p:cNvPr id="5" name="Rectangle 4">
+            <a:extLst>
+              <a:ext uri="{FF2B5EF4-FFF2-40B4-BE49-F238E27FC236}">
+                <a16:creationId xmlns:a16="http://schemas.microsoft.com/office/drawing/2014/main" id="{09F1FEF6-2157-4114-9D78-3FD7C88EF033}"/>
+              </a:ext>
+            </a:extLst>
+          </p:cNvPr>
+          <p:cNvSpPr/>
+          <p:nvPr/>
+        </p:nvSpPr>
+        <p:spPr>
+          <a:xfrm>
+            <a:off x="850900" y="3378200"/>
+            <a:ext cx="7188200" cy="711200"/>
+          </a:xfrm>
+          <a:prstGeom prst="rect">
+            <a:avLst/>
+          </a:prstGeom>
+          <a:noFill/>
+          <a:ln w="50800">
+            <a:solidFill>
+              <a:srgbClr val="FF0000"/>
+            </a:solidFill>
+          </a:ln>
+        </p:spPr>
+        <p:style>
+          <a:lnRef idx="2">
+            <a:schemeClr val="accent1">
+              <a:shade val="50000"/>
+            </a:schemeClr>
+          </a:lnRef>
+          <a:fillRef idx="1">
+            <a:schemeClr val="accent1"/>
+          </a:fillRef>
+          <a:effectRef idx="0">
+            <a:schemeClr val="accent1"/>
+          </a:effectRef>
+          <a:fontRef idx="minor">
+            <a:schemeClr val="lt1"/>
+          </a:fontRef>
+        </p:style>
+        <p:txBody>
+          <a:bodyPr rtlCol="0" anchor="ctr"/>
+          <a:lstStyle/>
+          <a:p>
+            <a:pPr algn="ctr"/>
+            <a:endParaRPr lang="en-US"/>
+          </a:p>
+        </p:txBody>
+      </p:sp>
     </p:spTree>
     <p:extLst>
       <p:ext uri="{BB962C8B-B14F-4D97-AF65-F5344CB8AC3E}">
-        <p14:creationId xmlns:p14="http://schemas.microsoft.com/office/powerpoint/2010/main" val="3351034192"/>
+        <p14:creationId xmlns:p14="http://schemas.microsoft.com/office/powerpoint/2010/main" val="4241030013"/>
       </p:ext>
     </p:extLst>
   </p:cSld>
@@ -9047,7 +7652,7 @@
 </p:sld>
 </file>
 
-<file path=ppt/slides/slide3.xml><?xml version="1.0" encoding="utf-8"?>
+<file path=ppt/slides/slide21.xml><?xml version="1.0" encoding="utf-8"?>
 <p:sld xmlns:a="http://schemas.openxmlformats.org/drawingml/2006/main" xmlns:r="http://schemas.openxmlformats.org/officeDocument/2006/relationships" xmlns:p="http://schemas.openxmlformats.org/presentationml/2006/main">
   <p:cSld>
     <p:spTree>
@@ -9069,7 +7674,7 @@
           <p:cNvPr id="2" name="Text Placeholder 1">
             <a:extLst>
               <a:ext uri="{FF2B5EF4-FFF2-40B4-BE49-F238E27FC236}">
-                <a16:creationId xmlns:a16="http://schemas.microsoft.com/office/drawing/2014/main" id="{06FDE07A-9444-476F-9E70-C201318599D9}"/>
+                <a16:creationId xmlns:a16="http://schemas.microsoft.com/office/drawing/2014/main" id="{2F2678E9-E3C1-4476-A60C-CA391CC96B4D}"/>
               </a:ext>
             </a:extLst>
           </p:cNvPr>
@@ -9082,8 +7687,8 @@
         </p:nvSpPr>
         <p:spPr>
           <a:xfrm>
-            <a:off x="1739900" y="1181100"/>
-            <a:ext cx="8940800" cy="2438400"/>
+            <a:off x="1177544" y="633984"/>
+            <a:ext cx="8940800" cy="5538216"/>
           </a:xfrm>
         </p:spPr>
         <p:txBody>
@@ -9092,674 +7697,26 @@
           </a:bodyPr>
           <a:lstStyle/>
           <a:p>
-            <a:pPr marL="0" indent="0">
+            <a:pPr marL="0" indent="0" algn="ctr">
               <a:buNone/>
             </a:pPr>
             <a:r>
-              <a:rPr lang="en-US" dirty="0"/>
-              <a:t>Our goal is to accomplish 2 things:</a:t>
-            </a:r>
-          </a:p>
-          <a:p>
-            <a:pPr>
-              <a:buFontTx/>
-              <a:buChar char="-"/>
+              <a:rPr lang="en-US" sz="3200" b="1" u="sng" dirty="0"/>
+              <a:t>Serializers specify output types</a:t>
+            </a:r>
+          </a:p>
+          <a:p>
+            <a:pPr marL="0" lvl="0" indent="0">
+              <a:buNone/>
             </a:pPr>
             <a:r>
-              <a:rPr lang="en-US" dirty="0"/>
-              <a:t>Access other web APIs using R (using the </a:t>
-            </a:r>
-            <a:r>
-              <a:rPr lang="en-US" dirty="0" err="1"/>
-              <a:t>httr</a:t>
-            </a:r>
-            <a:r>
-              <a:rPr lang="en-US" dirty="0"/>
-              <a:t> package)</a:t>
-            </a:r>
-          </a:p>
-          <a:p>
-            <a:pPr>
-              <a:buFontTx/>
-              <a:buChar char="-"/>
-            </a:pPr>
-            <a:r>
-              <a:rPr lang="en-US" dirty="0"/>
-              <a:t>Express our data/algorithms via a web API so that others can use it (using the plumber package)</a:t>
-            </a:r>
-          </a:p>
-        </p:txBody>
-      </p:sp>
-      <p:sp>
-        <p:nvSpPr>
-          <p:cNvPr id="3" name="Date Placeholder 2">
-            <a:extLst>
-              <a:ext uri="{FF2B5EF4-FFF2-40B4-BE49-F238E27FC236}">
-                <a16:creationId xmlns:a16="http://schemas.microsoft.com/office/drawing/2014/main" id="{C27FC931-11CA-4F47-9AEB-93E02D89732E}"/>
-              </a:ext>
-            </a:extLst>
-          </p:cNvPr>
-          <p:cNvSpPr>
-            <a:spLocks noGrp="1"/>
-          </p:cNvSpPr>
-          <p:nvPr>
-            <p:ph type="dt" sz="half" idx="10"/>
-          </p:nvPr>
-        </p:nvSpPr>
-        <p:spPr/>
-        <p:txBody>
-          <a:bodyPr/>
-          <a:lstStyle/>
-          <a:p>
-            <a:fld id="{E33A92ED-39B7-43E0-9A13-62D89F8F37CB}" type="datetime1">
-              <a:rPr lang="en-US" smtClean="0"/>
-              <a:t>8/11/2019</a:t>
-            </a:fld>
-            <a:endParaRPr lang="en-US" dirty="0"/>
-          </a:p>
-        </p:txBody>
-      </p:sp>
-    </p:spTree>
-    <p:extLst>
-      <p:ext uri="{BB962C8B-B14F-4D97-AF65-F5344CB8AC3E}">
-        <p14:creationId xmlns:p14="http://schemas.microsoft.com/office/powerpoint/2010/main" val="876327636"/>
-      </p:ext>
-    </p:extLst>
-  </p:cSld>
-  <p:clrMapOvr>
-    <a:masterClrMapping/>
-  </p:clrMapOvr>
-</p:sld>
-</file>
-
-<file path=ppt/slides/slide4.xml><?xml version="1.0" encoding="utf-8"?>
-<p:sld xmlns:a="http://schemas.openxmlformats.org/drawingml/2006/main" xmlns:r="http://schemas.openxmlformats.org/officeDocument/2006/relationships" xmlns:p="http://schemas.openxmlformats.org/presentationml/2006/main">
-  <p:cSld>
-    <p:spTree>
-      <p:nvGrpSpPr>
-        <p:cNvPr id="1" name=""/>
-        <p:cNvGrpSpPr/>
-        <p:nvPr/>
-      </p:nvGrpSpPr>
-      <p:grpSpPr>
-        <a:xfrm>
-          <a:off x="0" y="0"/>
-          <a:ext cx="0" cy="0"/>
-          <a:chOff x="0" y="0"/>
-          <a:chExt cx="0" cy="0"/>
-        </a:xfrm>
-      </p:grpSpPr>
-      <p:sp>
-        <p:nvSpPr>
-          <p:cNvPr id="3" name="Date Placeholder 2">
-            <a:extLst>
-              <a:ext uri="{FF2B5EF4-FFF2-40B4-BE49-F238E27FC236}">
-                <a16:creationId xmlns:a16="http://schemas.microsoft.com/office/drawing/2014/main" id="{A44150DA-8E0F-4B13-8CF7-C5E3C61EBF5F}"/>
-              </a:ext>
-            </a:extLst>
-          </p:cNvPr>
-          <p:cNvSpPr>
-            <a:spLocks noGrp="1"/>
-          </p:cNvSpPr>
-          <p:nvPr>
-            <p:ph type="dt" sz="half" idx="10"/>
-          </p:nvPr>
-        </p:nvSpPr>
-        <p:spPr/>
-        <p:txBody>
-          <a:bodyPr/>
-          <a:lstStyle/>
-          <a:p>
-            <a:fld id="{E33A92ED-39B7-43E0-9A13-62D89F8F37CB}" type="datetime1">
-              <a:rPr lang="en-US" smtClean="0"/>
-              <a:t>8/10/2019</a:t>
-            </a:fld>
-            <a:endParaRPr lang="en-US" dirty="0"/>
-          </a:p>
-        </p:txBody>
-      </p:sp>
-      <p:pic>
-        <p:nvPicPr>
-          <p:cNvPr id="2050" name="Picture 2" descr="Image result for tin can telephone">
-            <a:extLst>
-              <a:ext uri="{FF2B5EF4-FFF2-40B4-BE49-F238E27FC236}">
-                <a16:creationId xmlns:a16="http://schemas.microsoft.com/office/drawing/2014/main" id="{75586066-78E9-487A-BA6D-41C047E6CF6B}"/>
-              </a:ext>
-            </a:extLst>
-          </p:cNvPr>
-          <p:cNvPicPr>
-            <a:picLocks noChangeAspect="1" noChangeArrowheads="1"/>
-          </p:cNvPicPr>
-          <p:nvPr/>
-        </p:nvPicPr>
-        <p:blipFill>
-          <a:blip r:embed="rId3">
-            <a:extLst>
-              <a:ext uri="{28A0092B-C50C-407E-A947-70E740481C1C}">
-                <a14:useLocalDpi xmlns:a14="http://schemas.microsoft.com/office/drawing/2010/main" val="0"/>
-              </a:ext>
-            </a:extLst>
-          </a:blip>
-          <a:srcRect/>
-          <a:stretch>
-            <a:fillRect/>
-          </a:stretch>
-        </p:blipFill>
-        <p:spPr bwMode="auto">
-          <a:xfrm>
-            <a:off x="176193" y="0"/>
-            <a:ext cx="7454900" cy="6858000"/>
-          </a:xfrm>
-          <a:prstGeom prst="rect">
-            <a:avLst/>
-          </a:prstGeom>
-          <a:noFill/>
-          <a:extLst>
-            <a:ext uri="{909E8E84-426E-40DD-AFC4-6F175D3DCCD1}">
-              <a14:hiddenFill xmlns:a14="http://schemas.microsoft.com/office/drawing/2010/main">
-                <a:solidFill>
-                  <a:srgbClr val="FFFFFF"/>
-                </a:solidFill>
-              </a14:hiddenFill>
-            </a:ext>
-          </a:extLst>
-        </p:spPr>
-      </p:pic>
-      <p:sp>
-        <p:nvSpPr>
-          <p:cNvPr id="5" name="TextBox 4">
-            <a:extLst>
-              <a:ext uri="{FF2B5EF4-FFF2-40B4-BE49-F238E27FC236}">
-                <a16:creationId xmlns:a16="http://schemas.microsoft.com/office/drawing/2014/main" id="{1E620B8F-0658-41B0-823F-9D79C2A5B171}"/>
-              </a:ext>
-            </a:extLst>
-          </p:cNvPr>
-          <p:cNvSpPr txBox="1"/>
-          <p:nvPr/>
-        </p:nvSpPr>
-        <p:spPr>
-          <a:xfrm>
-            <a:off x="5719407" y="187287"/>
-            <a:ext cx="1145043" cy="523220"/>
-          </a:xfrm>
-          <a:prstGeom prst="rect">
-            <a:avLst/>
-          </a:prstGeom>
-          <a:noFill/>
-        </p:spPr>
-        <p:txBody>
-          <a:bodyPr wrap="square" rtlCol="0">
-            <a:spAutoFit/>
-          </a:bodyPr>
-          <a:lstStyle/>
-          <a:p>
-            <a:r>
-              <a:rPr lang="en-US" sz="2800" dirty="0">
-                <a:solidFill>
-                  <a:srgbClr val="7030A0"/>
-                </a:solidFill>
-              </a:rPr>
-              <a:t>Server</a:t>
-            </a:r>
-          </a:p>
-        </p:txBody>
-      </p:sp>
-      <p:sp>
-        <p:nvSpPr>
-          <p:cNvPr id="7" name="TextBox 6">
-            <a:extLst>
-              <a:ext uri="{FF2B5EF4-FFF2-40B4-BE49-F238E27FC236}">
-                <a16:creationId xmlns:a16="http://schemas.microsoft.com/office/drawing/2014/main" id="{791F555B-BFCA-426F-BB1C-E67DD1CE35EE}"/>
-              </a:ext>
-            </a:extLst>
-          </p:cNvPr>
-          <p:cNvSpPr txBox="1"/>
-          <p:nvPr/>
-        </p:nvSpPr>
-        <p:spPr>
-          <a:xfrm>
-            <a:off x="1064125" y="204788"/>
-            <a:ext cx="1145043" cy="523220"/>
-          </a:xfrm>
-          <a:prstGeom prst="rect">
-            <a:avLst/>
-          </a:prstGeom>
-          <a:noFill/>
-        </p:spPr>
-        <p:txBody>
-          <a:bodyPr wrap="square" rtlCol="0">
-            <a:spAutoFit/>
-          </a:bodyPr>
-          <a:lstStyle/>
-          <a:p>
-            <a:r>
-              <a:rPr lang="en-US" sz="2800" dirty="0">
-                <a:solidFill>
-                  <a:srgbClr val="0070C0"/>
-                </a:solidFill>
-              </a:rPr>
-              <a:t>Client</a:t>
-            </a:r>
-          </a:p>
-        </p:txBody>
-      </p:sp>
-    </p:spTree>
-    <p:extLst>
-      <p:ext uri="{BB962C8B-B14F-4D97-AF65-F5344CB8AC3E}">
-        <p14:creationId xmlns:p14="http://schemas.microsoft.com/office/powerpoint/2010/main" val="641000716"/>
-      </p:ext>
-    </p:extLst>
-  </p:cSld>
-  <p:clrMapOvr>
-    <a:masterClrMapping/>
-  </p:clrMapOvr>
-</p:sld>
-</file>
-
-<file path=ppt/slides/slide5.xml><?xml version="1.0" encoding="utf-8"?>
-<p:sld xmlns:a="http://schemas.openxmlformats.org/drawingml/2006/main" xmlns:r="http://schemas.openxmlformats.org/officeDocument/2006/relationships" xmlns:p="http://schemas.openxmlformats.org/presentationml/2006/main">
-  <p:cSld>
-    <p:spTree>
-      <p:nvGrpSpPr>
-        <p:cNvPr id="1" name=""/>
-        <p:cNvGrpSpPr/>
-        <p:nvPr/>
-      </p:nvGrpSpPr>
-      <p:grpSpPr>
-        <a:xfrm>
-          <a:off x="0" y="0"/>
-          <a:ext cx="0" cy="0"/>
-          <a:chOff x="0" y="0"/>
-          <a:chExt cx="0" cy="0"/>
-        </a:xfrm>
-      </p:grpSpPr>
-      <p:sp>
-        <p:nvSpPr>
-          <p:cNvPr id="3" name="Date Placeholder 2">
-            <a:extLst>
-              <a:ext uri="{FF2B5EF4-FFF2-40B4-BE49-F238E27FC236}">
-                <a16:creationId xmlns:a16="http://schemas.microsoft.com/office/drawing/2014/main" id="{A44150DA-8E0F-4B13-8CF7-C5E3C61EBF5F}"/>
-              </a:ext>
-            </a:extLst>
-          </p:cNvPr>
-          <p:cNvSpPr>
-            <a:spLocks noGrp="1"/>
-          </p:cNvSpPr>
-          <p:nvPr>
-            <p:ph type="dt" sz="half" idx="10"/>
-          </p:nvPr>
-        </p:nvSpPr>
-        <p:spPr/>
-        <p:txBody>
-          <a:bodyPr/>
-          <a:lstStyle/>
-          <a:p>
-            <a:fld id="{E33A92ED-39B7-43E0-9A13-62D89F8F37CB}" type="datetime1">
-              <a:rPr lang="en-US" smtClean="0"/>
-              <a:t>8/10/2019</a:t>
-            </a:fld>
-            <a:endParaRPr lang="en-US" dirty="0"/>
-          </a:p>
-        </p:txBody>
-      </p:sp>
-      <p:pic>
-        <p:nvPicPr>
-          <p:cNvPr id="2050" name="Picture 2" descr="Image result for tin can telephone">
-            <a:extLst>
-              <a:ext uri="{FF2B5EF4-FFF2-40B4-BE49-F238E27FC236}">
-                <a16:creationId xmlns:a16="http://schemas.microsoft.com/office/drawing/2014/main" id="{75586066-78E9-487A-BA6D-41C047E6CF6B}"/>
-              </a:ext>
-            </a:extLst>
-          </p:cNvPr>
-          <p:cNvPicPr>
-            <a:picLocks noChangeAspect="1" noChangeArrowheads="1"/>
-          </p:cNvPicPr>
-          <p:nvPr/>
-        </p:nvPicPr>
-        <p:blipFill>
-          <a:blip r:embed="rId3">
-            <a:extLst>
-              <a:ext uri="{28A0092B-C50C-407E-A947-70E740481C1C}">
-                <a14:useLocalDpi xmlns:a14="http://schemas.microsoft.com/office/drawing/2010/main" val="0"/>
-              </a:ext>
-            </a:extLst>
-          </a:blip>
-          <a:srcRect/>
-          <a:stretch>
-            <a:fillRect/>
-          </a:stretch>
-        </p:blipFill>
-        <p:spPr bwMode="auto">
-          <a:xfrm>
-            <a:off x="176193" y="0"/>
-            <a:ext cx="7454900" cy="6858000"/>
-          </a:xfrm>
-          <a:prstGeom prst="rect">
-            <a:avLst/>
-          </a:prstGeom>
-          <a:noFill/>
-          <a:extLst>
-            <a:ext uri="{909E8E84-426E-40DD-AFC4-6F175D3DCCD1}">
-              <a14:hiddenFill xmlns:a14="http://schemas.microsoft.com/office/drawing/2010/main">
-                <a:solidFill>
-                  <a:srgbClr val="FFFFFF"/>
-                </a:solidFill>
-              </a14:hiddenFill>
-            </a:ext>
-          </a:extLst>
-        </p:spPr>
-      </p:pic>
-      <p:sp>
-        <p:nvSpPr>
-          <p:cNvPr id="5" name="TextBox 4">
-            <a:extLst>
-              <a:ext uri="{FF2B5EF4-FFF2-40B4-BE49-F238E27FC236}">
-                <a16:creationId xmlns:a16="http://schemas.microsoft.com/office/drawing/2014/main" id="{1E620B8F-0658-41B0-823F-9D79C2A5B171}"/>
-              </a:ext>
-            </a:extLst>
-          </p:cNvPr>
-          <p:cNvSpPr txBox="1"/>
-          <p:nvPr/>
-        </p:nvSpPr>
-        <p:spPr>
-          <a:xfrm>
-            <a:off x="5719407" y="187287"/>
-            <a:ext cx="1145043" cy="523220"/>
-          </a:xfrm>
-          <a:prstGeom prst="rect">
-            <a:avLst/>
-          </a:prstGeom>
-          <a:noFill/>
-        </p:spPr>
-        <p:txBody>
-          <a:bodyPr wrap="square" rtlCol="0">
-            <a:spAutoFit/>
-          </a:bodyPr>
-          <a:lstStyle/>
-          <a:p>
-            <a:r>
-              <a:rPr lang="en-US" sz="2800" dirty="0">
-                <a:solidFill>
-                  <a:srgbClr val="7030A0"/>
-                </a:solidFill>
-              </a:rPr>
-              <a:t>Server</a:t>
-            </a:r>
-          </a:p>
-        </p:txBody>
-      </p:sp>
-      <p:sp>
-        <p:nvSpPr>
-          <p:cNvPr id="7" name="TextBox 6">
-            <a:extLst>
-              <a:ext uri="{FF2B5EF4-FFF2-40B4-BE49-F238E27FC236}">
-                <a16:creationId xmlns:a16="http://schemas.microsoft.com/office/drawing/2014/main" id="{791F555B-BFCA-426F-BB1C-E67DD1CE35EE}"/>
-              </a:ext>
-            </a:extLst>
-          </p:cNvPr>
-          <p:cNvSpPr txBox="1"/>
-          <p:nvPr/>
-        </p:nvSpPr>
-        <p:spPr>
-          <a:xfrm>
-            <a:off x="1064125" y="204788"/>
-            <a:ext cx="1145043" cy="523220"/>
-          </a:xfrm>
-          <a:prstGeom prst="rect">
-            <a:avLst/>
-          </a:prstGeom>
-          <a:noFill/>
-        </p:spPr>
-        <p:txBody>
-          <a:bodyPr wrap="square" rtlCol="0">
-            <a:spAutoFit/>
-          </a:bodyPr>
-          <a:lstStyle/>
-          <a:p>
-            <a:r>
-              <a:rPr lang="en-US" sz="2800" dirty="0">
-                <a:solidFill>
-                  <a:srgbClr val="0070C0"/>
-                </a:solidFill>
-              </a:rPr>
-              <a:t>Client</a:t>
-            </a:r>
-          </a:p>
-        </p:txBody>
-      </p:sp>
-      <p:sp>
-        <p:nvSpPr>
-          <p:cNvPr id="6" name="TextBox 5">
-            <a:extLst>
-              <a:ext uri="{FF2B5EF4-FFF2-40B4-BE49-F238E27FC236}">
-                <a16:creationId xmlns:a16="http://schemas.microsoft.com/office/drawing/2014/main" id="{921FA5C4-4B58-4D8A-826A-EC7280DA2690}"/>
-              </a:ext>
-            </a:extLst>
-          </p:cNvPr>
-          <p:cNvSpPr txBox="1"/>
-          <p:nvPr/>
-        </p:nvSpPr>
-        <p:spPr>
-          <a:xfrm>
-            <a:off x="7859695" y="247018"/>
-            <a:ext cx="4156111" cy="1815882"/>
-          </a:xfrm>
-          <a:prstGeom prst="rect">
-            <a:avLst/>
-          </a:prstGeom>
-          <a:noFill/>
-        </p:spPr>
-        <p:txBody>
-          <a:bodyPr wrap="square" rtlCol="0">
-            <a:spAutoFit/>
-          </a:bodyPr>
-          <a:lstStyle/>
-          <a:p>
-            <a:r>
-              <a:rPr lang="en-US" sz="2800" dirty="0">
-                <a:solidFill>
-                  <a:srgbClr val="0070C0"/>
-                </a:solidFill>
-              </a:rPr>
-              <a:t>The Client (e.g., a browser or phone app) makes a </a:t>
-            </a:r>
-            <a:r>
-              <a:rPr lang="en-US" sz="2800" b="1" dirty="0">
-                <a:solidFill>
-                  <a:srgbClr val="0070C0"/>
-                </a:solidFill>
-              </a:rPr>
-              <a:t>GET</a:t>
-            </a:r>
-            <a:r>
-              <a:rPr lang="en-US" sz="2800" dirty="0">
-                <a:solidFill>
-                  <a:srgbClr val="0070C0"/>
-                </a:solidFill>
-              </a:rPr>
-              <a:t> request for the Google home page</a:t>
-            </a:r>
-          </a:p>
-        </p:txBody>
-      </p:sp>
-      <p:sp>
-        <p:nvSpPr>
-          <p:cNvPr id="8" name="TextBox 7">
-            <a:extLst>
-              <a:ext uri="{FF2B5EF4-FFF2-40B4-BE49-F238E27FC236}">
-                <a16:creationId xmlns:a16="http://schemas.microsoft.com/office/drawing/2014/main" id="{89BF2325-B0FA-4560-9F5B-D26876FD2929}"/>
-              </a:ext>
-            </a:extLst>
-          </p:cNvPr>
-          <p:cNvSpPr txBox="1"/>
-          <p:nvPr/>
-        </p:nvSpPr>
-        <p:spPr>
-          <a:xfrm>
-            <a:off x="7942978" y="2069331"/>
-            <a:ext cx="3646766" cy="1815882"/>
-          </a:xfrm>
-          <a:prstGeom prst="rect">
-            <a:avLst/>
-          </a:prstGeom>
-          <a:noFill/>
-        </p:spPr>
-        <p:txBody>
-          <a:bodyPr wrap="square" rtlCol="0">
-            <a:spAutoFit/>
-          </a:bodyPr>
-          <a:lstStyle/>
-          <a:p>
-            <a:r>
-              <a:rPr lang="en-US" sz="2800" dirty="0">
-                <a:solidFill>
-                  <a:srgbClr val="7030A0"/>
-                </a:solidFill>
-              </a:rPr>
-              <a:t>The Server (hosted at Google) receives the request and returns HTML</a:t>
-            </a:r>
-          </a:p>
-        </p:txBody>
-      </p:sp>
-      <p:sp>
-        <p:nvSpPr>
-          <p:cNvPr id="9" name="TextBox 8">
-            <a:extLst>
-              <a:ext uri="{FF2B5EF4-FFF2-40B4-BE49-F238E27FC236}">
-                <a16:creationId xmlns:a16="http://schemas.microsoft.com/office/drawing/2014/main" id="{D5643285-E886-47B5-A59C-A12A154108FD}"/>
-              </a:ext>
-            </a:extLst>
-          </p:cNvPr>
-          <p:cNvSpPr txBox="1"/>
-          <p:nvPr/>
-        </p:nvSpPr>
-        <p:spPr>
-          <a:xfrm>
-            <a:off x="7976029" y="3913797"/>
-            <a:ext cx="4156111" cy="954107"/>
-          </a:xfrm>
-          <a:prstGeom prst="rect">
-            <a:avLst/>
-          </a:prstGeom>
-          <a:noFill/>
-        </p:spPr>
-        <p:txBody>
-          <a:bodyPr wrap="square" rtlCol="0">
-            <a:spAutoFit/>
-          </a:bodyPr>
-          <a:lstStyle/>
-          <a:p>
-            <a:r>
-              <a:rPr lang="en-US" sz="2800" dirty="0">
-                <a:solidFill>
-                  <a:srgbClr val="0070C0"/>
-                </a:solidFill>
-              </a:rPr>
-              <a:t>The Client renders the HTML in her web browser</a:t>
-            </a:r>
-          </a:p>
-        </p:txBody>
-      </p:sp>
-      <p:pic>
-        <p:nvPicPr>
-          <p:cNvPr id="2" name="Picture 1">
-            <a:extLst>
-              <a:ext uri="{FF2B5EF4-FFF2-40B4-BE49-F238E27FC236}">
-                <a16:creationId xmlns:a16="http://schemas.microsoft.com/office/drawing/2014/main" id="{2575F1F5-B2CB-4811-AA15-BDE7AF0FDFAB}"/>
-              </a:ext>
-            </a:extLst>
-          </p:cNvPr>
-          <p:cNvPicPr>
-            <a:picLocks noChangeAspect="1"/>
-          </p:cNvPicPr>
-          <p:nvPr/>
-        </p:nvPicPr>
-        <p:blipFill>
-          <a:blip r:embed="rId4"/>
-          <a:stretch>
-            <a:fillRect/>
-          </a:stretch>
-        </p:blipFill>
-        <p:spPr>
-          <a:xfrm>
-            <a:off x="8094590" y="4896487"/>
-            <a:ext cx="3561256" cy="1862811"/>
-          </a:xfrm>
-          <a:prstGeom prst="rect">
-            <a:avLst/>
-          </a:prstGeom>
-        </p:spPr>
-      </p:pic>
-    </p:spTree>
-    <p:extLst>
-      <p:ext uri="{BB962C8B-B14F-4D97-AF65-F5344CB8AC3E}">
-        <p14:creationId xmlns:p14="http://schemas.microsoft.com/office/powerpoint/2010/main" val="444643419"/>
-      </p:ext>
-    </p:extLst>
-  </p:cSld>
-  <p:clrMapOvr>
-    <a:masterClrMapping/>
-  </p:clrMapOvr>
-</p:sld>
-</file>
-
-<file path=ppt/slides/slide6.xml><?xml version="1.0" encoding="utf-8"?>
-<p:sld xmlns:a="http://schemas.openxmlformats.org/drawingml/2006/main" xmlns:r="http://schemas.openxmlformats.org/officeDocument/2006/relationships" xmlns:p="http://schemas.openxmlformats.org/presentationml/2006/main">
-  <p:cSld>
-    <p:spTree>
-      <p:nvGrpSpPr>
-        <p:cNvPr id="1" name=""/>
-        <p:cNvGrpSpPr/>
-        <p:nvPr/>
-      </p:nvGrpSpPr>
-      <p:grpSpPr>
-        <a:xfrm>
-          <a:off x="0" y="0"/>
-          <a:ext cx="0" cy="0"/>
-          <a:chOff x="0" y="0"/>
-          <a:chExt cx="0" cy="0"/>
-        </a:xfrm>
-      </p:grpSpPr>
-      <p:sp>
-        <p:nvSpPr>
-          <p:cNvPr id="2" name="Text Placeholder 1">
-            <a:extLst>
-              <a:ext uri="{FF2B5EF4-FFF2-40B4-BE49-F238E27FC236}">
-                <a16:creationId xmlns:a16="http://schemas.microsoft.com/office/drawing/2014/main" id="{2F2678E9-E3C1-4476-A60C-CA391CC96B4D}"/>
-              </a:ext>
-            </a:extLst>
-          </p:cNvPr>
-          <p:cNvSpPr>
-            <a:spLocks noGrp="1"/>
-          </p:cNvSpPr>
-          <p:nvPr>
-            <p:ph type="body" sz="quarter" idx="4294967295"/>
-          </p:nvPr>
-        </p:nvSpPr>
-        <p:spPr>
-          <a:xfrm>
-            <a:off x="1177544" y="204788"/>
-            <a:ext cx="8940800" cy="5967412"/>
-          </a:xfrm>
-        </p:spPr>
-        <p:txBody>
-          <a:bodyPr>
-            <a:normAutofit/>
-          </a:bodyPr>
-          <a:lstStyle/>
-          <a:p>
-            <a:pPr marL="0" indent="0" algn="ctr">
-              <a:buNone/>
-            </a:pPr>
-            <a:r>
-              <a:rPr lang="en-US" sz="3200" b="1" u="sng" dirty="0"/>
-              <a:t>Client-Server Communication: GET Request</a:t>
-            </a:r>
-          </a:p>
-          <a:p>
-            <a:pPr marL="0" lvl="0" indent="0">
-              <a:buNone/>
-            </a:pPr>
+              <a:rPr lang="en-US" sz="2400" dirty="0"/>
+              <a:t>The serializer included in the decorator specifies the type of output to return as part of the request (json, html, plaintext, image, etc)</a:t>
+            </a:r>
+            <a:endParaRPr lang="en-US" dirty="0"/>
+          </a:p>
+          <a:p>
+            <a:pPr lvl="0"/>
             <a:endParaRPr lang="en-US" dirty="0"/>
           </a:p>
           <a:p>
@@ -9835,7 +7792,2063 @@
                 <a:ea typeface="+mn-ea"/>
                 <a:cs typeface="+mn-cs"/>
               </a:rPr>
-              <a:t>8/11/2019</a:t>
+              <a:t>8/12/2019</a:t>
+            </a:fld>
+            <a:endParaRPr kumimoji="0" lang="en-US" sz="1200" b="0" i="0" u="none" strike="noStrike" kern="1200" cap="none" spc="0" normalizeH="0" baseline="0" noProof="0" dirty="0">
+              <a:ln>
+                <a:noFill/>
+              </a:ln>
+              <a:solidFill>
+                <a:srgbClr val="898989"/>
+              </a:solidFill>
+              <a:effectLst/>
+              <a:uLnTx/>
+              <a:uFillTx/>
+              <a:latin typeface="Calibri" panose="020F0502020204030204"/>
+              <a:ea typeface="+mn-ea"/>
+              <a:cs typeface="+mn-cs"/>
+            </a:endParaRPr>
+          </a:p>
+        </p:txBody>
+      </p:sp>
+      <p:pic>
+        <p:nvPicPr>
+          <p:cNvPr id="4" name="Picture 3">
+            <a:extLst>
+              <a:ext uri="{FF2B5EF4-FFF2-40B4-BE49-F238E27FC236}">
+                <a16:creationId xmlns:a16="http://schemas.microsoft.com/office/drawing/2014/main" id="{FACB7E47-67E5-449C-8062-BCB6B8096EDE}"/>
+              </a:ext>
+            </a:extLst>
+          </p:cNvPr>
+          <p:cNvPicPr>
+            <a:picLocks noChangeAspect="1"/>
+          </p:cNvPicPr>
+          <p:nvPr/>
+        </p:nvPicPr>
+        <p:blipFill>
+          <a:blip r:embed="rId2"/>
+          <a:stretch>
+            <a:fillRect/>
+          </a:stretch>
+        </p:blipFill>
+        <p:spPr>
+          <a:xfrm>
+            <a:off x="1356057" y="2349501"/>
+            <a:ext cx="6803693" cy="1598612"/>
+          </a:xfrm>
+          <a:prstGeom prst="rect">
+            <a:avLst/>
+          </a:prstGeom>
+        </p:spPr>
+      </p:pic>
+      <p:sp>
+        <p:nvSpPr>
+          <p:cNvPr id="5" name="Rectangle 4">
+            <a:extLst>
+              <a:ext uri="{FF2B5EF4-FFF2-40B4-BE49-F238E27FC236}">
+                <a16:creationId xmlns:a16="http://schemas.microsoft.com/office/drawing/2014/main" id="{E4EDA08C-9137-45A1-A10A-000E07B46C53}"/>
+              </a:ext>
+            </a:extLst>
+          </p:cNvPr>
+          <p:cNvSpPr/>
+          <p:nvPr/>
+        </p:nvSpPr>
+        <p:spPr>
+          <a:xfrm>
+            <a:off x="1177544" y="2374901"/>
+            <a:ext cx="7188200" cy="622299"/>
+          </a:xfrm>
+          <a:prstGeom prst="rect">
+            <a:avLst/>
+          </a:prstGeom>
+          <a:noFill/>
+          <a:ln w="50800">
+            <a:solidFill>
+              <a:srgbClr val="FF0000"/>
+            </a:solidFill>
+          </a:ln>
+        </p:spPr>
+        <p:style>
+          <a:lnRef idx="2">
+            <a:schemeClr val="accent1">
+              <a:shade val="50000"/>
+            </a:schemeClr>
+          </a:lnRef>
+          <a:fillRef idx="1">
+            <a:schemeClr val="accent1"/>
+          </a:fillRef>
+          <a:effectRef idx="0">
+            <a:schemeClr val="accent1"/>
+          </a:effectRef>
+          <a:fontRef idx="minor">
+            <a:schemeClr val="lt1"/>
+          </a:fontRef>
+        </p:style>
+        <p:txBody>
+          <a:bodyPr rtlCol="0" anchor="ctr"/>
+          <a:lstStyle/>
+          <a:p>
+            <a:pPr algn="ctr"/>
+            <a:endParaRPr lang="en-US"/>
+          </a:p>
+        </p:txBody>
+      </p:sp>
+    </p:spTree>
+    <p:extLst>
+      <p:ext uri="{BB962C8B-B14F-4D97-AF65-F5344CB8AC3E}">
+        <p14:creationId xmlns:p14="http://schemas.microsoft.com/office/powerpoint/2010/main" val="1564323950"/>
+      </p:ext>
+    </p:extLst>
+  </p:cSld>
+  <p:clrMapOvr>
+    <a:masterClrMapping/>
+  </p:clrMapOvr>
+</p:sld>
+</file>
+
+<file path=ppt/slides/slide22.xml><?xml version="1.0" encoding="utf-8"?>
+<p:sld xmlns:a="http://schemas.openxmlformats.org/drawingml/2006/main" xmlns:r="http://schemas.openxmlformats.org/officeDocument/2006/relationships" xmlns:p="http://schemas.openxmlformats.org/presentationml/2006/main">
+  <p:cSld>
+    <p:spTree>
+      <p:nvGrpSpPr>
+        <p:cNvPr id="1" name=""/>
+        <p:cNvGrpSpPr/>
+        <p:nvPr/>
+      </p:nvGrpSpPr>
+      <p:grpSpPr>
+        <a:xfrm>
+          <a:off x="0" y="0"/>
+          <a:ext cx="0" cy="0"/>
+          <a:chOff x="0" y="0"/>
+          <a:chExt cx="0" cy="0"/>
+        </a:xfrm>
+      </p:grpSpPr>
+      <p:sp>
+        <p:nvSpPr>
+          <p:cNvPr id="2" name="Text Placeholder 1">
+            <a:extLst>
+              <a:ext uri="{FF2B5EF4-FFF2-40B4-BE49-F238E27FC236}">
+                <a16:creationId xmlns:a16="http://schemas.microsoft.com/office/drawing/2014/main" id="{2F2678E9-E3C1-4476-A60C-CA391CC96B4D}"/>
+              </a:ext>
+            </a:extLst>
+          </p:cNvPr>
+          <p:cNvSpPr>
+            <a:spLocks noGrp="1"/>
+          </p:cNvSpPr>
+          <p:nvPr>
+            <p:ph type="body" sz="quarter" idx="4294967295"/>
+          </p:nvPr>
+        </p:nvSpPr>
+        <p:spPr>
+          <a:xfrm>
+            <a:off x="1177544" y="633984"/>
+            <a:ext cx="8940800" cy="5538216"/>
+          </a:xfrm>
+        </p:spPr>
+        <p:txBody>
+          <a:bodyPr>
+            <a:normAutofit/>
+          </a:bodyPr>
+          <a:lstStyle/>
+          <a:p>
+            <a:pPr marL="0" indent="0" algn="ctr">
+              <a:buNone/>
+            </a:pPr>
+            <a:r>
+              <a:rPr lang="en-US" sz="3200" b="1" u="sng" dirty="0"/>
+              <a:t>Example with argument and serializer</a:t>
+            </a:r>
+          </a:p>
+          <a:p>
+            <a:pPr lvl="0"/>
+            <a:endParaRPr lang="en-US" dirty="0"/>
+          </a:p>
+          <a:p>
+            <a:pPr marL="0" lvl="0" indent="0">
+              <a:buNone/>
+            </a:pPr>
+            <a:endParaRPr lang="en-US" dirty="0"/>
+          </a:p>
+          <a:p>
+            <a:pPr marL="0" indent="0" algn="ctr">
+              <a:buNone/>
+            </a:pPr>
+            <a:endParaRPr lang="en-US" dirty="0"/>
+          </a:p>
+          <a:p>
+            <a:pPr marL="0" indent="0">
+              <a:buNone/>
+            </a:pPr>
+            <a:endParaRPr lang="en-US" dirty="0"/>
+          </a:p>
+        </p:txBody>
+      </p:sp>
+      <p:sp>
+        <p:nvSpPr>
+          <p:cNvPr id="3" name="Date Placeholder 2">
+            <a:extLst>
+              <a:ext uri="{FF2B5EF4-FFF2-40B4-BE49-F238E27FC236}">
+                <a16:creationId xmlns:a16="http://schemas.microsoft.com/office/drawing/2014/main" id="{5BC11C2B-FFFA-41DD-BAE8-D15D7261DDDD}"/>
+              </a:ext>
+            </a:extLst>
+          </p:cNvPr>
+          <p:cNvSpPr>
+            <a:spLocks noGrp="1"/>
+          </p:cNvSpPr>
+          <p:nvPr>
+            <p:ph type="dt" sz="half" idx="10"/>
+          </p:nvPr>
+        </p:nvSpPr>
+        <p:spPr/>
+        <p:txBody>
+          <a:bodyPr/>
+          <a:lstStyle/>
+          <a:p>
+            <a:pPr marL="0" marR="0" lvl="0" indent="0" algn="l" defTabSz="914400" rtl="0" eaLnBrk="1" fontAlgn="auto" latinLnBrk="0" hangingPunct="1">
+              <a:lnSpc>
+                <a:spcPct val="100000"/>
+              </a:lnSpc>
+              <a:spcBef>
+                <a:spcPts val="0"/>
+              </a:spcBef>
+              <a:spcAft>
+                <a:spcPts val="0"/>
+              </a:spcAft>
+              <a:buClrTx/>
+              <a:buSzTx/>
+              <a:buFontTx/>
+              <a:buNone/>
+              <a:tabLst/>
+              <a:defRPr/>
+            </a:pPr>
+            <a:fld id="{B2B0DBB4-B243-4953-B5EC-40AE2C4109DF}" type="datetime1">
+              <a:rPr kumimoji="0" lang="en-US" sz="1200" b="0" i="0" u="none" strike="noStrike" kern="1200" cap="none" spc="0" normalizeH="0" baseline="0" noProof="0" smtClean="0">
+                <a:ln>
+                  <a:noFill/>
+                </a:ln>
+                <a:solidFill>
+                  <a:srgbClr val="898989"/>
+                </a:solidFill>
+                <a:effectLst/>
+                <a:uLnTx/>
+                <a:uFillTx/>
+                <a:latin typeface="Calibri" panose="020F0502020204030204"/>
+                <a:ea typeface="+mn-ea"/>
+                <a:cs typeface="+mn-cs"/>
+              </a:rPr>
+              <a:t>8/12/2019</a:t>
+            </a:fld>
+            <a:endParaRPr kumimoji="0" lang="en-US" sz="1200" b="0" i="0" u="none" strike="noStrike" kern="1200" cap="none" spc="0" normalizeH="0" baseline="0" noProof="0" dirty="0">
+              <a:ln>
+                <a:noFill/>
+              </a:ln>
+              <a:solidFill>
+                <a:srgbClr val="898989"/>
+              </a:solidFill>
+              <a:effectLst/>
+              <a:uLnTx/>
+              <a:uFillTx/>
+              <a:latin typeface="Calibri" panose="020F0502020204030204"/>
+              <a:ea typeface="+mn-ea"/>
+              <a:cs typeface="+mn-cs"/>
+            </a:endParaRPr>
+          </a:p>
+        </p:txBody>
+      </p:sp>
+      <p:pic>
+        <p:nvPicPr>
+          <p:cNvPr id="6" name="Picture 5">
+            <a:extLst>
+              <a:ext uri="{FF2B5EF4-FFF2-40B4-BE49-F238E27FC236}">
+                <a16:creationId xmlns:a16="http://schemas.microsoft.com/office/drawing/2014/main" id="{1378FC99-42BE-4623-BBB5-BAD8D7670A07}"/>
+              </a:ext>
+            </a:extLst>
+          </p:cNvPr>
+          <p:cNvPicPr>
+            <a:picLocks noChangeAspect="1"/>
+          </p:cNvPicPr>
+          <p:nvPr/>
+        </p:nvPicPr>
+        <p:blipFill>
+          <a:blip r:embed="rId2"/>
+          <a:stretch>
+            <a:fillRect/>
+          </a:stretch>
+        </p:blipFill>
+        <p:spPr>
+          <a:xfrm>
+            <a:off x="1554663" y="1188173"/>
+            <a:ext cx="9894895" cy="4882427"/>
+          </a:xfrm>
+          <a:prstGeom prst="rect">
+            <a:avLst/>
+          </a:prstGeom>
+        </p:spPr>
+      </p:pic>
+      <p:sp>
+        <p:nvSpPr>
+          <p:cNvPr id="5" name="Rectangle 4">
+            <a:extLst>
+              <a:ext uri="{FF2B5EF4-FFF2-40B4-BE49-F238E27FC236}">
+                <a16:creationId xmlns:a16="http://schemas.microsoft.com/office/drawing/2014/main" id="{E4EDA08C-9137-45A1-A10A-000E07B46C53}"/>
+              </a:ext>
+            </a:extLst>
+          </p:cNvPr>
+          <p:cNvSpPr/>
+          <p:nvPr/>
+        </p:nvSpPr>
+        <p:spPr>
+          <a:xfrm>
+            <a:off x="1554663" y="1485901"/>
+            <a:ext cx="9894895" cy="901699"/>
+          </a:xfrm>
+          <a:prstGeom prst="rect">
+            <a:avLst/>
+          </a:prstGeom>
+          <a:noFill/>
+          <a:ln w="50800">
+            <a:solidFill>
+              <a:srgbClr val="FF0000"/>
+            </a:solidFill>
+          </a:ln>
+        </p:spPr>
+        <p:style>
+          <a:lnRef idx="2">
+            <a:schemeClr val="accent1">
+              <a:shade val="50000"/>
+            </a:schemeClr>
+          </a:lnRef>
+          <a:fillRef idx="1">
+            <a:schemeClr val="accent1"/>
+          </a:fillRef>
+          <a:effectRef idx="0">
+            <a:schemeClr val="accent1"/>
+          </a:effectRef>
+          <a:fontRef idx="minor">
+            <a:schemeClr val="lt1"/>
+          </a:fontRef>
+        </p:style>
+        <p:txBody>
+          <a:bodyPr rtlCol="0" anchor="ctr"/>
+          <a:lstStyle/>
+          <a:p>
+            <a:pPr algn="ctr"/>
+            <a:endParaRPr lang="en-US"/>
+          </a:p>
+        </p:txBody>
+      </p:sp>
+    </p:spTree>
+    <p:extLst>
+      <p:ext uri="{BB962C8B-B14F-4D97-AF65-F5344CB8AC3E}">
+        <p14:creationId xmlns:p14="http://schemas.microsoft.com/office/powerpoint/2010/main" val="2081215850"/>
+      </p:ext>
+    </p:extLst>
+  </p:cSld>
+  <p:clrMapOvr>
+    <a:masterClrMapping/>
+  </p:clrMapOvr>
+</p:sld>
+</file>
+
+<file path=ppt/slides/slide23.xml><?xml version="1.0" encoding="utf-8"?>
+<p:sld xmlns:a="http://schemas.openxmlformats.org/drawingml/2006/main" xmlns:r="http://schemas.openxmlformats.org/officeDocument/2006/relationships" xmlns:p="http://schemas.openxmlformats.org/presentationml/2006/main">
+  <p:cSld>
+    <p:spTree>
+      <p:nvGrpSpPr>
+        <p:cNvPr id="1" name=""/>
+        <p:cNvGrpSpPr/>
+        <p:nvPr/>
+      </p:nvGrpSpPr>
+      <p:grpSpPr>
+        <a:xfrm>
+          <a:off x="0" y="0"/>
+          <a:ext cx="0" cy="0"/>
+          <a:chOff x="0" y="0"/>
+          <a:chExt cx="0" cy="0"/>
+        </a:xfrm>
+      </p:grpSpPr>
+      <p:sp>
+        <p:nvSpPr>
+          <p:cNvPr id="2" name="Text Placeholder 1">
+            <a:extLst>
+              <a:ext uri="{FF2B5EF4-FFF2-40B4-BE49-F238E27FC236}">
+                <a16:creationId xmlns:a16="http://schemas.microsoft.com/office/drawing/2014/main" id="{2F2678E9-E3C1-4476-A60C-CA391CC96B4D}"/>
+              </a:ext>
+            </a:extLst>
+          </p:cNvPr>
+          <p:cNvSpPr>
+            <a:spLocks noGrp="1"/>
+          </p:cNvSpPr>
+          <p:nvPr>
+            <p:ph type="body" sz="quarter" idx="4294967295"/>
+          </p:nvPr>
+        </p:nvSpPr>
+        <p:spPr>
+          <a:xfrm>
+            <a:off x="1064125" y="204788"/>
+            <a:ext cx="8940800" cy="5538216"/>
+          </a:xfrm>
+        </p:spPr>
+        <p:txBody>
+          <a:bodyPr>
+            <a:normAutofit/>
+          </a:bodyPr>
+          <a:lstStyle/>
+          <a:p>
+            <a:pPr marL="0" indent="0" algn="ctr">
+              <a:buNone/>
+            </a:pPr>
+            <a:r>
+              <a:rPr lang="en-US" sz="3200" b="1" u="sng" dirty="0"/>
+              <a:t>Standing up plumber</a:t>
+            </a:r>
+          </a:p>
+          <a:p>
+            <a:pPr lvl="0"/>
+            <a:endParaRPr lang="en-US" dirty="0"/>
+          </a:p>
+          <a:p>
+            <a:pPr marL="0" lvl="0" indent="0">
+              <a:buNone/>
+            </a:pPr>
+            <a:endParaRPr lang="en-US" dirty="0"/>
+          </a:p>
+          <a:p>
+            <a:pPr marL="0" indent="0" algn="ctr">
+              <a:buNone/>
+            </a:pPr>
+            <a:endParaRPr lang="en-US" dirty="0"/>
+          </a:p>
+          <a:p>
+            <a:pPr marL="0" indent="0">
+              <a:buNone/>
+            </a:pPr>
+            <a:endParaRPr lang="en-US" dirty="0"/>
+          </a:p>
+        </p:txBody>
+      </p:sp>
+      <p:sp>
+        <p:nvSpPr>
+          <p:cNvPr id="3" name="Date Placeholder 2">
+            <a:extLst>
+              <a:ext uri="{FF2B5EF4-FFF2-40B4-BE49-F238E27FC236}">
+                <a16:creationId xmlns:a16="http://schemas.microsoft.com/office/drawing/2014/main" id="{5BC11C2B-FFFA-41DD-BAE8-D15D7261DDDD}"/>
+              </a:ext>
+            </a:extLst>
+          </p:cNvPr>
+          <p:cNvSpPr>
+            <a:spLocks noGrp="1"/>
+          </p:cNvSpPr>
+          <p:nvPr>
+            <p:ph type="dt" sz="half" idx="10"/>
+          </p:nvPr>
+        </p:nvSpPr>
+        <p:spPr/>
+        <p:txBody>
+          <a:bodyPr/>
+          <a:lstStyle/>
+          <a:p>
+            <a:pPr marL="0" marR="0" lvl="0" indent="0" algn="l" defTabSz="914400" rtl="0" eaLnBrk="1" fontAlgn="auto" latinLnBrk="0" hangingPunct="1">
+              <a:lnSpc>
+                <a:spcPct val="100000"/>
+              </a:lnSpc>
+              <a:spcBef>
+                <a:spcPts val="0"/>
+              </a:spcBef>
+              <a:spcAft>
+                <a:spcPts val="0"/>
+              </a:spcAft>
+              <a:buClrTx/>
+              <a:buSzTx/>
+              <a:buFontTx/>
+              <a:buNone/>
+              <a:tabLst/>
+              <a:defRPr/>
+            </a:pPr>
+            <a:fld id="{B2B0DBB4-B243-4953-B5EC-40AE2C4109DF}" type="datetime1">
+              <a:rPr kumimoji="0" lang="en-US" sz="1200" b="0" i="0" u="none" strike="noStrike" kern="1200" cap="none" spc="0" normalizeH="0" baseline="0" noProof="0" smtClean="0">
+                <a:ln>
+                  <a:noFill/>
+                </a:ln>
+                <a:solidFill>
+                  <a:srgbClr val="898989"/>
+                </a:solidFill>
+                <a:effectLst/>
+                <a:uLnTx/>
+                <a:uFillTx/>
+                <a:latin typeface="Calibri" panose="020F0502020204030204"/>
+                <a:ea typeface="+mn-ea"/>
+                <a:cs typeface="+mn-cs"/>
+              </a:rPr>
+              <a:t>8/12/2019</a:t>
+            </a:fld>
+            <a:endParaRPr kumimoji="0" lang="en-US" sz="1200" b="0" i="0" u="none" strike="noStrike" kern="1200" cap="none" spc="0" normalizeH="0" baseline="0" noProof="0" dirty="0">
+              <a:ln>
+                <a:noFill/>
+              </a:ln>
+              <a:solidFill>
+                <a:srgbClr val="898989"/>
+              </a:solidFill>
+              <a:effectLst/>
+              <a:uLnTx/>
+              <a:uFillTx/>
+              <a:latin typeface="Calibri" panose="020F0502020204030204"/>
+              <a:ea typeface="+mn-ea"/>
+              <a:cs typeface="+mn-cs"/>
+            </a:endParaRPr>
+          </a:p>
+        </p:txBody>
+      </p:sp>
+      <p:pic>
+        <p:nvPicPr>
+          <p:cNvPr id="4" name="Picture 3">
+            <a:extLst>
+              <a:ext uri="{FF2B5EF4-FFF2-40B4-BE49-F238E27FC236}">
+                <a16:creationId xmlns:a16="http://schemas.microsoft.com/office/drawing/2014/main" id="{7D80ED3A-0147-4883-991F-D9423F885E5E}"/>
+              </a:ext>
+            </a:extLst>
+          </p:cNvPr>
+          <p:cNvPicPr>
+            <a:picLocks noChangeAspect="1"/>
+          </p:cNvPicPr>
+          <p:nvPr/>
+        </p:nvPicPr>
+        <p:blipFill>
+          <a:blip r:embed="rId2"/>
+          <a:stretch>
+            <a:fillRect/>
+          </a:stretch>
+        </p:blipFill>
+        <p:spPr>
+          <a:xfrm>
+            <a:off x="573588" y="820132"/>
+            <a:ext cx="8138612" cy="5836317"/>
+          </a:xfrm>
+          <a:prstGeom prst="rect">
+            <a:avLst/>
+          </a:prstGeom>
+        </p:spPr>
+      </p:pic>
+    </p:spTree>
+    <p:extLst>
+      <p:ext uri="{BB962C8B-B14F-4D97-AF65-F5344CB8AC3E}">
+        <p14:creationId xmlns:p14="http://schemas.microsoft.com/office/powerpoint/2010/main" val="4014535718"/>
+      </p:ext>
+    </p:extLst>
+  </p:cSld>
+  <p:clrMapOvr>
+    <a:masterClrMapping/>
+  </p:clrMapOvr>
+</p:sld>
+</file>
+
+<file path=ppt/slides/slide24.xml><?xml version="1.0" encoding="utf-8"?>
+<p:sld xmlns:a="http://schemas.openxmlformats.org/drawingml/2006/main" xmlns:r="http://schemas.openxmlformats.org/officeDocument/2006/relationships" xmlns:p="http://schemas.openxmlformats.org/presentationml/2006/main">
+  <p:cSld>
+    <p:spTree>
+      <p:nvGrpSpPr>
+        <p:cNvPr id="1" name=""/>
+        <p:cNvGrpSpPr/>
+        <p:nvPr/>
+      </p:nvGrpSpPr>
+      <p:grpSpPr>
+        <a:xfrm>
+          <a:off x="0" y="0"/>
+          <a:ext cx="0" cy="0"/>
+          <a:chOff x="0" y="0"/>
+          <a:chExt cx="0" cy="0"/>
+        </a:xfrm>
+      </p:grpSpPr>
+      <p:sp>
+        <p:nvSpPr>
+          <p:cNvPr id="3" name="Date Placeholder 2">
+            <a:extLst>
+              <a:ext uri="{FF2B5EF4-FFF2-40B4-BE49-F238E27FC236}">
+                <a16:creationId xmlns:a16="http://schemas.microsoft.com/office/drawing/2014/main" id="{91AA4ED6-9AD4-493E-8688-706C53244AF7}"/>
+              </a:ext>
+            </a:extLst>
+          </p:cNvPr>
+          <p:cNvSpPr>
+            <a:spLocks noGrp="1"/>
+          </p:cNvSpPr>
+          <p:nvPr>
+            <p:ph type="dt" sz="half" idx="10"/>
+          </p:nvPr>
+        </p:nvSpPr>
+        <p:spPr/>
+        <p:txBody>
+          <a:bodyPr/>
+          <a:lstStyle/>
+          <a:p>
+            <a:fld id="{E33A92ED-39B7-43E0-9A13-62D89F8F37CB}" type="datetime1">
+              <a:rPr lang="en-US" smtClean="0"/>
+              <a:t>8/12/2019</a:t>
+            </a:fld>
+            <a:endParaRPr lang="en-US" dirty="0"/>
+          </a:p>
+        </p:txBody>
+      </p:sp>
+      <p:pic>
+        <p:nvPicPr>
+          <p:cNvPr id="5" name="Picture 4">
+            <a:extLst>
+              <a:ext uri="{FF2B5EF4-FFF2-40B4-BE49-F238E27FC236}">
+                <a16:creationId xmlns:a16="http://schemas.microsoft.com/office/drawing/2014/main" id="{9698E1CE-7ECF-4CF2-92B7-6CEFFC42974E}"/>
+              </a:ext>
+            </a:extLst>
+          </p:cNvPr>
+          <p:cNvPicPr>
+            <a:picLocks noChangeAspect="1"/>
+          </p:cNvPicPr>
+          <p:nvPr/>
+        </p:nvPicPr>
+        <p:blipFill>
+          <a:blip r:embed="rId2"/>
+          <a:stretch>
+            <a:fillRect/>
+          </a:stretch>
+        </p:blipFill>
+        <p:spPr>
+          <a:xfrm>
+            <a:off x="262642" y="0"/>
+            <a:ext cx="11666716" cy="6858000"/>
+          </a:xfrm>
+          <a:prstGeom prst="rect">
+            <a:avLst/>
+          </a:prstGeom>
+        </p:spPr>
+      </p:pic>
+    </p:spTree>
+    <p:extLst>
+      <p:ext uri="{BB962C8B-B14F-4D97-AF65-F5344CB8AC3E}">
+        <p14:creationId xmlns:p14="http://schemas.microsoft.com/office/powerpoint/2010/main" val="3377716477"/>
+      </p:ext>
+    </p:extLst>
+  </p:cSld>
+  <p:clrMapOvr>
+    <a:masterClrMapping/>
+  </p:clrMapOvr>
+</p:sld>
+</file>
+
+<file path=ppt/slides/slide25.xml><?xml version="1.0" encoding="utf-8"?>
+<p:sld xmlns:a="http://schemas.openxmlformats.org/drawingml/2006/main" xmlns:r="http://schemas.openxmlformats.org/officeDocument/2006/relationships" xmlns:p="http://schemas.openxmlformats.org/presentationml/2006/main">
+  <p:cSld>
+    <p:spTree>
+      <p:nvGrpSpPr>
+        <p:cNvPr id="1" name=""/>
+        <p:cNvGrpSpPr/>
+        <p:nvPr/>
+      </p:nvGrpSpPr>
+      <p:grpSpPr>
+        <a:xfrm>
+          <a:off x="0" y="0"/>
+          <a:ext cx="0" cy="0"/>
+          <a:chOff x="0" y="0"/>
+          <a:chExt cx="0" cy="0"/>
+        </a:xfrm>
+      </p:grpSpPr>
+      <p:sp>
+        <p:nvSpPr>
+          <p:cNvPr id="3" name="Date Placeholder 2">
+            <a:extLst>
+              <a:ext uri="{FF2B5EF4-FFF2-40B4-BE49-F238E27FC236}">
+                <a16:creationId xmlns:a16="http://schemas.microsoft.com/office/drawing/2014/main" id="{26C14324-B242-450B-BB48-681A799D0C65}"/>
+              </a:ext>
+            </a:extLst>
+          </p:cNvPr>
+          <p:cNvSpPr>
+            <a:spLocks noGrp="1"/>
+          </p:cNvSpPr>
+          <p:nvPr>
+            <p:ph type="dt" sz="half" idx="10"/>
+          </p:nvPr>
+        </p:nvSpPr>
+        <p:spPr/>
+        <p:txBody>
+          <a:bodyPr/>
+          <a:lstStyle/>
+          <a:p>
+            <a:fld id="{E33A92ED-39B7-43E0-9A13-62D89F8F37CB}" type="datetime1">
+              <a:rPr lang="en-US" smtClean="0"/>
+              <a:t>8/12/2019</a:t>
+            </a:fld>
+            <a:endParaRPr lang="en-US" dirty="0"/>
+          </a:p>
+        </p:txBody>
+      </p:sp>
+      <p:pic>
+        <p:nvPicPr>
+          <p:cNvPr id="5" name="Picture 4">
+            <a:extLst>
+              <a:ext uri="{FF2B5EF4-FFF2-40B4-BE49-F238E27FC236}">
+                <a16:creationId xmlns:a16="http://schemas.microsoft.com/office/drawing/2014/main" id="{2CEDC61B-E5FA-4773-B493-52898BDE3464}"/>
+              </a:ext>
+            </a:extLst>
+          </p:cNvPr>
+          <p:cNvPicPr>
+            <a:picLocks noChangeAspect="1"/>
+          </p:cNvPicPr>
+          <p:nvPr/>
+        </p:nvPicPr>
+        <p:blipFill>
+          <a:blip r:embed="rId2"/>
+          <a:stretch>
+            <a:fillRect/>
+          </a:stretch>
+        </p:blipFill>
+        <p:spPr>
+          <a:xfrm>
+            <a:off x="0" y="204788"/>
+            <a:ext cx="12192000" cy="5311926"/>
+          </a:xfrm>
+          <a:prstGeom prst="rect">
+            <a:avLst/>
+          </a:prstGeom>
+        </p:spPr>
+      </p:pic>
+    </p:spTree>
+    <p:extLst>
+      <p:ext uri="{BB962C8B-B14F-4D97-AF65-F5344CB8AC3E}">
+        <p14:creationId xmlns:p14="http://schemas.microsoft.com/office/powerpoint/2010/main" val="2484947176"/>
+      </p:ext>
+    </p:extLst>
+  </p:cSld>
+  <p:clrMapOvr>
+    <a:masterClrMapping/>
+  </p:clrMapOvr>
+</p:sld>
+</file>
+
+<file path=ppt/slides/slide26.xml><?xml version="1.0" encoding="utf-8"?>
+<p:sld xmlns:a="http://schemas.openxmlformats.org/drawingml/2006/main" xmlns:r="http://schemas.openxmlformats.org/officeDocument/2006/relationships" xmlns:p="http://schemas.openxmlformats.org/presentationml/2006/main">
+  <p:cSld>
+    <p:spTree>
+      <p:nvGrpSpPr>
+        <p:cNvPr id="1" name=""/>
+        <p:cNvGrpSpPr/>
+        <p:nvPr/>
+      </p:nvGrpSpPr>
+      <p:grpSpPr>
+        <a:xfrm>
+          <a:off x="0" y="0"/>
+          <a:ext cx="0" cy="0"/>
+          <a:chOff x="0" y="0"/>
+          <a:chExt cx="0" cy="0"/>
+        </a:xfrm>
+      </p:grpSpPr>
+      <p:sp>
+        <p:nvSpPr>
+          <p:cNvPr id="3" name="Date Placeholder 2">
+            <a:extLst>
+              <a:ext uri="{FF2B5EF4-FFF2-40B4-BE49-F238E27FC236}">
+                <a16:creationId xmlns:a16="http://schemas.microsoft.com/office/drawing/2014/main" id="{90776294-0695-4E31-B6C8-EE8390D7824B}"/>
+              </a:ext>
+            </a:extLst>
+          </p:cNvPr>
+          <p:cNvSpPr>
+            <a:spLocks noGrp="1"/>
+          </p:cNvSpPr>
+          <p:nvPr>
+            <p:ph type="dt" sz="half" idx="10"/>
+          </p:nvPr>
+        </p:nvSpPr>
+        <p:spPr/>
+        <p:txBody>
+          <a:bodyPr/>
+          <a:lstStyle/>
+          <a:p>
+            <a:fld id="{E33A92ED-39B7-43E0-9A13-62D89F8F37CB}" type="datetime1">
+              <a:rPr lang="en-US" smtClean="0"/>
+              <a:t>8/12/2019</a:t>
+            </a:fld>
+            <a:endParaRPr lang="en-US" dirty="0"/>
+          </a:p>
+        </p:txBody>
+      </p:sp>
+      <p:pic>
+        <p:nvPicPr>
+          <p:cNvPr id="5" name="Picture 4">
+            <a:extLst>
+              <a:ext uri="{FF2B5EF4-FFF2-40B4-BE49-F238E27FC236}">
+                <a16:creationId xmlns:a16="http://schemas.microsoft.com/office/drawing/2014/main" id="{97411C40-BB89-4B1F-A0BC-8F5B5CC8115C}"/>
+              </a:ext>
+            </a:extLst>
+          </p:cNvPr>
+          <p:cNvPicPr>
+            <a:picLocks noChangeAspect="1"/>
+          </p:cNvPicPr>
+          <p:nvPr/>
+        </p:nvPicPr>
+        <p:blipFill>
+          <a:blip r:embed="rId2"/>
+          <a:stretch>
+            <a:fillRect/>
+          </a:stretch>
+        </p:blipFill>
+        <p:spPr>
+          <a:xfrm>
+            <a:off x="25400" y="262754"/>
+            <a:ext cx="12192000" cy="6510291"/>
+          </a:xfrm>
+          <a:prstGeom prst="rect">
+            <a:avLst/>
+          </a:prstGeom>
+        </p:spPr>
+      </p:pic>
+    </p:spTree>
+    <p:extLst>
+      <p:ext uri="{BB962C8B-B14F-4D97-AF65-F5344CB8AC3E}">
+        <p14:creationId xmlns:p14="http://schemas.microsoft.com/office/powerpoint/2010/main" val="2544410801"/>
+      </p:ext>
+    </p:extLst>
+  </p:cSld>
+  <p:clrMapOvr>
+    <a:masterClrMapping/>
+  </p:clrMapOvr>
+</p:sld>
+</file>
+
+<file path=ppt/slides/slide27.xml><?xml version="1.0" encoding="utf-8"?>
+<p:sld xmlns:a="http://schemas.openxmlformats.org/drawingml/2006/main" xmlns:r="http://schemas.openxmlformats.org/officeDocument/2006/relationships" xmlns:p="http://schemas.openxmlformats.org/presentationml/2006/main">
+  <p:cSld>
+    <p:spTree>
+      <p:nvGrpSpPr>
+        <p:cNvPr id="1" name=""/>
+        <p:cNvGrpSpPr/>
+        <p:nvPr/>
+      </p:nvGrpSpPr>
+      <p:grpSpPr>
+        <a:xfrm>
+          <a:off x="0" y="0"/>
+          <a:ext cx="0" cy="0"/>
+          <a:chOff x="0" y="0"/>
+          <a:chExt cx="0" cy="0"/>
+        </a:xfrm>
+      </p:grpSpPr>
+      <p:sp>
+        <p:nvSpPr>
+          <p:cNvPr id="3" name="Date Placeholder 2">
+            <a:extLst>
+              <a:ext uri="{FF2B5EF4-FFF2-40B4-BE49-F238E27FC236}">
+                <a16:creationId xmlns:a16="http://schemas.microsoft.com/office/drawing/2014/main" id="{7FABA3C1-3542-4BF3-9E6E-F2AE6D1916FE}"/>
+              </a:ext>
+            </a:extLst>
+          </p:cNvPr>
+          <p:cNvSpPr>
+            <a:spLocks noGrp="1"/>
+          </p:cNvSpPr>
+          <p:nvPr>
+            <p:ph type="dt" sz="half" idx="10"/>
+          </p:nvPr>
+        </p:nvSpPr>
+        <p:spPr/>
+        <p:txBody>
+          <a:bodyPr/>
+          <a:lstStyle/>
+          <a:p>
+            <a:fld id="{E33A92ED-39B7-43E0-9A13-62D89F8F37CB}" type="datetime1">
+              <a:rPr lang="en-US" smtClean="0"/>
+              <a:t>8/12/2019</a:t>
+            </a:fld>
+            <a:endParaRPr lang="en-US" dirty="0"/>
+          </a:p>
+        </p:txBody>
+      </p:sp>
+      <p:pic>
+        <p:nvPicPr>
+          <p:cNvPr id="5" name="Picture 4">
+            <a:extLst>
+              <a:ext uri="{FF2B5EF4-FFF2-40B4-BE49-F238E27FC236}">
+                <a16:creationId xmlns:a16="http://schemas.microsoft.com/office/drawing/2014/main" id="{6E82E088-881E-4C1D-A367-2383B05443DC}"/>
+              </a:ext>
+            </a:extLst>
+          </p:cNvPr>
+          <p:cNvPicPr>
+            <a:picLocks noChangeAspect="1"/>
+          </p:cNvPicPr>
+          <p:nvPr/>
+        </p:nvPicPr>
+        <p:blipFill>
+          <a:blip r:embed="rId2"/>
+          <a:stretch>
+            <a:fillRect/>
+          </a:stretch>
+        </p:blipFill>
+        <p:spPr>
+          <a:xfrm>
+            <a:off x="573588" y="939800"/>
+            <a:ext cx="9092869" cy="1739900"/>
+          </a:xfrm>
+          <a:prstGeom prst="rect">
+            <a:avLst/>
+          </a:prstGeom>
+        </p:spPr>
+      </p:pic>
+      <p:pic>
+        <p:nvPicPr>
+          <p:cNvPr id="6" name="Picture 5">
+            <a:extLst>
+              <a:ext uri="{FF2B5EF4-FFF2-40B4-BE49-F238E27FC236}">
+                <a16:creationId xmlns:a16="http://schemas.microsoft.com/office/drawing/2014/main" id="{0CC6FD51-5470-419E-8F8F-75AC3EE038B4}"/>
+              </a:ext>
+            </a:extLst>
+          </p:cNvPr>
+          <p:cNvPicPr>
+            <a:picLocks noChangeAspect="1"/>
+          </p:cNvPicPr>
+          <p:nvPr/>
+        </p:nvPicPr>
+        <p:blipFill>
+          <a:blip r:embed="rId3"/>
+          <a:stretch>
+            <a:fillRect/>
+          </a:stretch>
+        </p:blipFill>
+        <p:spPr>
+          <a:xfrm>
+            <a:off x="4727574" y="4273549"/>
+            <a:ext cx="6918325" cy="1848217"/>
+          </a:xfrm>
+          <a:prstGeom prst="rect">
+            <a:avLst/>
+          </a:prstGeom>
+        </p:spPr>
+      </p:pic>
+    </p:spTree>
+    <p:extLst>
+      <p:ext uri="{BB962C8B-B14F-4D97-AF65-F5344CB8AC3E}">
+        <p14:creationId xmlns:p14="http://schemas.microsoft.com/office/powerpoint/2010/main" val="2677213927"/>
+      </p:ext>
+    </p:extLst>
+  </p:cSld>
+  <p:clrMapOvr>
+    <a:masterClrMapping/>
+  </p:clrMapOvr>
+</p:sld>
+</file>
+
+<file path=ppt/slides/slide28.xml><?xml version="1.0" encoding="utf-8"?>
+<p:sld xmlns:a="http://schemas.openxmlformats.org/drawingml/2006/main" xmlns:r="http://schemas.openxmlformats.org/officeDocument/2006/relationships" xmlns:p="http://schemas.openxmlformats.org/presentationml/2006/main">
+  <p:cSld>
+    <p:spTree>
+      <p:nvGrpSpPr>
+        <p:cNvPr id="1" name=""/>
+        <p:cNvGrpSpPr/>
+        <p:nvPr/>
+      </p:nvGrpSpPr>
+      <p:grpSpPr>
+        <a:xfrm>
+          <a:off x="0" y="0"/>
+          <a:ext cx="0" cy="0"/>
+          <a:chOff x="0" y="0"/>
+          <a:chExt cx="0" cy="0"/>
+        </a:xfrm>
+      </p:grpSpPr>
+      <p:sp>
+        <p:nvSpPr>
+          <p:cNvPr id="3" name="Date Placeholder 2">
+            <a:extLst>
+              <a:ext uri="{FF2B5EF4-FFF2-40B4-BE49-F238E27FC236}">
+                <a16:creationId xmlns:a16="http://schemas.microsoft.com/office/drawing/2014/main" id="{4B16C8B9-B4B8-4D97-B4D8-200EA202628F}"/>
+              </a:ext>
+            </a:extLst>
+          </p:cNvPr>
+          <p:cNvSpPr>
+            <a:spLocks noGrp="1"/>
+          </p:cNvSpPr>
+          <p:nvPr>
+            <p:ph type="dt" sz="half" idx="10"/>
+          </p:nvPr>
+        </p:nvSpPr>
+        <p:spPr/>
+        <p:txBody>
+          <a:bodyPr/>
+          <a:lstStyle/>
+          <a:p>
+            <a:fld id="{E33A92ED-39B7-43E0-9A13-62D89F8F37CB}" type="datetime1">
+              <a:rPr lang="en-US" smtClean="0"/>
+              <a:t>8/12/2019</a:t>
+            </a:fld>
+            <a:endParaRPr lang="en-US" dirty="0"/>
+          </a:p>
+        </p:txBody>
+      </p:sp>
+      <p:pic>
+        <p:nvPicPr>
+          <p:cNvPr id="5" name="Picture 4">
+            <a:extLst>
+              <a:ext uri="{FF2B5EF4-FFF2-40B4-BE49-F238E27FC236}">
+                <a16:creationId xmlns:a16="http://schemas.microsoft.com/office/drawing/2014/main" id="{FF6EDC9D-5022-43B0-911E-A3F7FF8A2090}"/>
+              </a:ext>
+            </a:extLst>
+          </p:cNvPr>
+          <p:cNvPicPr>
+            <a:picLocks noChangeAspect="1"/>
+          </p:cNvPicPr>
+          <p:nvPr/>
+        </p:nvPicPr>
+        <p:blipFill>
+          <a:blip r:embed="rId2"/>
+          <a:stretch>
+            <a:fillRect/>
+          </a:stretch>
+        </p:blipFill>
+        <p:spPr>
+          <a:xfrm>
+            <a:off x="114300" y="0"/>
+            <a:ext cx="6902736" cy="5511800"/>
+          </a:xfrm>
+          <a:prstGeom prst="rect">
+            <a:avLst/>
+          </a:prstGeom>
+        </p:spPr>
+      </p:pic>
+      <p:pic>
+        <p:nvPicPr>
+          <p:cNvPr id="6" name="Picture 5">
+            <a:extLst>
+              <a:ext uri="{FF2B5EF4-FFF2-40B4-BE49-F238E27FC236}">
+                <a16:creationId xmlns:a16="http://schemas.microsoft.com/office/drawing/2014/main" id="{6FA2EB8F-EA8A-4401-BFB2-03FA1E352D2B}"/>
+              </a:ext>
+            </a:extLst>
+          </p:cNvPr>
+          <p:cNvPicPr>
+            <a:picLocks noChangeAspect="1"/>
+          </p:cNvPicPr>
+          <p:nvPr/>
+        </p:nvPicPr>
+        <p:blipFill>
+          <a:blip r:embed="rId3"/>
+          <a:stretch>
+            <a:fillRect/>
+          </a:stretch>
+        </p:blipFill>
+        <p:spPr>
+          <a:xfrm>
+            <a:off x="6059462" y="1778000"/>
+            <a:ext cx="6132538" cy="4991100"/>
+          </a:xfrm>
+          <a:prstGeom prst="rect">
+            <a:avLst/>
+          </a:prstGeom>
+        </p:spPr>
+      </p:pic>
+    </p:spTree>
+    <p:extLst>
+      <p:ext uri="{BB962C8B-B14F-4D97-AF65-F5344CB8AC3E}">
+        <p14:creationId xmlns:p14="http://schemas.microsoft.com/office/powerpoint/2010/main" val="1683132233"/>
+      </p:ext>
+    </p:extLst>
+  </p:cSld>
+  <p:clrMapOvr>
+    <a:masterClrMapping/>
+  </p:clrMapOvr>
+</p:sld>
+</file>
+
+<file path=ppt/slides/slide29.xml><?xml version="1.0" encoding="utf-8"?>
+<p:sld xmlns:a="http://schemas.openxmlformats.org/drawingml/2006/main" xmlns:r="http://schemas.openxmlformats.org/officeDocument/2006/relationships" xmlns:p="http://schemas.openxmlformats.org/presentationml/2006/main">
+  <p:cSld>
+    <p:spTree>
+      <p:nvGrpSpPr>
+        <p:cNvPr id="1" name=""/>
+        <p:cNvGrpSpPr/>
+        <p:nvPr/>
+      </p:nvGrpSpPr>
+      <p:grpSpPr>
+        <a:xfrm>
+          <a:off x="0" y="0"/>
+          <a:ext cx="0" cy="0"/>
+          <a:chOff x="0" y="0"/>
+          <a:chExt cx="0" cy="0"/>
+        </a:xfrm>
+      </p:grpSpPr>
+      <p:sp>
+        <p:nvSpPr>
+          <p:cNvPr id="2" name="Text Placeholder 1">
+            <a:extLst>
+              <a:ext uri="{FF2B5EF4-FFF2-40B4-BE49-F238E27FC236}">
+                <a16:creationId xmlns:a16="http://schemas.microsoft.com/office/drawing/2014/main" id="{2F2678E9-E3C1-4476-A60C-CA391CC96B4D}"/>
+              </a:ext>
+            </a:extLst>
+          </p:cNvPr>
+          <p:cNvSpPr>
+            <a:spLocks noGrp="1"/>
+          </p:cNvSpPr>
+          <p:nvPr>
+            <p:ph type="body" sz="quarter" idx="4294967295"/>
+          </p:nvPr>
+        </p:nvSpPr>
+        <p:spPr>
+          <a:xfrm>
+            <a:off x="215900" y="202184"/>
+            <a:ext cx="11315700" cy="5817616"/>
+          </a:xfrm>
+        </p:spPr>
+        <p:txBody>
+          <a:bodyPr>
+            <a:normAutofit lnSpcReduction="10000"/>
+          </a:bodyPr>
+          <a:lstStyle/>
+          <a:p>
+            <a:pPr marL="0" indent="0" algn="ctr">
+              <a:buNone/>
+            </a:pPr>
+            <a:r>
+              <a:rPr lang="en-US" sz="3200" b="1" u="sng" dirty="0"/>
+              <a:t>Advantages of APIs for Developers</a:t>
+            </a:r>
+          </a:p>
+          <a:p>
+            <a:pPr lvl="0"/>
+            <a:r>
+              <a:rPr lang="en-US" dirty="0"/>
+              <a:t>These API endpoints are available from the command line (curl), from browsers, and from within language IDEs</a:t>
+            </a:r>
+          </a:p>
+          <a:p>
+            <a:pPr lvl="0"/>
+            <a:r>
+              <a:rPr lang="en-US" dirty="0"/>
+              <a:t>Allows other programmers/scientists to write programs to consume your data without scraping (json)</a:t>
+            </a:r>
+          </a:p>
+          <a:p>
+            <a:r>
+              <a:rPr lang="en-US" dirty="0"/>
+              <a:t>Other front end developers can create web applications/phone apps that integrate these R functions into their workflows</a:t>
+            </a:r>
+          </a:p>
+          <a:p>
+            <a:pPr lvl="0"/>
+            <a:r>
+              <a:rPr lang="en-US" dirty="0"/>
+              <a:t>Other back end developers can use your algorithms/data outside of R (python, java, c, etc.) and integrate into scientific workflows</a:t>
+            </a:r>
+          </a:p>
+          <a:p>
+            <a:pPr lvl="0"/>
+            <a:r>
+              <a:rPr lang="en-US" dirty="0"/>
+              <a:t>Allows for scaling of computations (high throughput) in concert with capable servers</a:t>
+            </a:r>
+          </a:p>
+          <a:p>
+            <a:pPr lvl="0"/>
+            <a:r>
+              <a:rPr lang="en-US" dirty="0"/>
+              <a:t>I’ll talk Wednesday about deploying via docker</a:t>
+            </a:r>
+          </a:p>
+          <a:p>
+            <a:pPr lvl="0"/>
+            <a:r>
+              <a:rPr lang="en-US" dirty="0">
+                <a:hlinkClick r:id="rId3"/>
+              </a:rPr>
+              <a:t>https://github.com/puruckertom/r_plumber</a:t>
+            </a:r>
+            <a:endParaRPr lang="en-US" dirty="0"/>
+          </a:p>
+          <a:p>
+            <a:pPr lvl="0"/>
+            <a:endParaRPr lang="en-US" dirty="0"/>
+          </a:p>
+          <a:p>
+            <a:pPr marL="0" lvl="0" indent="0">
+              <a:buNone/>
+            </a:pPr>
+            <a:endParaRPr lang="en-US" dirty="0"/>
+          </a:p>
+          <a:p>
+            <a:pPr marL="0" indent="0" algn="ctr">
+              <a:buNone/>
+            </a:pPr>
+            <a:endParaRPr lang="en-US" dirty="0"/>
+          </a:p>
+          <a:p>
+            <a:pPr marL="0" indent="0">
+              <a:buNone/>
+            </a:pPr>
+            <a:endParaRPr lang="en-US" dirty="0"/>
+          </a:p>
+        </p:txBody>
+      </p:sp>
+      <p:sp>
+        <p:nvSpPr>
+          <p:cNvPr id="3" name="Date Placeholder 2">
+            <a:extLst>
+              <a:ext uri="{FF2B5EF4-FFF2-40B4-BE49-F238E27FC236}">
+                <a16:creationId xmlns:a16="http://schemas.microsoft.com/office/drawing/2014/main" id="{5BC11C2B-FFFA-41DD-BAE8-D15D7261DDDD}"/>
+              </a:ext>
+            </a:extLst>
+          </p:cNvPr>
+          <p:cNvSpPr>
+            <a:spLocks noGrp="1"/>
+          </p:cNvSpPr>
+          <p:nvPr>
+            <p:ph type="dt" sz="half" idx="10"/>
+          </p:nvPr>
+        </p:nvSpPr>
+        <p:spPr/>
+        <p:txBody>
+          <a:bodyPr/>
+          <a:lstStyle/>
+          <a:p>
+            <a:pPr marL="0" marR="0" lvl="0" indent="0" algn="l" defTabSz="914400" rtl="0" eaLnBrk="1" fontAlgn="auto" latinLnBrk="0" hangingPunct="1">
+              <a:lnSpc>
+                <a:spcPct val="100000"/>
+              </a:lnSpc>
+              <a:spcBef>
+                <a:spcPts val="0"/>
+              </a:spcBef>
+              <a:spcAft>
+                <a:spcPts val="0"/>
+              </a:spcAft>
+              <a:buClrTx/>
+              <a:buSzTx/>
+              <a:buFontTx/>
+              <a:buNone/>
+              <a:tabLst/>
+              <a:defRPr/>
+            </a:pPr>
+            <a:fld id="{B2B0DBB4-B243-4953-B5EC-40AE2C4109DF}" type="datetime1">
+              <a:rPr kumimoji="0" lang="en-US" sz="1200" b="0" i="0" u="none" strike="noStrike" kern="1200" cap="none" spc="0" normalizeH="0" baseline="0" noProof="0" smtClean="0">
+                <a:ln>
+                  <a:noFill/>
+                </a:ln>
+                <a:solidFill>
+                  <a:srgbClr val="898989"/>
+                </a:solidFill>
+                <a:effectLst/>
+                <a:uLnTx/>
+                <a:uFillTx/>
+                <a:latin typeface="Calibri" panose="020F0502020204030204"/>
+                <a:ea typeface="+mn-ea"/>
+                <a:cs typeface="+mn-cs"/>
+              </a:rPr>
+              <a:t>8/12/2019</a:t>
+            </a:fld>
+            <a:endParaRPr kumimoji="0" lang="en-US" sz="1200" b="0" i="0" u="none" strike="noStrike" kern="1200" cap="none" spc="0" normalizeH="0" baseline="0" noProof="0" dirty="0">
+              <a:ln>
+                <a:noFill/>
+              </a:ln>
+              <a:solidFill>
+                <a:srgbClr val="898989"/>
+              </a:solidFill>
+              <a:effectLst/>
+              <a:uLnTx/>
+              <a:uFillTx/>
+              <a:latin typeface="Calibri" panose="020F0502020204030204"/>
+              <a:ea typeface="+mn-ea"/>
+              <a:cs typeface="+mn-cs"/>
+            </a:endParaRPr>
+          </a:p>
+        </p:txBody>
+      </p:sp>
+    </p:spTree>
+    <p:extLst>
+      <p:ext uri="{BB962C8B-B14F-4D97-AF65-F5344CB8AC3E}">
+        <p14:creationId xmlns:p14="http://schemas.microsoft.com/office/powerpoint/2010/main" val="3351034192"/>
+      </p:ext>
+    </p:extLst>
+  </p:cSld>
+  <p:clrMapOvr>
+    <a:masterClrMapping/>
+  </p:clrMapOvr>
+</p:sld>
+</file>
+
+<file path=ppt/slides/slide3.xml><?xml version="1.0" encoding="utf-8"?>
+<p:sld xmlns:a="http://schemas.openxmlformats.org/drawingml/2006/main" xmlns:r="http://schemas.openxmlformats.org/officeDocument/2006/relationships" xmlns:p="http://schemas.openxmlformats.org/presentationml/2006/main">
+  <p:cSld>
+    <p:spTree>
+      <p:nvGrpSpPr>
+        <p:cNvPr id="1" name=""/>
+        <p:cNvGrpSpPr/>
+        <p:nvPr/>
+      </p:nvGrpSpPr>
+      <p:grpSpPr>
+        <a:xfrm>
+          <a:off x="0" y="0"/>
+          <a:ext cx="0" cy="0"/>
+          <a:chOff x="0" y="0"/>
+          <a:chExt cx="0" cy="0"/>
+        </a:xfrm>
+      </p:grpSpPr>
+      <p:sp>
+        <p:nvSpPr>
+          <p:cNvPr id="2" name="Text Placeholder 1">
+            <a:extLst>
+              <a:ext uri="{FF2B5EF4-FFF2-40B4-BE49-F238E27FC236}">
+                <a16:creationId xmlns:a16="http://schemas.microsoft.com/office/drawing/2014/main" id="{06FDE07A-9444-476F-9E70-C201318599D9}"/>
+              </a:ext>
+            </a:extLst>
+          </p:cNvPr>
+          <p:cNvSpPr>
+            <a:spLocks noGrp="1"/>
+          </p:cNvSpPr>
+          <p:nvPr>
+            <p:ph type="body" sz="quarter" idx="4294967295"/>
+          </p:nvPr>
+        </p:nvSpPr>
+        <p:spPr>
+          <a:xfrm>
+            <a:off x="1739900" y="1181100"/>
+            <a:ext cx="8940800" cy="2438400"/>
+          </a:xfrm>
+        </p:spPr>
+        <p:txBody>
+          <a:bodyPr>
+            <a:normAutofit/>
+          </a:bodyPr>
+          <a:lstStyle/>
+          <a:p>
+            <a:pPr marL="0" indent="0">
+              <a:buNone/>
+            </a:pPr>
+            <a:r>
+              <a:rPr lang="en-US" dirty="0"/>
+              <a:t>Our goal is to accomplish 2 things:</a:t>
+            </a:r>
+          </a:p>
+          <a:p>
+            <a:pPr>
+              <a:buFontTx/>
+              <a:buChar char="-"/>
+            </a:pPr>
+            <a:r>
+              <a:rPr lang="en-US" dirty="0"/>
+              <a:t>Access other web APIs using R (using the </a:t>
+            </a:r>
+            <a:r>
+              <a:rPr lang="en-US" dirty="0" err="1"/>
+              <a:t>httr</a:t>
+            </a:r>
+            <a:r>
+              <a:rPr lang="en-US" dirty="0"/>
+              <a:t> package)</a:t>
+            </a:r>
+          </a:p>
+          <a:p>
+            <a:pPr>
+              <a:buFontTx/>
+              <a:buChar char="-"/>
+            </a:pPr>
+            <a:r>
+              <a:rPr lang="en-US" dirty="0"/>
+              <a:t>Express our data/algorithms via a web API so that others can use it (using the plumber package)</a:t>
+            </a:r>
+          </a:p>
+        </p:txBody>
+      </p:sp>
+      <p:sp>
+        <p:nvSpPr>
+          <p:cNvPr id="3" name="Date Placeholder 2">
+            <a:extLst>
+              <a:ext uri="{FF2B5EF4-FFF2-40B4-BE49-F238E27FC236}">
+                <a16:creationId xmlns:a16="http://schemas.microsoft.com/office/drawing/2014/main" id="{C27FC931-11CA-4F47-9AEB-93E02D89732E}"/>
+              </a:ext>
+            </a:extLst>
+          </p:cNvPr>
+          <p:cNvSpPr>
+            <a:spLocks noGrp="1"/>
+          </p:cNvSpPr>
+          <p:nvPr>
+            <p:ph type="dt" sz="half" idx="10"/>
+          </p:nvPr>
+        </p:nvSpPr>
+        <p:spPr/>
+        <p:txBody>
+          <a:bodyPr/>
+          <a:lstStyle/>
+          <a:p>
+            <a:fld id="{E33A92ED-39B7-43E0-9A13-62D89F8F37CB}" type="datetime1">
+              <a:rPr lang="en-US" smtClean="0"/>
+              <a:t>8/12/2019</a:t>
+            </a:fld>
+            <a:endParaRPr lang="en-US" dirty="0"/>
+          </a:p>
+        </p:txBody>
+      </p:sp>
+    </p:spTree>
+    <p:extLst>
+      <p:ext uri="{BB962C8B-B14F-4D97-AF65-F5344CB8AC3E}">
+        <p14:creationId xmlns:p14="http://schemas.microsoft.com/office/powerpoint/2010/main" val="876327636"/>
+      </p:ext>
+    </p:extLst>
+  </p:cSld>
+  <p:clrMapOvr>
+    <a:masterClrMapping/>
+  </p:clrMapOvr>
+</p:sld>
+</file>
+
+<file path=ppt/slides/slide4.xml><?xml version="1.0" encoding="utf-8"?>
+<p:sld xmlns:a="http://schemas.openxmlformats.org/drawingml/2006/main" xmlns:r="http://schemas.openxmlformats.org/officeDocument/2006/relationships" xmlns:p="http://schemas.openxmlformats.org/presentationml/2006/main">
+  <p:cSld>
+    <p:spTree>
+      <p:nvGrpSpPr>
+        <p:cNvPr id="1" name=""/>
+        <p:cNvGrpSpPr/>
+        <p:nvPr/>
+      </p:nvGrpSpPr>
+      <p:grpSpPr>
+        <a:xfrm>
+          <a:off x="0" y="0"/>
+          <a:ext cx="0" cy="0"/>
+          <a:chOff x="0" y="0"/>
+          <a:chExt cx="0" cy="0"/>
+        </a:xfrm>
+      </p:grpSpPr>
+      <p:sp>
+        <p:nvSpPr>
+          <p:cNvPr id="3" name="Date Placeholder 2">
+            <a:extLst>
+              <a:ext uri="{FF2B5EF4-FFF2-40B4-BE49-F238E27FC236}">
+                <a16:creationId xmlns:a16="http://schemas.microsoft.com/office/drawing/2014/main" id="{A44150DA-8E0F-4B13-8CF7-C5E3C61EBF5F}"/>
+              </a:ext>
+            </a:extLst>
+          </p:cNvPr>
+          <p:cNvSpPr>
+            <a:spLocks noGrp="1"/>
+          </p:cNvSpPr>
+          <p:nvPr>
+            <p:ph type="dt" sz="half" idx="10"/>
+          </p:nvPr>
+        </p:nvSpPr>
+        <p:spPr/>
+        <p:txBody>
+          <a:bodyPr/>
+          <a:lstStyle/>
+          <a:p>
+            <a:fld id="{E33A92ED-39B7-43E0-9A13-62D89F8F37CB}" type="datetime1">
+              <a:rPr lang="en-US" smtClean="0"/>
+              <a:t>8/12/2019</a:t>
+            </a:fld>
+            <a:endParaRPr lang="en-US" dirty="0"/>
+          </a:p>
+        </p:txBody>
+      </p:sp>
+      <p:pic>
+        <p:nvPicPr>
+          <p:cNvPr id="2050" name="Picture 2" descr="Image result for tin can telephone">
+            <a:extLst>
+              <a:ext uri="{FF2B5EF4-FFF2-40B4-BE49-F238E27FC236}">
+                <a16:creationId xmlns:a16="http://schemas.microsoft.com/office/drawing/2014/main" id="{75586066-78E9-487A-BA6D-41C047E6CF6B}"/>
+              </a:ext>
+            </a:extLst>
+          </p:cNvPr>
+          <p:cNvPicPr>
+            <a:picLocks noChangeAspect="1" noChangeArrowheads="1"/>
+          </p:cNvPicPr>
+          <p:nvPr/>
+        </p:nvPicPr>
+        <p:blipFill>
+          <a:blip r:embed="rId3">
+            <a:extLst>
+              <a:ext uri="{28A0092B-C50C-407E-A947-70E740481C1C}">
+                <a14:useLocalDpi xmlns:a14="http://schemas.microsoft.com/office/drawing/2010/main" val="0"/>
+              </a:ext>
+            </a:extLst>
+          </a:blip>
+          <a:srcRect/>
+          <a:stretch>
+            <a:fillRect/>
+          </a:stretch>
+        </p:blipFill>
+        <p:spPr bwMode="auto">
+          <a:xfrm>
+            <a:off x="176193" y="0"/>
+            <a:ext cx="7454900" cy="6858000"/>
+          </a:xfrm>
+          <a:prstGeom prst="rect">
+            <a:avLst/>
+          </a:prstGeom>
+          <a:noFill/>
+          <a:extLst>
+            <a:ext uri="{909E8E84-426E-40DD-AFC4-6F175D3DCCD1}">
+              <a14:hiddenFill xmlns:a14="http://schemas.microsoft.com/office/drawing/2010/main">
+                <a:solidFill>
+                  <a:srgbClr val="FFFFFF"/>
+                </a:solidFill>
+              </a14:hiddenFill>
+            </a:ext>
+          </a:extLst>
+        </p:spPr>
+      </p:pic>
+      <p:sp>
+        <p:nvSpPr>
+          <p:cNvPr id="5" name="TextBox 4">
+            <a:extLst>
+              <a:ext uri="{FF2B5EF4-FFF2-40B4-BE49-F238E27FC236}">
+                <a16:creationId xmlns:a16="http://schemas.microsoft.com/office/drawing/2014/main" id="{1E620B8F-0658-41B0-823F-9D79C2A5B171}"/>
+              </a:ext>
+            </a:extLst>
+          </p:cNvPr>
+          <p:cNvSpPr txBox="1"/>
+          <p:nvPr/>
+        </p:nvSpPr>
+        <p:spPr>
+          <a:xfrm>
+            <a:off x="5719407" y="187287"/>
+            <a:ext cx="1145043" cy="523220"/>
+          </a:xfrm>
+          <a:prstGeom prst="rect">
+            <a:avLst/>
+          </a:prstGeom>
+          <a:noFill/>
+        </p:spPr>
+        <p:txBody>
+          <a:bodyPr wrap="square" rtlCol="0">
+            <a:spAutoFit/>
+          </a:bodyPr>
+          <a:lstStyle/>
+          <a:p>
+            <a:r>
+              <a:rPr lang="en-US" sz="2800" dirty="0">
+                <a:solidFill>
+                  <a:srgbClr val="7030A0"/>
+                </a:solidFill>
+              </a:rPr>
+              <a:t>Server</a:t>
+            </a:r>
+          </a:p>
+        </p:txBody>
+      </p:sp>
+      <p:sp>
+        <p:nvSpPr>
+          <p:cNvPr id="7" name="TextBox 6">
+            <a:extLst>
+              <a:ext uri="{FF2B5EF4-FFF2-40B4-BE49-F238E27FC236}">
+                <a16:creationId xmlns:a16="http://schemas.microsoft.com/office/drawing/2014/main" id="{791F555B-BFCA-426F-BB1C-E67DD1CE35EE}"/>
+              </a:ext>
+            </a:extLst>
+          </p:cNvPr>
+          <p:cNvSpPr txBox="1"/>
+          <p:nvPr/>
+        </p:nvSpPr>
+        <p:spPr>
+          <a:xfrm>
+            <a:off x="1064125" y="204788"/>
+            <a:ext cx="1145043" cy="523220"/>
+          </a:xfrm>
+          <a:prstGeom prst="rect">
+            <a:avLst/>
+          </a:prstGeom>
+          <a:noFill/>
+        </p:spPr>
+        <p:txBody>
+          <a:bodyPr wrap="square" rtlCol="0">
+            <a:spAutoFit/>
+          </a:bodyPr>
+          <a:lstStyle/>
+          <a:p>
+            <a:r>
+              <a:rPr lang="en-US" sz="2800" dirty="0">
+                <a:solidFill>
+                  <a:srgbClr val="0070C0"/>
+                </a:solidFill>
+              </a:rPr>
+              <a:t>Client</a:t>
+            </a:r>
+          </a:p>
+        </p:txBody>
+      </p:sp>
+    </p:spTree>
+    <p:extLst>
+      <p:ext uri="{BB962C8B-B14F-4D97-AF65-F5344CB8AC3E}">
+        <p14:creationId xmlns:p14="http://schemas.microsoft.com/office/powerpoint/2010/main" val="641000716"/>
+      </p:ext>
+    </p:extLst>
+  </p:cSld>
+  <p:clrMapOvr>
+    <a:masterClrMapping/>
+  </p:clrMapOvr>
+</p:sld>
+</file>
+
+<file path=ppt/slides/slide5.xml><?xml version="1.0" encoding="utf-8"?>
+<p:sld xmlns:a="http://schemas.openxmlformats.org/drawingml/2006/main" xmlns:r="http://schemas.openxmlformats.org/officeDocument/2006/relationships" xmlns:p="http://schemas.openxmlformats.org/presentationml/2006/main">
+  <p:cSld>
+    <p:spTree>
+      <p:nvGrpSpPr>
+        <p:cNvPr id="1" name=""/>
+        <p:cNvGrpSpPr/>
+        <p:nvPr/>
+      </p:nvGrpSpPr>
+      <p:grpSpPr>
+        <a:xfrm>
+          <a:off x="0" y="0"/>
+          <a:ext cx="0" cy="0"/>
+          <a:chOff x="0" y="0"/>
+          <a:chExt cx="0" cy="0"/>
+        </a:xfrm>
+      </p:grpSpPr>
+      <p:sp>
+        <p:nvSpPr>
+          <p:cNvPr id="3" name="Date Placeholder 2">
+            <a:extLst>
+              <a:ext uri="{FF2B5EF4-FFF2-40B4-BE49-F238E27FC236}">
+                <a16:creationId xmlns:a16="http://schemas.microsoft.com/office/drawing/2014/main" id="{A44150DA-8E0F-4B13-8CF7-C5E3C61EBF5F}"/>
+              </a:ext>
+            </a:extLst>
+          </p:cNvPr>
+          <p:cNvSpPr>
+            <a:spLocks noGrp="1"/>
+          </p:cNvSpPr>
+          <p:nvPr>
+            <p:ph type="dt" sz="half" idx="10"/>
+          </p:nvPr>
+        </p:nvSpPr>
+        <p:spPr/>
+        <p:txBody>
+          <a:bodyPr/>
+          <a:lstStyle/>
+          <a:p>
+            <a:fld id="{E33A92ED-39B7-43E0-9A13-62D89F8F37CB}" type="datetime1">
+              <a:rPr lang="en-US" smtClean="0"/>
+              <a:t>8/12/2019</a:t>
+            </a:fld>
+            <a:endParaRPr lang="en-US" dirty="0"/>
+          </a:p>
+        </p:txBody>
+      </p:sp>
+      <p:pic>
+        <p:nvPicPr>
+          <p:cNvPr id="2050" name="Picture 2" descr="Image result for tin can telephone">
+            <a:extLst>
+              <a:ext uri="{FF2B5EF4-FFF2-40B4-BE49-F238E27FC236}">
+                <a16:creationId xmlns:a16="http://schemas.microsoft.com/office/drawing/2014/main" id="{75586066-78E9-487A-BA6D-41C047E6CF6B}"/>
+              </a:ext>
+            </a:extLst>
+          </p:cNvPr>
+          <p:cNvPicPr>
+            <a:picLocks noChangeAspect="1" noChangeArrowheads="1"/>
+          </p:cNvPicPr>
+          <p:nvPr/>
+        </p:nvPicPr>
+        <p:blipFill>
+          <a:blip r:embed="rId3">
+            <a:extLst>
+              <a:ext uri="{28A0092B-C50C-407E-A947-70E740481C1C}">
+                <a14:useLocalDpi xmlns:a14="http://schemas.microsoft.com/office/drawing/2010/main" val="0"/>
+              </a:ext>
+            </a:extLst>
+          </a:blip>
+          <a:srcRect/>
+          <a:stretch>
+            <a:fillRect/>
+          </a:stretch>
+        </p:blipFill>
+        <p:spPr bwMode="auto">
+          <a:xfrm>
+            <a:off x="176193" y="0"/>
+            <a:ext cx="7454900" cy="6858000"/>
+          </a:xfrm>
+          <a:prstGeom prst="rect">
+            <a:avLst/>
+          </a:prstGeom>
+          <a:noFill/>
+          <a:extLst>
+            <a:ext uri="{909E8E84-426E-40DD-AFC4-6F175D3DCCD1}">
+              <a14:hiddenFill xmlns:a14="http://schemas.microsoft.com/office/drawing/2010/main">
+                <a:solidFill>
+                  <a:srgbClr val="FFFFFF"/>
+                </a:solidFill>
+              </a14:hiddenFill>
+            </a:ext>
+          </a:extLst>
+        </p:spPr>
+      </p:pic>
+      <p:sp>
+        <p:nvSpPr>
+          <p:cNvPr id="5" name="TextBox 4">
+            <a:extLst>
+              <a:ext uri="{FF2B5EF4-FFF2-40B4-BE49-F238E27FC236}">
+                <a16:creationId xmlns:a16="http://schemas.microsoft.com/office/drawing/2014/main" id="{1E620B8F-0658-41B0-823F-9D79C2A5B171}"/>
+              </a:ext>
+            </a:extLst>
+          </p:cNvPr>
+          <p:cNvSpPr txBox="1"/>
+          <p:nvPr/>
+        </p:nvSpPr>
+        <p:spPr>
+          <a:xfrm>
+            <a:off x="5719407" y="187287"/>
+            <a:ext cx="1145043" cy="523220"/>
+          </a:xfrm>
+          <a:prstGeom prst="rect">
+            <a:avLst/>
+          </a:prstGeom>
+          <a:noFill/>
+        </p:spPr>
+        <p:txBody>
+          <a:bodyPr wrap="square" rtlCol="0">
+            <a:spAutoFit/>
+          </a:bodyPr>
+          <a:lstStyle/>
+          <a:p>
+            <a:r>
+              <a:rPr lang="en-US" sz="2800" dirty="0">
+                <a:solidFill>
+                  <a:srgbClr val="7030A0"/>
+                </a:solidFill>
+              </a:rPr>
+              <a:t>Server</a:t>
+            </a:r>
+          </a:p>
+        </p:txBody>
+      </p:sp>
+      <p:sp>
+        <p:nvSpPr>
+          <p:cNvPr id="7" name="TextBox 6">
+            <a:extLst>
+              <a:ext uri="{FF2B5EF4-FFF2-40B4-BE49-F238E27FC236}">
+                <a16:creationId xmlns:a16="http://schemas.microsoft.com/office/drawing/2014/main" id="{791F555B-BFCA-426F-BB1C-E67DD1CE35EE}"/>
+              </a:ext>
+            </a:extLst>
+          </p:cNvPr>
+          <p:cNvSpPr txBox="1"/>
+          <p:nvPr/>
+        </p:nvSpPr>
+        <p:spPr>
+          <a:xfrm>
+            <a:off x="1064125" y="204788"/>
+            <a:ext cx="1145043" cy="523220"/>
+          </a:xfrm>
+          <a:prstGeom prst="rect">
+            <a:avLst/>
+          </a:prstGeom>
+          <a:noFill/>
+        </p:spPr>
+        <p:txBody>
+          <a:bodyPr wrap="square" rtlCol="0">
+            <a:spAutoFit/>
+          </a:bodyPr>
+          <a:lstStyle/>
+          <a:p>
+            <a:r>
+              <a:rPr lang="en-US" sz="2800" dirty="0">
+                <a:solidFill>
+                  <a:srgbClr val="0070C0"/>
+                </a:solidFill>
+              </a:rPr>
+              <a:t>Client</a:t>
+            </a:r>
+          </a:p>
+        </p:txBody>
+      </p:sp>
+      <p:sp>
+        <p:nvSpPr>
+          <p:cNvPr id="6" name="TextBox 5">
+            <a:extLst>
+              <a:ext uri="{FF2B5EF4-FFF2-40B4-BE49-F238E27FC236}">
+                <a16:creationId xmlns:a16="http://schemas.microsoft.com/office/drawing/2014/main" id="{921FA5C4-4B58-4D8A-826A-EC7280DA2690}"/>
+              </a:ext>
+            </a:extLst>
+          </p:cNvPr>
+          <p:cNvSpPr txBox="1"/>
+          <p:nvPr/>
+        </p:nvSpPr>
+        <p:spPr>
+          <a:xfrm>
+            <a:off x="7859695" y="247018"/>
+            <a:ext cx="4156111" cy="1815882"/>
+          </a:xfrm>
+          <a:prstGeom prst="rect">
+            <a:avLst/>
+          </a:prstGeom>
+          <a:noFill/>
+        </p:spPr>
+        <p:txBody>
+          <a:bodyPr wrap="square" rtlCol="0">
+            <a:spAutoFit/>
+          </a:bodyPr>
+          <a:lstStyle/>
+          <a:p>
+            <a:r>
+              <a:rPr lang="en-US" sz="2800" dirty="0">
+                <a:solidFill>
+                  <a:srgbClr val="0070C0"/>
+                </a:solidFill>
+              </a:rPr>
+              <a:t>The Client (e.g., a browser or phone app) makes a </a:t>
+            </a:r>
+            <a:r>
+              <a:rPr lang="en-US" sz="2800" b="1" dirty="0">
+                <a:solidFill>
+                  <a:srgbClr val="0070C0"/>
+                </a:solidFill>
+              </a:rPr>
+              <a:t>GET</a:t>
+            </a:r>
+            <a:r>
+              <a:rPr lang="en-US" sz="2800" dirty="0">
+                <a:solidFill>
+                  <a:srgbClr val="0070C0"/>
+                </a:solidFill>
+              </a:rPr>
+              <a:t> request for the Google home page</a:t>
+            </a:r>
+          </a:p>
+        </p:txBody>
+      </p:sp>
+      <p:sp>
+        <p:nvSpPr>
+          <p:cNvPr id="8" name="TextBox 7">
+            <a:extLst>
+              <a:ext uri="{FF2B5EF4-FFF2-40B4-BE49-F238E27FC236}">
+                <a16:creationId xmlns:a16="http://schemas.microsoft.com/office/drawing/2014/main" id="{89BF2325-B0FA-4560-9F5B-D26876FD2929}"/>
+              </a:ext>
+            </a:extLst>
+          </p:cNvPr>
+          <p:cNvSpPr txBox="1"/>
+          <p:nvPr/>
+        </p:nvSpPr>
+        <p:spPr>
+          <a:xfrm>
+            <a:off x="7942978" y="2069331"/>
+            <a:ext cx="3646766" cy="1815882"/>
+          </a:xfrm>
+          <a:prstGeom prst="rect">
+            <a:avLst/>
+          </a:prstGeom>
+          <a:noFill/>
+        </p:spPr>
+        <p:txBody>
+          <a:bodyPr wrap="square" rtlCol="0">
+            <a:spAutoFit/>
+          </a:bodyPr>
+          <a:lstStyle/>
+          <a:p>
+            <a:r>
+              <a:rPr lang="en-US" sz="2800" dirty="0">
+                <a:solidFill>
+                  <a:srgbClr val="7030A0"/>
+                </a:solidFill>
+              </a:rPr>
+              <a:t>The Server (hosted at Google) receives the request and returns HTML</a:t>
+            </a:r>
+          </a:p>
+        </p:txBody>
+      </p:sp>
+      <p:sp>
+        <p:nvSpPr>
+          <p:cNvPr id="9" name="TextBox 8">
+            <a:extLst>
+              <a:ext uri="{FF2B5EF4-FFF2-40B4-BE49-F238E27FC236}">
+                <a16:creationId xmlns:a16="http://schemas.microsoft.com/office/drawing/2014/main" id="{D5643285-E886-47B5-A59C-A12A154108FD}"/>
+              </a:ext>
+            </a:extLst>
+          </p:cNvPr>
+          <p:cNvSpPr txBox="1"/>
+          <p:nvPr/>
+        </p:nvSpPr>
+        <p:spPr>
+          <a:xfrm>
+            <a:off x="7976029" y="3913797"/>
+            <a:ext cx="4156111" cy="954107"/>
+          </a:xfrm>
+          <a:prstGeom prst="rect">
+            <a:avLst/>
+          </a:prstGeom>
+          <a:noFill/>
+        </p:spPr>
+        <p:txBody>
+          <a:bodyPr wrap="square" rtlCol="0">
+            <a:spAutoFit/>
+          </a:bodyPr>
+          <a:lstStyle/>
+          <a:p>
+            <a:r>
+              <a:rPr lang="en-US" sz="2800" dirty="0">
+                <a:solidFill>
+                  <a:srgbClr val="0070C0"/>
+                </a:solidFill>
+              </a:rPr>
+              <a:t>The Client renders the HTML in her web browser</a:t>
+            </a:r>
+          </a:p>
+        </p:txBody>
+      </p:sp>
+      <p:pic>
+        <p:nvPicPr>
+          <p:cNvPr id="2" name="Picture 1">
+            <a:extLst>
+              <a:ext uri="{FF2B5EF4-FFF2-40B4-BE49-F238E27FC236}">
+                <a16:creationId xmlns:a16="http://schemas.microsoft.com/office/drawing/2014/main" id="{2575F1F5-B2CB-4811-AA15-BDE7AF0FDFAB}"/>
+              </a:ext>
+            </a:extLst>
+          </p:cNvPr>
+          <p:cNvPicPr>
+            <a:picLocks noChangeAspect="1"/>
+          </p:cNvPicPr>
+          <p:nvPr/>
+        </p:nvPicPr>
+        <p:blipFill>
+          <a:blip r:embed="rId4"/>
+          <a:stretch>
+            <a:fillRect/>
+          </a:stretch>
+        </p:blipFill>
+        <p:spPr>
+          <a:xfrm>
+            <a:off x="8094590" y="4896487"/>
+            <a:ext cx="3561256" cy="1862811"/>
+          </a:xfrm>
+          <a:prstGeom prst="rect">
+            <a:avLst/>
+          </a:prstGeom>
+        </p:spPr>
+      </p:pic>
+    </p:spTree>
+    <p:extLst>
+      <p:ext uri="{BB962C8B-B14F-4D97-AF65-F5344CB8AC3E}">
+        <p14:creationId xmlns:p14="http://schemas.microsoft.com/office/powerpoint/2010/main" val="444643419"/>
+      </p:ext>
+    </p:extLst>
+  </p:cSld>
+  <p:clrMapOvr>
+    <a:masterClrMapping/>
+  </p:clrMapOvr>
+</p:sld>
+</file>
+
+<file path=ppt/slides/slide6.xml><?xml version="1.0" encoding="utf-8"?>
+<p:sld xmlns:a="http://schemas.openxmlformats.org/drawingml/2006/main" xmlns:r="http://schemas.openxmlformats.org/officeDocument/2006/relationships" xmlns:p="http://schemas.openxmlformats.org/presentationml/2006/main">
+  <p:cSld>
+    <p:spTree>
+      <p:nvGrpSpPr>
+        <p:cNvPr id="1" name=""/>
+        <p:cNvGrpSpPr/>
+        <p:nvPr/>
+      </p:nvGrpSpPr>
+      <p:grpSpPr>
+        <a:xfrm>
+          <a:off x="0" y="0"/>
+          <a:ext cx="0" cy="0"/>
+          <a:chOff x="0" y="0"/>
+          <a:chExt cx="0" cy="0"/>
+        </a:xfrm>
+      </p:grpSpPr>
+      <p:sp>
+        <p:nvSpPr>
+          <p:cNvPr id="2" name="Text Placeholder 1">
+            <a:extLst>
+              <a:ext uri="{FF2B5EF4-FFF2-40B4-BE49-F238E27FC236}">
+                <a16:creationId xmlns:a16="http://schemas.microsoft.com/office/drawing/2014/main" id="{2F2678E9-E3C1-4476-A60C-CA391CC96B4D}"/>
+              </a:ext>
+            </a:extLst>
+          </p:cNvPr>
+          <p:cNvSpPr>
+            <a:spLocks noGrp="1"/>
+          </p:cNvSpPr>
+          <p:nvPr>
+            <p:ph type="body" sz="quarter" idx="4294967295"/>
+          </p:nvPr>
+        </p:nvSpPr>
+        <p:spPr>
+          <a:xfrm>
+            <a:off x="1177544" y="204788"/>
+            <a:ext cx="8940800" cy="5967412"/>
+          </a:xfrm>
+        </p:spPr>
+        <p:txBody>
+          <a:bodyPr>
+            <a:normAutofit/>
+          </a:bodyPr>
+          <a:lstStyle/>
+          <a:p>
+            <a:pPr marL="0" indent="0" algn="ctr">
+              <a:buNone/>
+            </a:pPr>
+            <a:r>
+              <a:rPr lang="en-US" sz="3200" b="1" u="sng" dirty="0"/>
+              <a:t>Client-Server Communication: GET Request</a:t>
+            </a:r>
+          </a:p>
+          <a:p>
+            <a:pPr marL="0" lvl="0" indent="0">
+              <a:buNone/>
+            </a:pPr>
+            <a:endParaRPr lang="en-US" dirty="0"/>
+          </a:p>
+          <a:p>
+            <a:pPr marL="0" lvl="0" indent="0">
+              <a:buNone/>
+            </a:pPr>
+            <a:endParaRPr lang="en-US" dirty="0"/>
+          </a:p>
+          <a:p>
+            <a:pPr marL="0" indent="0" algn="ctr">
+              <a:buNone/>
+            </a:pPr>
+            <a:endParaRPr lang="en-US" dirty="0"/>
+          </a:p>
+          <a:p>
+            <a:pPr marL="0" indent="0">
+              <a:buNone/>
+            </a:pPr>
+            <a:endParaRPr lang="en-US" dirty="0"/>
+          </a:p>
+        </p:txBody>
+      </p:sp>
+      <p:sp>
+        <p:nvSpPr>
+          <p:cNvPr id="3" name="Date Placeholder 2">
+            <a:extLst>
+              <a:ext uri="{FF2B5EF4-FFF2-40B4-BE49-F238E27FC236}">
+                <a16:creationId xmlns:a16="http://schemas.microsoft.com/office/drawing/2014/main" id="{5BC11C2B-FFFA-41DD-BAE8-D15D7261DDDD}"/>
+              </a:ext>
+            </a:extLst>
+          </p:cNvPr>
+          <p:cNvSpPr>
+            <a:spLocks noGrp="1"/>
+          </p:cNvSpPr>
+          <p:nvPr>
+            <p:ph type="dt" sz="half" idx="10"/>
+          </p:nvPr>
+        </p:nvSpPr>
+        <p:spPr/>
+        <p:txBody>
+          <a:bodyPr/>
+          <a:lstStyle/>
+          <a:p>
+            <a:pPr marL="0" marR="0" lvl="0" indent="0" algn="l" defTabSz="914400" rtl="0" eaLnBrk="1" fontAlgn="auto" latinLnBrk="0" hangingPunct="1">
+              <a:lnSpc>
+                <a:spcPct val="100000"/>
+              </a:lnSpc>
+              <a:spcBef>
+                <a:spcPts val="0"/>
+              </a:spcBef>
+              <a:spcAft>
+                <a:spcPts val="0"/>
+              </a:spcAft>
+              <a:buClrTx/>
+              <a:buSzTx/>
+              <a:buFontTx/>
+              <a:buNone/>
+              <a:tabLst/>
+              <a:defRPr/>
+            </a:pPr>
+            <a:fld id="{B2B0DBB4-B243-4953-B5EC-40AE2C4109DF}" type="datetime1">
+              <a:rPr kumimoji="0" lang="en-US" sz="1200" b="0" i="0" u="none" strike="noStrike" kern="1200" cap="none" spc="0" normalizeH="0" baseline="0" noProof="0" smtClean="0">
+                <a:ln>
+                  <a:noFill/>
+                </a:ln>
+                <a:solidFill>
+                  <a:srgbClr val="898989"/>
+                </a:solidFill>
+                <a:effectLst/>
+                <a:uLnTx/>
+                <a:uFillTx/>
+                <a:latin typeface="Calibri" panose="020F0502020204030204"/>
+                <a:ea typeface="+mn-ea"/>
+                <a:cs typeface="+mn-cs"/>
+              </a:rPr>
+              <a:t>8/12/2019</a:t>
             </a:fld>
             <a:endParaRPr kumimoji="0" lang="en-US" sz="1200" b="0" i="0" u="none" strike="noStrike" kern="1200" cap="none" spc="0" normalizeH="0" baseline="0" noProof="0" dirty="0">
               <a:ln>
@@ -10261,7 +10274,7 @@
           <a:p>
             <a:fld id="{E33A92ED-39B7-43E0-9A13-62D89F8F37CB}" type="datetime1">
               <a:rPr lang="en-US" smtClean="0"/>
-              <a:t>8/10/2019</a:t>
+              <a:t>8/12/2019</a:t>
             </a:fld>
             <a:endParaRPr lang="en-US" dirty="0"/>
           </a:p>
@@ -12451,10 +12464,8 @@
 </file>
 
 <file path=customXml/item36.xml><?xml version="1.0" encoding="utf-8"?>
-<EsriMapsInfo xmlns="ESRI.ArcGIS.Mapping.OfficeIntegration.PowerPointInfo">
-  <Version>Version1</Version>
-  <RequiresSignIn>False</RequiresSignIn>
-</EsriMapsInfo>
+<?mso-contentType ?>
+<SharedContentType xmlns="Microsoft.SharePoint.Taxonomy.ContentTypeSync" SourceId="29f62856-1543-49d4-a736-4569d363f533" ContentTypeId="0x0101" PreviousValue="false"/>
 </file>
 
 <file path=customXml/item37.xml><?xml version="1.0" encoding="utf-8"?>
@@ -12486,104 +12497,6 @@
 </file>
 
 <file path=customXml/item40.xml><?xml version="1.0" encoding="utf-8"?>
-<EsriMapsInfo xmlns="ESRI.ArcGIS.Mapping.OfficeIntegration.PowerPointInfo">
-  <Version>Version1</Version>
-  <RequiresSignIn>False</RequiresSignIn>
-</EsriMapsInfo>
-</file>
-
-<file path=customXml/item41.xml><?xml version="1.0" encoding="utf-8"?>
-<EsriMapsInfo xmlns="ESRI.ArcGIS.Mapping.OfficeIntegration.PowerPointInfo">
-  <Version>Version1</Version>
-  <RequiresSignIn>False</RequiresSignIn>
-</EsriMapsInfo>
-</file>
-
-<file path=customXml/item42.xml><?xml version="1.0" encoding="utf-8"?>
-<EsriMapsInfo xmlns="ESRI.ArcGIS.Mapping.OfficeIntegration.PowerPointInfo">
-  <Version>Version1</Version>
-  <RequiresSignIn>False</RequiresSignIn>
-</EsriMapsInfo>
-</file>
-
-<file path=customXml/item43.xml><?xml version="1.0" encoding="utf-8"?>
-<EsriMapsInfo xmlns="ESRI.ArcGIS.Mapping.OfficeIntegration.PowerPointInfo">
-  <Version>Version1</Version>
-  <RequiresSignIn>False</RequiresSignIn>
-</EsriMapsInfo>
-</file>
-
-<file path=customXml/item44.xml><?xml version="1.0" encoding="utf-8"?>
-<?mso-contentType ?>
-<FormTemplates xmlns="http://schemas.microsoft.com/sharepoint/v3/contenttype/forms">
-  <Display>DocumentLibraryForm</Display>
-  <Edit>DocumentLibraryForm</Edit>
-  <New>DocumentLibraryForm</New>
-</FormTemplates>
-</file>
-
-<file path=customXml/item45.xml><?xml version="1.0" encoding="utf-8"?>
-<EsriMapsInfo xmlns="ESRI.ArcGIS.Mapping.OfficeIntegration.PowerPointInfo">
-  <Version>Version1</Version>
-  <RequiresSignIn>False</RequiresSignIn>
-</EsriMapsInfo>
-</file>
-
-<file path=customXml/item46.xml><?xml version="1.0" encoding="utf-8"?>
-<?mso-contentType ?>
-<SharedContentType xmlns="Microsoft.SharePoint.Taxonomy.ContentTypeSync" SourceId="29f62856-1543-49d4-a736-4569d363f533" ContentTypeId="0x0101" PreviousValue="false"/>
-</file>
-
-<file path=customXml/item47.xml><?xml version="1.0" encoding="utf-8"?>
-<EsriMapsInfo xmlns="ESRI.ArcGIS.Mapping.OfficeIntegration.PowerPointInfo">
-  <Version>Version1</Version>
-  <RequiresSignIn>False</RequiresSignIn>
-</EsriMapsInfo>
-</file>
-
-<file path=customXml/item48.xml><?xml version="1.0" encoding="utf-8"?>
-<EsriMapsInfo xmlns="ESRI.ArcGIS.Mapping.OfficeIntegration.PowerPointInfo">
-  <Version>Version1</Version>
-  <RequiresSignIn>False</RequiresSignIn>
-</EsriMapsInfo>
-</file>
-
-<file path=customXml/item49.xml><?xml version="1.0" encoding="utf-8"?>
-<EsriMapsInfo xmlns="ESRI.ArcGIS.Mapping.OfficeIntegration.PowerPointInfo">
-  <Version>Version1</Version>
-  <RequiresSignIn>False</RequiresSignIn>
-</EsriMapsInfo>
-</file>
-
-<file path=customXml/item5.xml><?xml version="1.0" encoding="utf-8"?>
-<EsriMapsInfo xmlns="ESRI.ArcGIS.Mapping.OfficeIntegration.PowerPointInfo">
-  <Version>Version1</Version>
-  <RequiresSignIn>False</RequiresSignIn>
-</EsriMapsInfo>
-</file>
-
-<file path=customXml/item50.xml><?xml version="1.0" encoding="utf-8"?>
-<EsriMapsInfo xmlns="ESRI.ArcGIS.Mapping.OfficeIntegration.PowerPointInfo">
-  <Version>Version1</Version>
-  <RequiresSignIn>False</RequiresSignIn>
-</EsriMapsInfo>
-</file>
-
-<file path=customXml/item51.xml><?xml version="1.0" encoding="utf-8"?>
-<EsriMapsInfo xmlns="ESRI.ArcGIS.Mapping.OfficeIntegration.PowerPointInfo">
-  <Version>Version1</Version>
-  <RequiresSignIn>False</RequiresSignIn>
-</EsriMapsInfo>
-</file>
-
-<file path=customXml/item52.xml><?xml version="1.0" encoding="utf-8"?>
-<EsriMapsInfo xmlns="ESRI.ArcGIS.Mapping.OfficeIntegration.PowerPointInfo">
-  <Version>Version1</Version>
-  <RequiresSignIn>False</RequiresSignIn>
-</EsriMapsInfo>
-</file>
-
-<file path=customXml/item6.xml><?xml version="1.0" encoding="utf-8"?>
 <ct:contentTypeSchema xmlns:ct="http://schemas.microsoft.com/office/2006/metadata/contentType" xmlns:ma="http://schemas.microsoft.com/office/2006/metadata/properties/metaAttributes" ct:_="" ma:_="" ma:contentTypeName="Document" ma:contentTypeID="0x0101004AE54CC07E52894D89429AA2FDCC16F7" ma:contentTypeVersion="30" ma:contentTypeDescription="Create a new document." ma:contentTypeScope="" ma:versionID="7d03eb2ce2acab2a410e76e2ec0cd8c9">
   <xsd:schema xmlns:xsd="http://www.w3.org/2001/XMLSchema" xmlns:xs="http://www.w3.org/2001/XMLSchema" xmlns:p="http://schemas.microsoft.com/office/2006/metadata/properties" xmlns:ns1="http://schemas.microsoft.com/sharepoint/v3" xmlns:ns3="4ffa91fb-a0ff-4ac5-b2db-65c790d184a4" xmlns:ns4="http://schemas.microsoft.com/sharepoint.v3" xmlns:ns5="http://schemas.microsoft.com/sharepoint/v3/fields" xmlns:ns6="f15e4d92-675c-4df7-a5c5-11f59c7da362" xmlns:ns7="4e691331-7ba7-4027-8afd-931a3c776f88" targetNamespace="http://schemas.microsoft.com/office/2006/metadata/properties" ma:root="true" ma:fieldsID="047cac17249e267ef3f746836ccdd37a" ns1:_="" ns3:_="" ns4:_="" ns5:_="" ns6:_="" ns7:_="">
     <xsd:import namespace="http://schemas.microsoft.com/sharepoint/v3"/>
@@ -12986,6 +12899,106 @@
 </ct:contentTypeSchema>
 </file>
 
+<file path=customXml/item41.xml><?xml version="1.0" encoding="utf-8"?>
+<EsriMapsInfo xmlns="ESRI.ArcGIS.Mapping.OfficeIntegration.PowerPointInfo">
+  <Version>Version1</Version>
+  <RequiresSignIn>False</RequiresSignIn>
+</EsriMapsInfo>
+</file>
+
+<file path=customXml/item42.xml><?xml version="1.0" encoding="utf-8"?>
+<EsriMapsInfo xmlns="ESRI.ArcGIS.Mapping.OfficeIntegration.PowerPointInfo">
+  <Version>Version1</Version>
+  <RequiresSignIn>False</RequiresSignIn>
+</EsriMapsInfo>
+</file>
+
+<file path=customXml/item43.xml><?xml version="1.0" encoding="utf-8"?>
+<EsriMapsInfo xmlns="ESRI.ArcGIS.Mapping.OfficeIntegration.PowerPointInfo">
+  <Version>Version1</Version>
+  <RequiresSignIn>False</RequiresSignIn>
+</EsriMapsInfo>
+</file>
+
+<file path=customXml/item44.xml><?xml version="1.0" encoding="utf-8"?>
+<EsriMapsInfo xmlns="ESRI.ArcGIS.Mapping.OfficeIntegration.PowerPointInfo">
+  <Version>Version1</Version>
+  <RequiresSignIn>False</RequiresSignIn>
+</EsriMapsInfo>
+</file>
+
+<file path=customXml/item45.xml><?xml version="1.0" encoding="utf-8"?>
+<EsriMapsInfo xmlns="ESRI.ArcGIS.Mapping.OfficeIntegration.PowerPointInfo">
+  <Version>Version1</Version>
+  <RequiresSignIn>False</RequiresSignIn>
+</EsriMapsInfo>
+</file>
+
+<file path=customXml/item46.xml><?xml version="1.0" encoding="utf-8"?>
+<EsriMapsInfo xmlns="ESRI.ArcGIS.Mapping.OfficeIntegration.PowerPointInfo">
+  <Version>Version1</Version>
+  <RequiresSignIn>False</RequiresSignIn>
+</EsriMapsInfo>
+</file>
+
+<file path=customXml/item47.xml><?xml version="1.0" encoding="utf-8"?>
+<EsriMapsInfo xmlns="ESRI.ArcGIS.Mapping.OfficeIntegration.PowerPointInfo">
+  <Version>Version1</Version>
+  <RequiresSignIn>False</RequiresSignIn>
+</EsriMapsInfo>
+</file>
+
+<file path=customXml/item48.xml><?xml version="1.0" encoding="utf-8"?>
+<?mso-contentType ?>
+<FormTemplates xmlns="http://schemas.microsoft.com/sharepoint/v3/contenttype/forms">
+  <Display>DocumentLibraryForm</Display>
+  <Edit>DocumentLibraryForm</Edit>
+  <New>DocumentLibraryForm</New>
+</FormTemplates>
+</file>
+
+<file path=customXml/item49.xml><?xml version="1.0" encoding="utf-8"?>
+<EsriMapsInfo xmlns="ESRI.ArcGIS.Mapping.OfficeIntegration.PowerPointInfo">
+  <Version>Version1</Version>
+  <RequiresSignIn>False</RequiresSignIn>
+</EsriMapsInfo>
+</file>
+
+<file path=customXml/item5.xml><?xml version="1.0" encoding="utf-8"?>
+<EsriMapsInfo xmlns="ESRI.ArcGIS.Mapping.OfficeIntegration.PowerPointInfo">
+  <Version>Version1</Version>
+  <RequiresSignIn>False</RequiresSignIn>
+</EsriMapsInfo>
+</file>
+
+<file path=customXml/item50.xml><?xml version="1.0" encoding="utf-8"?>
+<EsriMapsInfo xmlns="ESRI.ArcGIS.Mapping.OfficeIntegration.PowerPointInfo">
+  <Version>Version1</Version>
+  <RequiresSignIn>False</RequiresSignIn>
+</EsriMapsInfo>
+</file>
+
+<file path=customXml/item51.xml><?xml version="1.0" encoding="utf-8"?>
+<EsriMapsInfo xmlns="ESRI.ArcGIS.Mapping.OfficeIntegration.PowerPointInfo">
+  <Version>Version1</Version>
+  <RequiresSignIn>False</RequiresSignIn>
+</EsriMapsInfo>
+</file>
+
+<file path=customXml/item52.xml><?xml version="1.0" encoding="utf-8"?>
+<EsriMapsInfo xmlns="ESRI.ArcGIS.Mapping.OfficeIntegration.PowerPointInfo">
+  <Version>Version1</Version>
+  <RequiresSignIn>False</RequiresSignIn>
+</EsriMapsInfo>
+</file>
+
+<file path=customXml/item6.xml><?xml version="1.0" encoding="utf-8"?>
+<EsriMapsInfo xmlns="ESRI.ArcGIS.Mapping.OfficeIntegration.PowerPointInfo">
+  <Version>Version1</Version>
+  <RequiresSignIn>False</RequiresSignIn>
+</EsriMapsInfo>
+</file>
+
 <file path=customXml/item7.xml><?xml version="1.0" encoding="utf-8"?>
 <p:properties xmlns:p="http://schemas.microsoft.com/office/2006/metadata/properties" xmlns:xsi="http://www.w3.org/2001/XMLSchema-instance" xmlns:pc="http://schemas.microsoft.com/office/infopath/2007/PartnerControls">
   <documentManagement>
@@ -13042,7 +13055,7 @@
 </file>
 
 <file path=customXml/itemProps1.xml><?xml version="1.0" encoding="utf-8"?>
-<ds:datastoreItem xmlns:ds="http://schemas.openxmlformats.org/officeDocument/2006/customXml" ds:itemID="{1F82823B-7CB9-41B7-BDD4-ECCA15C48F29}">
+<ds:datastoreItem xmlns:ds="http://schemas.openxmlformats.org/officeDocument/2006/customXml" ds:itemID="{9E005C61-6D4F-4840-81D9-2B34A31696D8}">
   <ds:schemaRefs>
     <ds:schemaRef ds:uri="ESRI.ArcGIS.Mapping.OfficeIntegration.PowerPointInfo"/>
   </ds:schemaRefs>
@@ -13050,7 +13063,7 @@
 </file>
 
 <file path=customXml/itemProps10.xml><?xml version="1.0" encoding="utf-8"?>
-<ds:datastoreItem xmlns:ds="http://schemas.openxmlformats.org/officeDocument/2006/customXml" ds:itemID="{75DBAF60-D38A-4AC3-AF3A-6BFDCEE991A2}">
+<ds:datastoreItem xmlns:ds="http://schemas.openxmlformats.org/officeDocument/2006/customXml" ds:itemID="{3AB853FC-54A1-425A-9404-1A047547D128}">
   <ds:schemaRefs>
     <ds:schemaRef ds:uri="ESRI.ArcGIS.Mapping.OfficeIntegration.PowerPointInfo"/>
   </ds:schemaRefs>
@@ -13066,7 +13079,7 @@
 </file>
 
 <file path=customXml/itemProps12.xml><?xml version="1.0" encoding="utf-8"?>
-<ds:datastoreItem xmlns:ds="http://schemas.openxmlformats.org/officeDocument/2006/customXml" ds:itemID="{240B67AC-EC38-4B53-A853-388835BCBFB4}">
+<ds:datastoreItem xmlns:ds="http://schemas.openxmlformats.org/officeDocument/2006/customXml" ds:itemID="{449A173A-EC42-4B5A-BADB-7DA1C1AE8F75}">
   <ds:schemaRefs>
     <ds:schemaRef ds:uri="ESRI.ArcGIS.Mapping.OfficeIntegration.PowerPointInfo"/>
   </ds:schemaRefs>
@@ -13074,7 +13087,7 @@
 </file>
 
 <file path=customXml/itemProps13.xml><?xml version="1.0" encoding="utf-8"?>
-<ds:datastoreItem xmlns:ds="http://schemas.openxmlformats.org/officeDocument/2006/customXml" ds:itemID="{80661F80-A720-490A-8579-8CFF02707809}">
+<ds:datastoreItem xmlns:ds="http://schemas.openxmlformats.org/officeDocument/2006/customXml" ds:itemID="{484D4354-9D5F-4020-A670-DB09A77A5CE5}">
   <ds:schemaRefs>
     <ds:schemaRef ds:uri="ESRI.ArcGIS.Mapping.OfficeIntegration.PowerPointInfo"/>
   </ds:schemaRefs>
@@ -13082,7 +13095,7 @@
 </file>
 
 <file path=customXml/itemProps14.xml><?xml version="1.0" encoding="utf-8"?>
-<ds:datastoreItem xmlns:ds="http://schemas.openxmlformats.org/officeDocument/2006/customXml" ds:itemID="{2A7ABDF2-B40B-4FCE-8FF4-A597FD3F09BE}">
+<ds:datastoreItem xmlns:ds="http://schemas.openxmlformats.org/officeDocument/2006/customXml" ds:itemID="{A36031B6-1808-49F2-A9F5-2CC833DAD633}">
   <ds:schemaRefs>
     <ds:schemaRef ds:uri="ESRI.ArcGIS.Mapping.OfficeIntegration.PowerPointInfo"/>
   </ds:schemaRefs>
@@ -13090,7 +13103,7 @@
 </file>
 
 <file path=customXml/itemProps15.xml><?xml version="1.0" encoding="utf-8"?>
-<ds:datastoreItem xmlns:ds="http://schemas.openxmlformats.org/officeDocument/2006/customXml" ds:itemID="{21D12882-6AD3-4747-882D-7BBD093D28D7}">
+<ds:datastoreItem xmlns:ds="http://schemas.openxmlformats.org/officeDocument/2006/customXml" ds:itemID="{E973F0EB-93BB-43FC-96EF-9CC50705FFF2}">
   <ds:schemaRefs>
     <ds:schemaRef ds:uri="ESRI.ArcGIS.Mapping.OfficeIntegration.PowerPointInfo"/>
   </ds:schemaRefs>
@@ -13098,7 +13111,7 @@
 </file>
 
 <file path=customXml/itemProps16.xml><?xml version="1.0" encoding="utf-8"?>
-<ds:datastoreItem xmlns:ds="http://schemas.openxmlformats.org/officeDocument/2006/customXml" ds:itemID="{737B3BD6-67F0-4B39-8394-38B7CB4C93D1}">
+<ds:datastoreItem xmlns:ds="http://schemas.openxmlformats.org/officeDocument/2006/customXml" ds:itemID="{2EADD250-38B7-4521-96E1-23E821AD8C8D}">
   <ds:schemaRefs>
     <ds:schemaRef ds:uri="ESRI.ArcGIS.Mapping.OfficeIntegration.PowerPointInfo"/>
   </ds:schemaRefs>
@@ -13106,7 +13119,7 @@
 </file>
 
 <file path=customXml/itemProps17.xml><?xml version="1.0" encoding="utf-8"?>
-<ds:datastoreItem xmlns:ds="http://schemas.openxmlformats.org/officeDocument/2006/customXml" ds:itemID="{073AC0BB-7527-47DD-90CE-C251DB71B173}">
+<ds:datastoreItem xmlns:ds="http://schemas.openxmlformats.org/officeDocument/2006/customXml" ds:itemID="{45B3B53F-F5A2-457B-8140-D13FCF88C6FD}">
   <ds:schemaRefs>
     <ds:schemaRef ds:uri="ESRI.ArcGIS.Mapping.OfficeIntegration.PowerPointInfo"/>
   </ds:schemaRefs>
@@ -13114,14 +13127,6 @@
 </file>
 
 <file path=customXml/itemProps18.xml><?xml version="1.0" encoding="utf-8"?>
-<ds:datastoreItem xmlns:ds="http://schemas.openxmlformats.org/officeDocument/2006/customXml" ds:itemID="{6D4D6189-12F5-4098-8D85-483064C1C542}">
-  <ds:schemaRefs>
-    <ds:schemaRef ds:uri="ESRI.ArcGIS.Mapping.OfficeIntegration.PowerPointInfo"/>
-  </ds:schemaRefs>
-</ds:datastoreItem>
-</file>
-
-<file path=customXml/itemProps19.xml><?xml version="1.0" encoding="utf-8"?>
 <ds:datastoreItem xmlns:ds="http://schemas.openxmlformats.org/officeDocument/2006/customXml" ds:itemID="{E7609BB4-DED3-4D42-80BB-69DF2E0AC2CA}">
   <ds:schemaRefs>
     <ds:schemaRef ds:uri="ESRI.ArcGIS.Mapping.OfficeIntegration.PowerPointInfo"/>
@@ -13129,24 +13134,32 @@
 </ds:datastoreItem>
 </file>
 
-<file path=customXml/itemProps2.xml><?xml version="1.0" encoding="utf-8"?>
-<ds:datastoreItem xmlns:ds="http://schemas.openxmlformats.org/officeDocument/2006/customXml" ds:itemID="{B419B9E4-B222-4812-A752-9643E727C9E3}">
+<file path=customXml/itemProps19.xml><?xml version="1.0" encoding="utf-8"?>
+<ds:datastoreItem xmlns:ds="http://schemas.openxmlformats.org/officeDocument/2006/customXml" ds:itemID="{CB202D2A-2066-441A-9BC9-7C2958BEDFC1}">
   <ds:schemaRefs>
     <ds:schemaRef ds:uri="ESRI.ArcGIS.Mapping.OfficeIntegration.PowerPointInfo"/>
   </ds:schemaRefs>
 </ds:datastoreItem>
 </file>
 
-<file path=customXml/itemProps20.xml><?xml version="1.0" encoding="utf-8"?>
-<ds:datastoreItem xmlns:ds="http://schemas.openxmlformats.org/officeDocument/2006/customXml" ds:itemID="{A5124261-ECD9-4301-918A-BA12FB0B2C78}">
+<file path=customXml/itemProps2.xml><?xml version="1.0" encoding="utf-8"?>
+<ds:datastoreItem xmlns:ds="http://schemas.openxmlformats.org/officeDocument/2006/customXml" ds:itemID="{853F4F2F-FA6B-4401-B9A1-351FC03CBD2C}">
   <ds:schemaRefs>
     <ds:schemaRef ds:uri="ESRI.ArcGIS.Mapping.OfficeIntegration.PowerPointInfo"/>
   </ds:schemaRefs>
 </ds:datastoreItem>
 </file>
 
+<file path=customXml/itemProps20.xml><?xml version="1.0" encoding="utf-8"?>
+<ds:datastoreItem xmlns:ds="http://schemas.openxmlformats.org/officeDocument/2006/customXml" ds:itemID="{5C16D191-E0EE-4F21-968F-1C25B2FD7917}">
+  <ds:schemaRefs>
+    <ds:schemaRef ds:uri="ESRI.ArcGIS.Mapping.OfficeIntegration.PowerPointInfo"/>
+  </ds:schemaRefs>
+</ds:datastoreItem>
+</file>
+
 <file path=customXml/itemProps21.xml><?xml version="1.0" encoding="utf-8"?>
-<ds:datastoreItem xmlns:ds="http://schemas.openxmlformats.org/officeDocument/2006/customXml" ds:itemID="{853F4F2F-FA6B-4401-B9A1-351FC03CBD2C}">
+<ds:datastoreItem xmlns:ds="http://schemas.openxmlformats.org/officeDocument/2006/customXml" ds:itemID="{2A7ABDF2-B40B-4FCE-8FF4-A597FD3F09BE}">
   <ds:schemaRefs>
     <ds:schemaRef ds:uri="ESRI.ArcGIS.Mapping.OfficeIntegration.PowerPointInfo"/>
   </ds:schemaRefs>
@@ -13162,7 +13175,7 @@
 </file>
 
 <file path=customXml/itemProps23.xml><?xml version="1.0" encoding="utf-8"?>
-<ds:datastoreItem xmlns:ds="http://schemas.openxmlformats.org/officeDocument/2006/customXml" ds:itemID="{4EB1F0BB-F980-42FE-9521-1A03E3966E07}">
+<ds:datastoreItem xmlns:ds="http://schemas.openxmlformats.org/officeDocument/2006/customXml" ds:itemID="{AEC4B914-303B-4AD7-B3D4-48377F453DA3}">
   <ds:schemaRefs>
     <ds:schemaRef ds:uri="ESRI.ArcGIS.Mapping.OfficeIntegration.PowerPointInfo"/>
   </ds:schemaRefs>
@@ -13170,7 +13183,7 @@
 </file>
 
 <file path=customXml/itemProps24.xml><?xml version="1.0" encoding="utf-8"?>
-<ds:datastoreItem xmlns:ds="http://schemas.openxmlformats.org/officeDocument/2006/customXml" ds:itemID="{449A173A-EC42-4B5A-BADB-7DA1C1AE8F75}">
+<ds:datastoreItem xmlns:ds="http://schemas.openxmlformats.org/officeDocument/2006/customXml" ds:itemID="{2D7A546A-4A58-4ACB-B956-BD2EB585F135}">
   <ds:schemaRefs>
     <ds:schemaRef ds:uri="ESRI.ArcGIS.Mapping.OfficeIntegration.PowerPointInfo"/>
   </ds:schemaRefs>
@@ -13178,6 +13191,78 @@
 </file>
 
 <file path=customXml/itemProps25.xml><?xml version="1.0" encoding="utf-8"?>
+<ds:datastoreItem xmlns:ds="http://schemas.openxmlformats.org/officeDocument/2006/customXml" ds:itemID="{35F8D79E-2649-4FC2-8C80-6A3F8E88F2DB}">
+  <ds:schemaRefs>
+    <ds:schemaRef ds:uri="ESRI.ArcGIS.Mapping.OfficeIntegration.PowerPointInfo"/>
+  </ds:schemaRefs>
+</ds:datastoreItem>
+</file>
+
+<file path=customXml/itemProps26.xml><?xml version="1.0" encoding="utf-8"?>
+<ds:datastoreItem xmlns:ds="http://schemas.openxmlformats.org/officeDocument/2006/customXml" ds:itemID="{DEE4CDC1-253A-4671-8E62-89F84F42D54A}">
+  <ds:schemaRefs>
+    <ds:schemaRef ds:uri="ESRI.ArcGIS.Mapping.OfficeIntegration.PowerPointInfo"/>
+  </ds:schemaRefs>
+</ds:datastoreItem>
+</file>
+
+<file path=customXml/itemProps27.xml><?xml version="1.0" encoding="utf-8"?>
+<ds:datastoreItem xmlns:ds="http://schemas.openxmlformats.org/officeDocument/2006/customXml" ds:itemID="{1F1F6CE4-83BA-4471-A58D-0AD53AED5300}">
+  <ds:schemaRefs>
+    <ds:schemaRef ds:uri="ESRI.ArcGIS.Mapping.OfficeIntegration.PowerPointInfo"/>
+  </ds:schemaRefs>
+</ds:datastoreItem>
+</file>
+
+<file path=customXml/itemProps28.xml><?xml version="1.0" encoding="utf-8"?>
+<ds:datastoreItem xmlns:ds="http://schemas.openxmlformats.org/officeDocument/2006/customXml" ds:itemID="{B056B3E2-413A-4BB4-94DD-C3B2DE8A1B16}">
+  <ds:schemaRefs>
+    <ds:schemaRef ds:uri="ESRI.ArcGIS.Mapping.OfficeIntegration.PowerPointInfo"/>
+  </ds:schemaRefs>
+</ds:datastoreItem>
+</file>
+
+<file path=customXml/itemProps29.xml><?xml version="1.0" encoding="utf-8"?>
+<ds:datastoreItem xmlns:ds="http://schemas.openxmlformats.org/officeDocument/2006/customXml" ds:itemID="{AFC95C12-56EA-47D3-8C06-ED5671FD0A89}">
+  <ds:schemaRefs>
+    <ds:schemaRef ds:uri="ESRI.ArcGIS.Mapping.OfficeIntegration.PowerPointInfo"/>
+  </ds:schemaRefs>
+</ds:datastoreItem>
+</file>
+
+<file path=customXml/itemProps3.xml><?xml version="1.0" encoding="utf-8"?>
+<ds:datastoreItem xmlns:ds="http://schemas.openxmlformats.org/officeDocument/2006/customXml" ds:itemID="{B8BBF979-C1F3-437B-8CFE-C8975FB54A00}">
+  <ds:schemaRefs>
+    <ds:schemaRef ds:uri="ESRI.ArcGIS.Mapping.OfficeIntegration.PowerPointInfo"/>
+  </ds:schemaRefs>
+</ds:datastoreItem>
+</file>
+
+<file path=customXml/itemProps30.xml><?xml version="1.0" encoding="utf-8"?>
+<ds:datastoreItem xmlns:ds="http://schemas.openxmlformats.org/officeDocument/2006/customXml" ds:itemID="{92359E01-3ED8-4EAF-B92E-325A585B9422}">
+  <ds:schemaRefs>
+    <ds:schemaRef ds:uri="ESRI.ArcGIS.Mapping.OfficeIntegration.PowerPointInfo"/>
+  </ds:schemaRefs>
+</ds:datastoreItem>
+</file>
+
+<file path=customXml/itemProps31.xml><?xml version="1.0" encoding="utf-8"?>
+<ds:datastoreItem xmlns:ds="http://schemas.openxmlformats.org/officeDocument/2006/customXml" ds:itemID="{240B67AC-EC38-4B53-A853-388835BCBFB4}">
+  <ds:schemaRefs>
+    <ds:schemaRef ds:uri="ESRI.ArcGIS.Mapping.OfficeIntegration.PowerPointInfo"/>
+  </ds:schemaRefs>
+</ds:datastoreItem>
+</file>
+
+<file path=customXml/itemProps32.xml><?xml version="1.0" encoding="utf-8"?>
+<ds:datastoreItem xmlns:ds="http://schemas.openxmlformats.org/officeDocument/2006/customXml" ds:itemID="{073AC0BB-7527-47DD-90CE-C251DB71B173}">
+  <ds:schemaRefs>
+    <ds:schemaRef ds:uri="ESRI.ArcGIS.Mapping.OfficeIntegration.PowerPointInfo"/>
+  </ds:schemaRefs>
+</ds:datastoreItem>
+</file>
+
+<file path=customXml/itemProps33.xml><?xml version="1.0" encoding="utf-8"?>
 <ds:datastoreItem xmlns:ds="http://schemas.openxmlformats.org/officeDocument/2006/customXml" ds:itemID="{A072E911-3CE1-41A2-AD8E-1A4C43835EAA}">
   <ds:schemaRefs>
     <ds:schemaRef ds:uri="ESRI.ArcGIS.Mapping.OfficeIntegration.PowerPointInfo"/>
@@ -13185,71 +13270,7 @@
 </ds:datastoreItem>
 </file>
 
-<file path=customXml/itemProps26.xml><?xml version="1.0" encoding="utf-8"?>
-<ds:datastoreItem xmlns:ds="http://schemas.openxmlformats.org/officeDocument/2006/customXml" ds:itemID="{DDBB028C-D4EB-47C7-8EDE-DC26677F539D}">
-  <ds:schemaRefs>
-    <ds:schemaRef ds:uri="ESRI.ArcGIS.Mapping.OfficeIntegration.PowerPointInfo"/>
-  </ds:schemaRefs>
-</ds:datastoreItem>
-</file>
-
-<file path=customXml/itemProps27.xml><?xml version="1.0" encoding="utf-8"?>
-<ds:datastoreItem xmlns:ds="http://schemas.openxmlformats.org/officeDocument/2006/customXml" ds:itemID="{AEC4B914-303B-4AD7-B3D4-48377F453DA3}">
-  <ds:schemaRefs>
-    <ds:schemaRef ds:uri="ESRI.ArcGIS.Mapping.OfficeIntegration.PowerPointInfo"/>
-  </ds:schemaRefs>
-</ds:datastoreItem>
-</file>
-
-<file path=customXml/itemProps28.xml><?xml version="1.0" encoding="utf-8"?>
-<ds:datastoreItem xmlns:ds="http://schemas.openxmlformats.org/officeDocument/2006/customXml" ds:itemID="{4D7CC5B8-97AA-4B11-8937-72075C7BEA37}">
-  <ds:schemaRefs>
-    <ds:schemaRef ds:uri="ESRI.ArcGIS.Mapping.OfficeIntegration.PowerPointInfo"/>
-  </ds:schemaRefs>
-</ds:datastoreItem>
-</file>
-
-<file path=customXml/itemProps29.xml><?xml version="1.0" encoding="utf-8"?>
-<ds:datastoreItem xmlns:ds="http://schemas.openxmlformats.org/officeDocument/2006/customXml" ds:itemID="{3AB853FC-54A1-425A-9404-1A047547D128}">
-  <ds:schemaRefs>
-    <ds:schemaRef ds:uri="ESRI.ArcGIS.Mapping.OfficeIntegration.PowerPointInfo"/>
-  </ds:schemaRefs>
-</ds:datastoreItem>
-</file>
-
-<file path=customXml/itemProps3.xml><?xml version="1.0" encoding="utf-8"?>
-<ds:datastoreItem xmlns:ds="http://schemas.openxmlformats.org/officeDocument/2006/customXml" ds:itemID="{92359E01-3ED8-4EAF-B92E-325A585B9422}">
-  <ds:schemaRefs>
-    <ds:schemaRef ds:uri="ESRI.ArcGIS.Mapping.OfficeIntegration.PowerPointInfo"/>
-  </ds:schemaRefs>
-</ds:datastoreItem>
-</file>
-
-<file path=customXml/itemProps30.xml><?xml version="1.0" encoding="utf-8"?>
-<ds:datastoreItem xmlns:ds="http://schemas.openxmlformats.org/officeDocument/2006/customXml" ds:itemID="{2D7A546A-4A58-4ACB-B956-BD2EB585F135}">
-  <ds:schemaRefs>
-    <ds:schemaRef ds:uri="ESRI.ArcGIS.Mapping.OfficeIntegration.PowerPointInfo"/>
-  </ds:schemaRefs>
-</ds:datastoreItem>
-</file>
-
-<file path=customXml/itemProps31.xml><?xml version="1.0" encoding="utf-8"?>
-<ds:datastoreItem xmlns:ds="http://schemas.openxmlformats.org/officeDocument/2006/customXml" ds:itemID="{BDD5A017-32AD-469A-93EF-B361D8834774}">
-  <ds:schemaRefs>
-    <ds:schemaRef ds:uri="ESRI.ArcGIS.Mapping.OfficeIntegration.PowerPointInfo"/>
-  </ds:schemaRefs>
-</ds:datastoreItem>
-</file>
-
-<file path=customXml/itemProps32.xml><?xml version="1.0" encoding="utf-8"?>
-<ds:datastoreItem xmlns:ds="http://schemas.openxmlformats.org/officeDocument/2006/customXml" ds:itemID="{484D4354-9D5F-4020-A670-DB09A77A5CE5}">
-  <ds:schemaRefs>
-    <ds:schemaRef ds:uri="ESRI.ArcGIS.Mapping.OfficeIntegration.PowerPointInfo"/>
-  </ds:schemaRefs>
-</ds:datastoreItem>
-</file>
-
-<file path=customXml/itemProps33.xml><?xml version="1.0" encoding="utf-8"?>
+<file path=customXml/itemProps34.xml><?xml version="1.0" encoding="utf-8"?>
 <ds:datastoreItem xmlns:ds="http://schemas.openxmlformats.org/officeDocument/2006/customXml" ds:itemID="{4DA03774-F478-4AF7-B246-4DB2E166E664}">
   <ds:schemaRefs>
     <ds:schemaRef ds:uri="ESRI.ArcGIS.Mapping.OfficeIntegration.PowerPointInfo"/>
@@ -13257,39 +13278,7 @@
 </ds:datastoreItem>
 </file>
 
-<file path=customXml/itemProps34.xml><?xml version="1.0" encoding="utf-8"?>
-<ds:datastoreItem xmlns:ds="http://schemas.openxmlformats.org/officeDocument/2006/customXml" ds:itemID="{B8BBF979-C1F3-437B-8CFE-C8975FB54A00}">
-  <ds:schemaRefs>
-    <ds:schemaRef ds:uri="ESRI.ArcGIS.Mapping.OfficeIntegration.PowerPointInfo"/>
-  </ds:schemaRefs>
-</ds:datastoreItem>
-</file>
-
 <file path=customXml/itemProps35.xml><?xml version="1.0" encoding="utf-8"?>
-<ds:datastoreItem xmlns:ds="http://schemas.openxmlformats.org/officeDocument/2006/customXml" ds:itemID="{35F8D79E-2649-4FC2-8C80-6A3F8E88F2DB}">
-  <ds:schemaRefs>
-    <ds:schemaRef ds:uri="ESRI.ArcGIS.Mapping.OfficeIntegration.PowerPointInfo"/>
-  </ds:schemaRefs>
-</ds:datastoreItem>
-</file>
-
-<file path=customXml/itemProps36.xml><?xml version="1.0" encoding="utf-8"?>
-<ds:datastoreItem xmlns:ds="http://schemas.openxmlformats.org/officeDocument/2006/customXml" ds:itemID="{660B78C1-CFAB-4010-BD46-690F159D7BE2}">
-  <ds:schemaRefs>
-    <ds:schemaRef ds:uri="ESRI.ArcGIS.Mapping.OfficeIntegration.PowerPointInfo"/>
-  </ds:schemaRefs>
-</ds:datastoreItem>
-</file>
-
-<file path=customXml/itemProps37.xml><?xml version="1.0" encoding="utf-8"?>
-<ds:datastoreItem xmlns:ds="http://schemas.openxmlformats.org/officeDocument/2006/customXml" ds:itemID="{A36031B6-1808-49F2-A9F5-2CC833DAD633}">
-  <ds:schemaRefs>
-    <ds:schemaRef ds:uri="ESRI.ArcGIS.Mapping.OfficeIntegration.PowerPointInfo"/>
-  </ds:schemaRefs>
-</ds:datastoreItem>
-</file>
-
-<file path=customXml/itemProps38.xml><?xml version="1.0" encoding="utf-8"?>
 <ds:datastoreItem xmlns:ds="http://schemas.openxmlformats.org/officeDocument/2006/customXml" ds:itemID="{4A1960BD-FC00-4FA4-A87D-DF7E3C30778A}">
   <ds:schemaRefs>
     <ds:schemaRef ds:uri="ESRI.ArcGIS.Mapping.OfficeIntegration.PowerPointInfo"/>
@@ -13297,31 +13286,23 @@
 </ds:datastoreItem>
 </file>
 
-<file path=customXml/itemProps39.xml><?xml version="1.0" encoding="utf-8"?>
-<ds:datastoreItem xmlns:ds="http://schemas.openxmlformats.org/officeDocument/2006/customXml" ds:itemID="{9E005C61-6D4F-4840-81D9-2B34A31696D8}">
+<file path=customXml/itemProps36.xml><?xml version="1.0" encoding="utf-8"?>
+<ds:datastoreItem xmlns:ds="http://schemas.openxmlformats.org/officeDocument/2006/customXml" ds:itemID="{59FC896B-5906-4E33-B420-19C9CD982781}">
+  <ds:schemaRefs>
+    <ds:schemaRef ds:uri="Microsoft.SharePoint.Taxonomy.ContentTypeSync"/>
+  </ds:schemaRefs>
+</ds:datastoreItem>
+</file>
+
+<file path=customXml/itemProps37.xml><?xml version="1.0" encoding="utf-8"?>
+<ds:datastoreItem xmlns:ds="http://schemas.openxmlformats.org/officeDocument/2006/customXml" ds:itemID="{A5124261-ECD9-4301-918A-BA12FB0B2C78}">
   <ds:schemaRefs>
     <ds:schemaRef ds:uri="ESRI.ArcGIS.Mapping.OfficeIntegration.PowerPointInfo"/>
   </ds:schemaRefs>
 </ds:datastoreItem>
 </file>
 
-<file path=customXml/itemProps4.xml><?xml version="1.0" encoding="utf-8"?>
-<ds:datastoreItem xmlns:ds="http://schemas.openxmlformats.org/officeDocument/2006/customXml" ds:itemID="{CB202D2A-2066-441A-9BC9-7C2958BEDFC1}">
-  <ds:schemaRefs>
-    <ds:schemaRef ds:uri="ESRI.ArcGIS.Mapping.OfficeIntegration.PowerPointInfo"/>
-  </ds:schemaRefs>
-</ds:datastoreItem>
-</file>
-
-<file path=customXml/itemProps40.xml><?xml version="1.0" encoding="utf-8"?>
-<ds:datastoreItem xmlns:ds="http://schemas.openxmlformats.org/officeDocument/2006/customXml" ds:itemID="{E973F0EB-93BB-43FC-96EF-9CC50705FFF2}">
-  <ds:schemaRefs>
-    <ds:schemaRef ds:uri="ESRI.ArcGIS.Mapping.OfficeIntegration.PowerPointInfo"/>
-  </ds:schemaRefs>
-</ds:datastoreItem>
-</file>
-
-<file path=customXml/itemProps41.xml><?xml version="1.0" encoding="utf-8"?>
+<file path=customXml/itemProps38.xml><?xml version="1.0" encoding="utf-8"?>
 <ds:datastoreItem xmlns:ds="http://schemas.openxmlformats.org/officeDocument/2006/customXml" ds:itemID="{AA12AD49-141C-4AEF-B5A1-9C2640B3AE03}">
   <ds:schemaRefs>
     <ds:schemaRef ds:uri="ESRI.ArcGIS.Mapping.OfficeIntegration.PowerPointInfo"/>
@@ -13329,7 +13310,15 @@
 </ds:datastoreItem>
 </file>
 
-<file path=customXml/itemProps42.xml><?xml version="1.0" encoding="utf-8"?>
+<file path=customXml/itemProps39.xml><?xml version="1.0" encoding="utf-8"?>
+<ds:datastoreItem xmlns:ds="http://schemas.openxmlformats.org/officeDocument/2006/customXml" ds:itemID="{1F82823B-7CB9-41B7-BDD4-ECCA15C48F29}">
+  <ds:schemaRefs>
+    <ds:schemaRef ds:uri="ESRI.ArcGIS.Mapping.OfficeIntegration.PowerPointInfo"/>
+  </ds:schemaRefs>
+</ds:datastoreItem>
+</file>
+
+<file path=customXml/itemProps4.xml><?xml version="1.0" encoding="utf-8"?>
 <ds:datastoreItem xmlns:ds="http://schemas.openxmlformats.org/officeDocument/2006/customXml" ds:itemID="{E91275EA-D1BD-4CBD-A522-7E2C95F36755}">
   <ds:schemaRefs>
     <ds:schemaRef ds:uri="ESRI.ArcGIS.Mapping.OfficeIntegration.PowerPointInfo"/>
@@ -13337,95 +13326,7 @@
 </ds:datastoreItem>
 </file>
 
-<file path=customXml/itemProps43.xml><?xml version="1.0" encoding="utf-8"?>
-<ds:datastoreItem xmlns:ds="http://schemas.openxmlformats.org/officeDocument/2006/customXml" ds:itemID="{DEE4CDC1-253A-4671-8E62-89F84F42D54A}">
-  <ds:schemaRefs>
-    <ds:schemaRef ds:uri="ESRI.ArcGIS.Mapping.OfficeIntegration.PowerPointInfo"/>
-  </ds:schemaRefs>
-</ds:datastoreItem>
-</file>
-
-<file path=customXml/itemProps44.xml><?xml version="1.0" encoding="utf-8"?>
-<ds:datastoreItem xmlns:ds="http://schemas.openxmlformats.org/officeDocument/2006/customXml" ds:itemID="{861EB184-8D2D-4B5F-AC8A-3A5E6F20DBAB}">
-  <ds:schemaRefs>
-    <ds:schemaRef ds:uri="http://schemas.microsoft.com/sharepoint/v3/contenttype/forms"/>
-  </ds:schemaRefs>
-</ds:datastoreItem>
-</file>
-
-<file path=customXml/itemProps45.xml><?xml version="1.0" encoding="utf-8"?>
-<ds:datastoreItem xmlns:ds="http://schemas.openxmlformats.org/officeDocument/2006/customXml" ds:itemID="{2EADD250-38B7-4521-96E1-23E821AD8C8D}">
-  <ds:schemaRefs>
-    <ds:schemaRef ds:uri="ESRI.ArcGIS.Mapping.OfficeIntegration.PowerPointInfo"/>
-  </ds:schemaRefs>
-</ds:datastoreItem>
-</file>
-
-<file path=customXml/itemProps46.xml><?xml version="1.0" encoding="utf-8"?>
-<ds:datastoreItem xmlns:ds="http://schemas.openxmlformats.org/officeDocument/2006/customXml" ds:itemID="{59FC896B-5906-4E33-B420-19C9CD982781}">
-  <ds:schemaRefs>
-    <ds:schemaRef ds:uri="Microsoft.SharePoint.Taxonomy.ContentTypeSync"/>
-  </ds:schemaRefs>
-</ds:datastoreItem>
-</file>
-
-<file path=customXml/itemProps47.xml><?xml version="1.0" encoding="utf-8"?>
-<ds:datastoreItem xmlns:ds="http://schemas.openxmlformats.org/officeDocument/2006/customXml" ds:itemID="{ED5622FC-DB59-48AA-A1D8-953676C5596F}">
-  <ds:schemaRefs>
-    <ds:schemaRef ds:uri="ESRI.ArcGIS.Mapping.OfficeIntegration.PowerPointInfo"/>
-  </ds:schemaRefs>
-</ds:datastoreItem>
-</file>
-
-<file path=customXml/itemProps48.xml><?xml version="1.0" encoding="utf-8"?>
-<ds:datastoreItem xmlns:ds="http://schemas.openxmlformats.org/officeDocument/2006/customXml" ds:itemID="{1F1F6CE4-83BA-4471-A58D-0AD53AED5300}">
-  <ds:schemaRefs>
-    <ds:schemaRef ds:uri="ESRI.ArcGIS.Mapping.OfficeIntegration.PowerPointInfo"/>
-  </ds:schemaRefs>
-</ds:datastoreItem>
-</file>
-
-<file path=customXml/itemProps49.xml><?xml version="1.0" encoding="utf-8"?>
-<ds:datastoreItem xmlns:ds="http://schemas.openxmlformats.org/officeDocument/2006/customXml" ds:itemID="{F42FBDC6-2777-4728-97E9-92C31165E300}">
-  <ds:schemaRefs>
-    <ds:schemaRef ds:uri="ESRI.ArcGIS.Mapping.OfficeIntegration.PowerPointInfo"/>
-  </ds:schemaRefs>
-</ds:datastoreItem>
-</file>
-
-<file path=customXml/itemProps5.xml><?xml version="1.0" encoding="utf-8"?>
-<ds:datastoreItem xmlns:ds="http://schemas.openxmlformats.org/officeDocument/2006/customXml" ds:itemID="{45B3B53F-F5A2-457B-8140-D13FCF88C6FD}">
-  <ds:schemaRefs>
-    <ds:schemaRef ds:uri="ESRI.ArcGIS.Mapping.OfficeIntegration.PowerPointInfo"/>
-  </ds:schemaRefs>
-</ds:datastoreItem>
-</file>
-
-<file path=customXml/itemProps50.xml><?xml version="1.0" encoding="utf-8"?>
-<ds:datastoreItem xmlns:ds="http://schemas.openxmlformats.org/officeDocument/2006/customXml" ds:itemID="{EA761C22-87FC-4CFE-AAE0-D1F38A2E2377}">
-  <ds:schemaRefs>
-    <ds:schemaRef ds:uri="ESRI.ArcGIS.Mapping.OfficeIntegration.PowerPointInfo"/>
-  </ds:schemaRefs>
-</ds:datastoreItem>
-</file>
-
-<file path=customXml/itemProps51.xml><?xml version="1.0" encoding="utf-8"?>
-<ds:datastoreItem xmlns:ds="http://schemas.openxmlformats.org/officeDocument/2006/customXml" ds:itemID="{AFC95C12-56EA-47D3-8C06-ED5671FD0A89}">
-  <ds:schemaRefs>
-    <ds:schemaRef ds:uri="ESRI.ArcGIS.Mapping.OfficeIntegration.PowerPointInfo"/>
-  </ds:schemaRefs>
-</ds:datastoreItem>
-</file>
-
-<file path=customXml/itemProps52.xml><?xml version="1.0" encoding="utf-8"?>
-<ds:datastoreItem xmlns:ds="http://schemas.openxmlformats.org/officeDocument/2006/customXml" ds:itemID="{9DD4A5AA-D95E-4272-B4A6-B3191ADEEE47}">
-  <ds:schemaRefs>
-    <ds:schemaRef ds:uri="ESRI.ArcGIS.Mapping.OfficeIntegration.PowerPointInfo"/>
-  </ds:schemaRefs>
-</ds:datastoreItem>
-</file>
-
-<file path=customXml/itemProps6.xml><?xml version="1.0" encoding="utf-8"?>
+<file path=customXml/itemProps40.xml><?xml version="1.0" encoding="utf-8"?>
 <ds:datastoreItem xmlns:ds="http://schemas.openxmlformats.org/officeDocument/2006/customXml" ds:itemID="{7D559223-BE9D-4414-B95A-77ABAA2EEAA0}">
   <ds:schemaRefs>
     <ds:schemaRef ds:uri="http://schemas.microsoft.com/office/2006/metadata/contentType"/>
@@ -13448,6 +13349,118 @@
 </ds:datastoreItem>
 </file>
 
+<file path=customXml/itemProps41.xml><?xml version="1.0" encoding="utf-8"?>
+<ds:datastoreItem xmlns:ds="http://schemas.openxmlformats.org/officeDocument/2006/customXml" ds:itemID="{21D12882-6AD3-4747-882D-7BBD093D28D7}">
+  <ds:schemaRefs>
+    <ds:schemaRef ds:uri="ESRI.ArcGIS.Mapping.OfficeIntegration.PowerPointInfo"/>
+  </ds:schemaRefs>
+</ds:datastoreItem>
+</file>
+
+<file path=customXml/itemProps42.xml><?xml version="1.0" encoding="utf-8"?>
+<ds:datastoreItem xmlns:ds="http://schemas.openxmlformats.org/officeDocument/2006/customXml" ds:itemID="{4EB1F0BB-F980-42FE-9521-1A03E3966E07}">
+  <ds:schemaRefs>
+    <ds:schemaRef ds:uri="ESRI.ArcGIS.Mapping.OfficeIntegration.PowerPointInfo"/>
+  </ds:schemaRefs>
+</ds:datastoreItem>
+</file>
+
+<file path=customXml/itemProps43.xml><?xml version="1.0" encoding="utf-8"?>
+<ds:datastoreItem xmlns:ds="http://schemas.openxmlformats.org/officeDocument/2006/customXml" ds:itemID="{4D7CC5B8-97AA-4B11-8937-72075C7BEA37}">
+  <ds:schemaRefs>
+    <ds:schemaRef ds:uri="ESRI.ArcGIS.Mapping.OfficeIntegration.PowerPointInfo"/>
+  </ds:schemaRefs>
+</ds:datastoreItem>
+</file>
+
+<file path=customXml/itemProps44.xml><?xml version="1.0" encoding="utf-8"?>
+<ds:datastoreItem xmlns:ds="http://schemas.openxmlformats.org/officeDocument/2006/customXml" ds:itemID="{660B78C1-CFAB-4010-BD46-690F159D7BE2}">
+  <ds:schemaRefs>
+    <ds:schemaRef ds:uri="ESRI.ArcGIS.Mapping.OfficeIntegration.PowerPointInfo"/>
+  </ds:schemaRefs>
+</ds:datastoreItem>
+</file>
+
+<file path=customXml/itemProps45.xml><?xml version="1.0" encoding="utf-8"?>
+<ds:datastoreItem xmlns:ds="http://schemas.openxmlformats.org/officeDocument/2006/customXml" ds:itemID="{F42FBDC6-2777-4728-97E9-92C31165E300}">
+  <ds:schemaRefs>
+    <ds:schemaRef ds:uri="ESRI.ArcGIS.Mapping.OfficeIntegration.PowerPointInfo"/>
+  </ds:schemaRefs>
+</ds:datastoreItem>
+</file>
+
+<file path=customXml/itemProps46.xml><?xml version="1.0" encoding="utf-8"?>
+<ds:datastoreItem xmlns:ds="http://schemas.openxmlformats.org/officeDocument/2006/customXml" ds:itemID="{75DBAF60-D38A-4AC3-AF3A-6BFDCEE991A2}">
+  <ds:schemaRefs>
+    <ds:schemaRef ds:uri="ESRI.ArcGIS.Mapping.OfficeIntegration.PowerPointInfo"/>
+  </ds:schemaRefs>
+</ds:datastoreItem>
+</file>
+
+<file path=customXml/itemProps47.xml><?xml version="1.0" encoding="utf-8"?>
+<ds:datastoreItem xmlns:ds="http://schemas.openxmlformats.org/officeDocument/2006/customXml" ds:itemID="{BDD5A017-32AD-469A-93EF-B361D8834774}">
+  <ds:schemaRefs>
+    <ds:schemaRef ds:uri="ESRI.ArcGIS.Mapping.OfficeIntegration.PowerPointInfo"/>
+  </ds:schemaRefs>
+</ds:datastoreItem>
+</file>
+
+<file path=customXml/itemProps48.xml><?xml version="1.0" encoding="utf-8"?>
+<ds:datastoreItem xmlns:ds="http://schemas.openxmlformats.org/officeDocument/2006/customXml" ds:itemID="{861EB184-8D2D-4B5F-AC8A-3A5E6F20DBAB}">
+  <ds:schemaRefs>
+    <ds:schemaRef ds:uri="http://schemas.microsoft.com/sharepoint/v3/contenttype/forms"/>
+  </ds:schemaRefs>
+</ds:datastoreItem>
+</file>
+
+<file path=customXml/itemProps49.xml><?xml version="1.0" encoding="utf-8"?>
+<ds:datastoreItem xmlns:ds="http://schemas.openxmlformats.org/officeDocument/2006/customXml" ds:itemID="{9DD4A5AA-D95E-4272-B4A6-B3191ADEEE47}">
+  <ds:schemaRefs>
+    <ds:schemaRef ds:uri="ESRI.ArcGIS.Mapping.OfficeIntegration.PowerPointInfo"/>
+  </ds:schemaRefs>
+</ds:datastoreItem>
+</file>
+
+<file path=customXml/itemProps5.xml><?xml version="1.0" encoding="utf-8"?>
+<ds:datastoreItem xmlns:ds="http://schemas.openxmlformats.org/officeDocument/2006/customXml" ds:itemID="{ED5622FC-DB59-48AA-A1D8-953676C5596F}">
+  <ds:schemaRefs>
+    <ds:schemaRef ds:uri="ESRI.ArcGIS.Mapping.OfficeIntegration.PowerPointInfo"/>
+  </ds:schemaRefs>
+</ds:datastoreItem>
+</file>
+
+<file path=customXml/itemProps50.xml><?xml version="1.0" encoding="utf-8"?>
+<ds:datastoreItem xmlns:ds="http://schemas.openxmlformats.org/officeDocument/2006/customXml" ds:itemID="{80661F80-A720-490A-8579-8CFF02707809}">
+  <ds:schemaRefs>
+    <ds:schemaRef ds:uri="ESRI.ArcGIS.Mapping.OfficeIntegration.PowerPointInfo"/>
+  </ds:schemaRefs>
+</ds:datastoreItem>
+</file>
+
+<file path=customXml/itemProps51.xml><?xml version="1.0" encoding="utf-8"?>
+<ds:datastoreItem xmlns:ds="http://schemas.openxmlformats.org/officeDocument/2006/customXml" ds:itemID="{6D4D6189-12F5-4098-8D85-483064C1C542}">
+  <ds:schemaRefs>
+    <ds:schemaRef ds:uri="ESRI.ArcGIS.Mapping.OfficeIntegration.PowerPointInfo"/>
+  </ds:schemaRefs>
+</ds:datastoreItem>
+</file>
+
+<file path=customXml/itemProps52.xml><?xml version="1.0" encoding="utf-8"?>
+<ds:datastoreItem xmlns:ds="http://schemas.openxmlformats.org/officeDocument/2006/customXml" ds:itemID="{DDBB028C-D4EB-47C7-8EDE-DC26677F539D}">
+  <ds:schemaRefs>
+    <ds:schemaRef ds:uri="ESRI.ArcGIS.Mapping.OfficeIntegration.PowerPointInfo"/>
+  </ds:schemaRefs>
+</ds:datastoreItem>
+</file>
+
+<file path=customXml/itemProps6.xml><?xml version="1.0" encoding="utf-8"?>
+<ds:datastoreItem xmlns:ds="http://schemas.openxmlformats.org/officeDocument/2006/customXml" ds:itemID="{EA761C22-87FC-4CFE-AAE0-D1F38A2E2377}">
+  <ds:schemaRefs>
+    <ds:schemaRef ds:uri="ESRI.ArcGIS.Mapping.OfficeIntegration.PowerPointInfo"/>
+  </ds:schemaRefs>
+</ds:datastoreItem>
+</file>
+
 <file path=customXml/itemProps7.xml><?xml version="1.0" encoding="utf-8"?>
 <ds:datastoreItem xmlns:ds="http://schemas.openxmlformats.org/officeDocument/2006/customXml" ds:itemID="{E3B2D9CD-2AD7-4A51-AA1D-A30DD55F278F}">
   <ds:schemaRefs>
@@ -13470,7 +13483,7 @@
 </file>
 
 <file path=customXml/itemProps8.xml><?xml version="1.0" encoding="utf-8"?>
-<ds:datastoreItem xmlns:ds="http://schemas.openxmlformats.org/officeDocument/2006/customXml" ds:itemID="{B056B3E2-413A-4BB4-94DD-C3B2DE8A1B16}">
+<ds:datastoreItem xmlns:ds="http://schemas.openxmlformats.org/officeDocument/2006/customXml" ds:itemID="{B419B9E4-B222-4812-A752-9643E727C9E3}">
   <ds:schemaRefs>
     <ds:schemaRef ds:uri="ESRI.ArcGIS.Mapping.OfficeIntegration.PowerPointInfo"/>
   </ds:schemaRefs>
@@ -13478,7 +13491,7 @@
 </file>
 
 <file path=customXml/itemProps9.xml><?xml version="1.0" encoding="utf-8"?>
-<ds:datastoreItem xmlns:ds="http://schemas.openxmlformats.org/officeDocument/2006/customXml" ds:itemID="{5C16D191-E0EE-4F21-968F-1C25B2FD7917}">
+<ds:datastoreItem xmlns:ds="http://schemas.openxmlformats.org/officeDocument/2006/customXml" ds:itemID="{737B3BD6-67F0-4B39-8394-38B7CB4C93D1}">
   <ds:schemaRefs>
     <ds:schemaRef ds:uri="ESRI.ArcGIS.Mapping.OfficeIntegration.PowerPointInfo"/>
   </ds:schemaRefs>
